--- a/cours/Qualité dev Android - 5 - Acces à internet et coroutines.pptx
+++ b/cours/Qualité dev Android - 5 - Acces à internet et coroutines.pptx
@@ -533,7 +533,7 @@
           <a:p>
             <a:fld id="{22BA6EB6-00D2-9C4B-AC43-F8A484A8D0EA}" type="datetimeFigureOut">
               <a:rPr lang="fr-FR" smtClean="0"/>
-              <a:t>18/12/2023</a:t>
+              <a:t>12/01/2025</a:t>
             </a:fld>
             <a:endParaRPr lang="fr-FR"/>
           </a:p>
@@ -5716,7 +5716,7 @@
           <a:effectLst/>
           <a:extLst>
             <a:ext uri="{91240B29-F687-4f45-9708-019B960494DF}">
-              <a14:hiddenLine xmlns="" xmlns:a14="http://schemas.microsoft.com/office/drawing/2010/main" w="9525">
+              <a14:hiddenLine xmlns:a14="http://schemas.microsoft.com/office/drawing/2010/main" xmlns="" w="9525">
                 <a:solidFill>
                   <a:srgbClr val="000000"/>
                 </a:solidFill>
@@ -5908,7 +5908,7 @@
           <a:p>
             <a:fld id="{2C23D0A1-8F90-5648-B574-1CA494BF5F2B}" type="datetime1">
               <a:rPr lang="fr-FR" smtClean="0"/>
-              <a:t>18/12/2023</a:t>
+              <a:t>12/01/2025</a:t>
             </a:fld>
             <a:endParaRPr lang="fr-FR"/>
           </a:p>
@@ -6229,7 +6229,7 @@
           <a:p>
             <a:fld id="{DD5EE401-40AD-194C-9B19-E665993B2DA4}" type="datetime1">
               <a:rPr lang="fr-FR" smtClean="0"/>
-              <a:t>18/12/2023</a:t>
+              <a:t>12/01/2025</a:t>
             </a:fld>
             <a:endParaRPr lang="fr-FR"/>
           </a:p>
@@ -6720,7 +6720,7 @@
           <a:p>
             <a:fld id="{5E30FAB1-84F2-1947-AEBC-24CCDC230A1A}" type="datetime1">
               <a:rPr lang="fr-FR" smtClean="0"/>
-              <a:t>18/12/2023</a:t>
+              <a:t>12/01/2025</a:t>
             </a:fld>
             <a:endParaRPr lang="fr-FR"/>
           </a:p>
@@ -7092,7 +7092,7 @@
           <a:p>
             <a:fld id="{5440FB5A-E2A8-284E-B6B6-E50320EDC833}" type="datetime1">
               <a:rPr lang="fr-FR" smtClean="0"/>
-              <a:t>18/12/2023</a:t>
+              <a:t>12/01/2025</a:t>
             </a:fld>
             <a:endParaRPr lang="fr-FR"/>
           </a:p>
@@ -7250,7 +7250,7 @@
           <a:ln/>
           <a:extLst>
             <a:ext uri="{91240B29-F687-4f45-9708-019B960494DF}">
-              <a14:hiddenLine xmlns="" xmlns:a14="http://schemas.microsoft.com/office/drawing/2010/main" w="9525">
+              <a14:hiddenLine xmlns:a14="http://schemas.microsoft.com/office/drawing/2010/main" xmlns="" w="9525">
                 <a:solidFill>
                   <a:srgbClr val="000000"/>
                 </a:solidFill>
@@ -7368,7 +7368,7 @@
           <a:p>
             <a:fld id="{DCA352EB-98BE-DC4C-89E1-7C990CCF9030}" type="datetime1">
               <a:rPr lang="fr-FR" smtClean="0"/>
-              <a:t>18/12/2023</a:t>
+              <a:t>12/01/2025</a:t>
             </a:fld>
             <a:endParaRPr lang="fr-FR"/>
           </a:p>
@@ -7528,7 +7528,7 @@
           <a:ln/>
           <a:extLst>
             <a:ext uri="{91240B29-F687-4f45-9708-019B960494DF}">
-              <a14:hiddenLine xmlns="" xmlns:a14="http://schemas.microsoft.com/office/drawing/2010/main" w="9525">
+              <a14:hiddenLine xmlns:a14="http://schemas.microsoft.com/office/drawing/2010/main" xmlns="" w="9525">
                 <a:solidFill>
                   <a:srgbClr val="000000"/>
                 </a:solidFill>
@@ -7656,7 +7656,7 @@
           <a:p>
             <a:fld id="{4162DE05-298B-F248-A469-2F3A18F75589}" type="datetime1">
               <a:rPr lang="fr-FR" smtClean="0"/>
-              <a:t>18/12/2023</a:t>
+              <a:t>12/01/2025</a:t>
             </a:fld>
             <a:endParaRPr lang="fr-FR"/>
           </a:p>
@@ -7814,7 +7814,7 @@
           <a:ln/>
           <a:extLst>
             <a:ext uri="{91240B29-F687-4f45-9708-019B960494DF}">
-              <a14:hiddenLine xmlns="" xmlns:a14="http://schemas.microsoft.com/office/drawing/2010/main" w="9525">
+              <a14:hiddenLine xmlns:a14="http://schemas.microsoft.com/office/drawing/2010/main" xmlns="" w="9525">
                 <a:solidFill>
                   <a:srgbClr val="000000"/>
                 </a:solidFill>
@@ -7942,7 +7942,7 @@
           <a:p>
             <a:fld id="{B7152E00-DF85-DE4A-9C00-34714E5ED729}" type="datetime1">
               <a:rPr lang="fr-FR" smtClean="0"/>
-              <a:t>18/12/2023</a:t>
+              <a:t>12/01/2025</a:t>
             </a:fld>
             <a:endParaRPr lang="fr-FR"/>
           </a:p>
@@ -8288,7 +8288,7 @@
           <a:p>
             <a:fld id="{1FF9B4FD-E02B-9040-A381-072A3C427D15}" type="datetime1">
               <a:rPr lang="fr-FR" smtClean="0"/>
-              <a:t>18/12/2023</a:t>
+              <a:t>12/01/2025</a:t>
             </a:fld>
             <a:endParaRPr lang="fr-FR"/>
           </a:p>
@@ -8446,7 +8446,7 @@
           <a:ln/>
           <a:extLst>
             <a:ext uri="{91240B29-F687-4f45-9708-019B960494DF}">
-              <a14:hiddenLine xmlns="" xmlns:a14="http://schemas.microsoft.com/office/drawing/2010/main" w="9525">
+              <a14:hiddenLine xmlns:a14="http://schemas.microsoft.com/office/drawing/2010/main" xmlns="" w="9525">
                 <a:solidFill>
                   <a:srgbClr val="000000"/>
                 </a:solidFill>
@@ -8630,7 +8630,7 @@
           <a:p>
             <a:fld id="{C09291D6-7844-574C-BA77-41E480603B9B}" type="datetime1">
               <a:rPr lang="fr-FR" smtClean="0"/>
-              <a:t>18/12/2023</a:t>
+              <a:t>12/01/2025</a:t>
             </a:fld>
             <a:endParaRPr lang="fr-FR"/>
           </a:p>
@@ -8788,7 +8788,7 @@
           <a:ln/>
           <a:extLst>
             <a:ext uri="{91240B29-F687-4f45-9708-019B960494DF}">
-              <a14:hiddenLine xmlns="" xmlns:a14="http://schemas.microsoft.com/office/drawing/2010/main" w="9525">
+              <a14:hiddenLine xmlns:a14="http://schemas.microsoft.com/office/drawing/2010/main" xmlns="" w="9525">
                 <a:solidFill>
                   <a:srgbClr val="000000"/>
                 </a:solidFill>
@@ -9110,7 +9110,7 @@
           <a:p>
             <a:fld id="{B8F059AB-F8EA-9145-AE19-717E27B02EC3}" type="datetime1">
               <a:rPr lang="fr-FR" smtClean="0"/>
-              <a:t>18/12/2023</a:t>
+              <a:t>12/01/2025</a:t>
             </a:fld>
             <a:endParaRPr lang="fr-FR"/>
           </a:p>
@@ -9268,7 +9268,7 @@
           <a:ln/>
           <a:extLst>
             <a:ext uri="{91240B29-F687-4f45-9708-019B960494DF}">
-              <a14:hiddenLine xmlns="" xmlns:a14="http://schemas.microsoft.com/office/drawing/2010/main" w="9525">
+              <a14:hiddenLine xmlns:a14="http://schemas.microsoft.com/office/drawing/2010/main" xmlns="" w="9525">
                 <a:solidFill>
                   <a:srgbClr val="000000"/>
                 </a:solidFill>
@@ -9334,7 +9334,7 @@
           <a:p>
             <a:fld id="{28DAA788-9343-1540-AD47-BE2F1FD35827}" type="datetime1">
               <a:rPr lang="fr-FR" smtClean="0"/>
-              <a:t>18/12/2023</a:t>
+              <a:t>12/01/2025</a:t>
             </a:fld>
             <a:endParaRPr lang="fr-FR"/>
           </a:p>
@@ -9432,7 +9432,7 @@
           <a:p>
             <a:fld id="{C79A7E77-705F-1742-88D3-2BF31360C6BB}" type="datetime1">
               <a:rPr lang="fr-FR" smtClean="0"/>
-              <a:t>18/12/2023</a:t>
+              <a:t>12/01/2025</a:t>
             </a:fld>
             <a:endParaRPr lang="fr-FR"/>
           </a:p>
@@ -9703,7 +9703,7 @@
           <a:ln/>
           <a:extLst>
             <a:ext uri="{91240B29-F687-4f45-9708-019B960494DF}">
-              <a14:hiddenLine xmlns="" xmlns:a14="http://schemas.microsoft.com/office/drawing/2010/main" w="9525">
+              <a14:hiddenLine xmlns:a14="http://schemas.microsoft.com/office/drawing/2010/main" xmlns="" w="9525">
                 <a:solidFill>
                   <a:srgbClr val="000000"/>
                 </a:solidFill>
@@ -9902,7 +9902,7 @@
           <a:p>
             <a:fld id="{59A61AF0-A5E3-B742-A040-9540E100F3C1}" type="datetime1">
               <a:rPr lang="fr-FR" smtClean="0"/>
-              <a:t>18/12/2023</a:t>
+              <a:t>12/01/2025</a:t>
             </a:fld>
             <a:endParaRPr lang="fr-FR"/>
           </a:p>
@@ -10218,7 +10218,7 @@
           <a:p>
             <a:fld id="{68C422D3-427B-A240-8849-1BB8DF8E0085}" type="datetime1">
               <a:rPr lang="fr-FR" smtClean="0"/>
-              <a:t>18/12/2023</a:t>
+              <a:t>12/01/2025</a:t>
             </a:fld>
             <a:endParaRPr lang="fr-FR"/>
           </a:p>
@@ -10494,7 +10494,7 @@
           <a:p>
             <a:fld id="{F17E6371-785B-B24A-BE6A-C04BB89D02D5}" type="datetime1">
               <a:rPr lang="fr-FR" smtClean="0"/>
-              <a:t>18/12/2023</a:t>
+              <a:t>12/01/2025</a:t>
             </a:fld>
             <a:endParaRPr lang="fr-FR"/>
           </a:p>
@@ -18204,8 +18204,8 @@
             <a:chExt cx="360" cy="360"/>
           </a:xfrm>
         </p:grpSpPr>
-        <mc:AlternateContent xmlns:mc="http://schemas.openxmlformats.org/markup-compatibility/2006">
-          <mc:Choice xmlns:p14="http://schemas.microsoft.com/office/powerpoint/2010/main" Requires="p14">
+        <mc:AlternateContent xmlns:mc="http://schemas.openxmlformats.org/markup-compatibility/2006" xmlns:p14="http://schemas.microsoft.com/office/powerpoint/2010/main">
+          <mc:Choice Requires="p14">
             <p:contentPart p14:bwMode="auto" r:id="rId5">
               <p14:nvContentPartPr>
                 <p14:cNvPr id="10" name="Encre 9">
@@ -18224,7 +18224,7 @@
               </p14:xfrm>
             </p:contentPart>
           </mc:Choice>
-          <mc:Fallback>
+          <mc:Fallback xmlns="">
             <p:pic>
               <p:nvPicPr>
                 <p:cNvPr id="10" name="Encre 9">
@@ -18255,8 +18255,8 @@
             </p:pic>
           </mc:Fallback>
         </mc:AlternateContent>
-        <mc:AlternateContent xmlns:mc="http://schemas.openxmlformats.org/markup-compatibility/2006">
-          <mc:Choice xmlns:p14="http://schemas.microsoft.com/office/powerpoint/2010/main" Requires="p14">
+        <mc:AlternateContent xmlns:mc="http://schemas.openxmlformats.org/markup-compatibility/2006" xmlns:p14="http://schemas.microsoft.com/office/powerpoint/2010/main">
+          <mc:Choice Requires="p14">
             <p:contentPart p14:bwMode="auto" r:id="rId7">
               <p14:nvContentPartPr>
                 <p14:cNvPr id="11" name="Encre 10">
@@ -18275,7 +18275,7 @@
               </p14:xfrm>
             </p:contentPart>
           </mc:Choice>
-          <mc:Fallback>
+          <mc:Fallback xmlns="">
             <p:pic>
               <p:nvPicPr>
                 <p:cNvPr id="11" name="Encre 10">
@@ -18480,8 +18480,8 @@
           </a:prstGeom>
         </p:spPr>
       </p:pic>
-      <mc:AlternateContent xmlns:mc="http://schemas.openxmlformats.org/markup-compatibility/2006">
-        <mc:Choice xmlns:p14="http://schemas.microsoft.com/office/powerpoint/2010/main" Requires="p14">
+      <mc:AlternateContent xmlns:mc="http://schemas.openxmlformats.org/markup-compatibility/2006" xmlns:p14="http://schemas.microsoft.com/office/powerpoint/2010/main">
+        <mc:Choice Requires="p14">
           <p:contentPart p14:bwMode="auto" r:id="rId5">
             <p14:nvContentPartPr>
               <p14:cNvPr id="10" name="Encre 9">
@@ -18500,7 +18500,7 @@
             </p14:xfrm>
           </p:contentPart>
         </mc:Choice>
-        <mc:Fallback>
+        <mc:Fallback xmlns="">
           <p:pic>
             <p:nvPicPr>
               <p:cNvPr id="10" name="Encre 9">
@@ -18531,8 +18531,8 @@
           </p:pic>
         </mc:Fallback>
       </mc:AlternateContent>
-      <mc:AlternateContent xmlns:mc="http://schemas.openxmlformats.org/markup-compatibility/2006">
-        <mc:Choice xmlns:p14="http://schemas.microsoft.com/office/powerpoint/2010/main" Requires="p14">
+      <mc:AlternateContent xmlns:mc="http://schemas.openxmlformats.org/markup-compatibility/2006" xmlns:p14="http://schemas.microsoft.com/office/powerpoint/2010/main">
+        <mc:Choice Requires="p14">
           <p:contentPart p14:bwMode="auto" r:id="rId7">
             <p14:nvContentPartPr>
               <p14:cNvPr id="13" name="Encre 12">
@@ -18551,7 +18551,7 @@
             </p14:xfrm>
           </p:contentPart>
         </mc:Choice>
-        <mc:Fallback>
+        <mc:Fallback xmlns="">
           <p:pic>
             <p:nvPicPr>
               <p:cNvPr id="13" name="Encre 12">
@@ -18582,8 +18582,8 @@
           </p:pic>
         </mc:Fallback>
       </mc:AlternateContent>
-      <mc:AlternateContent xmlns:mc="http://schemas.openxmlformats.org/markup-compatibility/2006">
-        <mc:Choice xmlns:p14="http://schemas.microsoft.com/office/powerpoint/2010/main" Requires="p14">
+      <mc:AlternateContent xmlns:mc="http://schemas.openxmlformats.org/markup-compatibility/2006" xmlns:p14="http://schemas.microsoft.com/office/powerpoint/2010/main">
+        <mc:Choice Requires="p14">
           <p:contentPart p14:bwMode="auto" r:id="rId9">
             <p14:nvContentPartPr>
               <p14:cNvPr id="15" name="Encre 14">
@@ -18602,7 +18602,7 @@
             </p14:xfrm>
           </p:contentPart>
         </mc:Choice>
-        <mc:Fallback>
+        <mc:Fallback xmlns="">
           <p:pic>
             <p:nvPicPr>
               <p:cNvPr id="15" name="Encre 14">
@@ -18633,8 +18633,8 @@
           </p:pic>
         </mc:Fallback>
       </mc:AlternateContent>
-      <mc:AlternateContent xmlns:mc="http://schemas.openxmlformats.org/markup-compatibility/2006">
-        <mc:Choice xmlns:p14="http://schemas.microsoft.com/office/powerpoint/2010/main" Requires="p14">
+      <mc:AlternateContent xmlns:mc="http://schemas.openxmlformats.org/markup-compatibility/2006" xmlns:p14="http://schemas.microsoft.com/office/powerpoint/2010/main">
+        <mc:Choice Requires="p14">
           <p:contentPart p14:bwMode="auto" r:id="rId11">
             <p14:nvContentPartPr>
               <p14:cNvPr id="16" name="Encre 15">
@@ -18653,7 +18653,7 @@
             </p14:xfrm>
           </p:contentPart>
         </mc:Choice>
-        <mc:Fallback>
+        <mc:Fallback xmlns="">
           <p:pic>
             <p:nvPicPr>
               <p:cNvPr id="16" name="Encre 15">
@@ -18684,8 +18684,8 @@
           </p:pic>
         </mc:Fallback>
       </mc:AlternateContent>
-      <mc:AlternateContent xmlns:mc="http://schemas.openxmlformats.org/markup-compatibility/2006">
-        <mc:Choice xmlns:p14="http://schemas.microsoft.com/office/powerpoint/2010/main" Requires="p14">
+      <mc:AlternateContent xmlns:mc="http://schemas.openxmlformats.org/markup-compatibility/2006" xmlns:p14="http://schemas.microsoft.com/office/powerpoint/2010/main">
+        <mc:Choice Requires="p14">
           <p:contentPart p14:bwMode="auto" r:id="rId13">
             <p14:nvContentPartPr>
               <p14:cNvPr id="17" name="Encre 16">
@@ -18704,7 +18704,7 @@
             </p14:xfrm>
           </p:contentPart>
         </mc:Choice>
-        <mc:Fallback>
+        <mc:Fallback xmlns="">
           <p:pic>
             <p:nvPicPr>
               <p:cNvPr id="17" name="Encre 16">
@@ -19676,7 +19676,7 @@
             <a:pPr lvl="1"/>
             <a:r>
               <a:rPr lang="fr-FR" dirty="0"/>
-              <a:t>Laisser les exceptions remontés au niveau supérieur et les gérer avec block </a:t>
+              <a:t>Laisser les exceptions remontées au niveau supérieur et les gérer avec block </a:t>
             </a:r>
             <a:r>
               <a:rPr lang="fr-FR" b="1" dirty="0" err="1"/>
@@ -20170,15 +20170,7 @@
             </a:r>
             <a:r>
               <a:rPr lang="fr-FR" dirty="0"/>
-              <a:t> Room (base de données) permet de </a:t>
-            </a:r>
-            <a:r>
-              <a:rPr lang="fr-FR" dirty="0" err="1"/>
-              <a:t>stokcer</a:t>
-            </a:r>
-            <a:r>
-              <a:rPr lang="fr-FR" dirty="0"/>
-              <a:t> les données de test dans la mémoire vive</a:t>
+              <a:t> Room (base de données) permet de stocker les données de test dans la mémoire vive</a:t>
             </a:r>
           </a:p>
         </p:txBody>

--- a/cours/Qualité dev Android - 5 - Acces à internet et coroutines.pptx
+++ b/cours/Qualité dev Android - 5 - Acces à internet et coroutines.pptx
@@ -5,7 +5,7 @@
     <p:sldMasterId id="2147483675" r:id="rId1"/>
   </p:sldMasterIdLst>
   <p:notesMasterIdLst>
-    <p:notesMasterId r:id="rId59"/>
+    <p:notesMasterId r:id="rId57"/>
   </p:notesMasterIdLst>
   <p:sldIdLst>
     <p:sldId id="256" r:id="rId2"/>
@@ -37,34 +37,32 @@
     <p:sldId id="287" r:id="rId28"/>
     <p:sldId id="286" r:id="rId29"/>
     <p:sldId id="275" r:id="rId30"/>
-    <p:sldId id="276" r:id="rId31"/>
-    <p:sldId id="288" r:id="rId32"/>
-    <p:sldId id="289" r:id="rId33"/>
-    <p:sldId id="290" r:id="rId34"/>
-    <p:sldId id="291" r:id="rId35"/>
-    <p:sldId id="292" r:id="rId36"/>
-    <p:sldId id="293" r:id="rId37"/>
-    <p:sldId id="294" r:id="rId38"/>
-    <p:sldId id="295" r:id="rId39"/>
-    <p:sldId id="296" r:id="rId40"/>
-    <p:sldId id="297" r:id="rId41"/>
-    <p:sldId id="298" r:id="rId42"/>
-    <p:sldId id="299" r:id="rId43"/>
-    <p:sldId id="300" r:id="rId44"/>
-    <p:sldId id="301" r:id="rId45"/>
-    <p:sldId id="302" r:id="rId46"/>
-    <p:sldId id="308" r:id="rId47"/>
-    <p:sldId id="309" r:id="rId48"/>
-    <p:sldId id="310" r:id="rId49"/>
-    <p:sldId id="311" r:id="rId50"/>
-    <p:sldId id="312" r:id="rId51"/>
-    <p:sldId id="313" r:id="rId52"/>
-    <p:sldId id="314" r:id="rId53"/>
-    <p:sldId id="315" r:id="rId54"/>
-    <p:sldId id="316" r:id="rId55"/>
-    <p:sldId id="317" r:id="rId56"/>
-    <p:sldId id="318" r:id="rId57"/>
-    <p:sldId id="307" r:id="rId58"/>
+    <p:sldId id="288" r:id="rId31"/>
+    <p:sldId id="289" r:id="rId32"/>
+    <p:sldId id="290" r:id="rId33"/>
+    <p:sldId id="291" r:id="rId34"/>
+    <p:sldId id="292" r:id="rId35"/>
+    <p:sldId id="293" r:id="rId36"/>
+    <p:sldId id="294" r:id="rId37"/>
+    <p:sldId id="295" r:id="rId38"/>
+    <p:sldId id="296" r:id="rId39"/>
+    <p:sldId id="297" r:id="rId40"/>
+    <p:sldId id="298" r:id="rId41"/>
+    <p:sldId id="299" r:id="rId42"/>
+    <p:sldId id="300" r:id="rId43"/>
+    <p:sldId id="301" r:id="rId44"/>
+    <p:sldId id="302" r:id="rId45"/>
+    <p:sldId id="308" r:id="rId46"/>
+    <p:sldId id="309" r:id="rId47"/>
+    <p:sldId id="310" r:id="rId48"/>
+    <p:sldId id="311" r:id="rId49"/>
+    <p:sldId id="312" r:id="rId50"/>
+    <p:sldId id="313" r:id="rId51"/>
+    <p:sldId id="314" r:id="rId52"/>
+    <p:sldId id="315" r:id="rId53"/>
+    <p:sldId id="316" r:id="rId54"/>
+    <p:sldId id="317" r:id="rId55"/>
+    <p:sldId id="318" r:id="rId56"/>
   </p:sldIdLst>
   <p:sldSz cx="12192000" cy="6858000"/>
   <p:notesSz cx="6858000" cy="9144000"/>
@@ -205,7 +203,6 @@
             <p14:sldId id="287"/>
             <p14:sldId id="286"/>
             <p14:sldId id="275"/>
-            <p14:sldId id="276"/>
           </p14:sldIdLst>
         </p14:section>
         <p14:section name="Couche de données" id="{922FC1BA-0479-3C42-ACC3-B3C5B7714024}">
@@ -244,7 +241,6 @@
             <p14:sldId id="316"/>
             <p14:sldId id="317"/>
             <p14:sldId id="318"/>
-            <p14:sldId id="307"/>
           </p14:sldIdLst>
         </p14:section>
       </p14:sectionLst>
@@ -533,7 +529,7 @@
           <a:p>
             <a:fld id="{22BA6EB6-00D2-9C4B-AC43-F8A484A8D0EA}" type="datetimeFigureOut">
               <a:rPr lang="fr-FR" smtClean="0"/>
-              <a:t>12/01/2025</a:t>
+              <a:t>16/01/2025</a:t>
             </a:fld>
             <a:endParaRPr lang="fr-FR"/>
           </a:p>
@@ -2867,37 +2863,16 @@
           <a:p>
             <a:r>
               <a:rPr lang="fr-FR" dirty="0"/>
-              <a:t>https://</a:t>
+              <a:t>Business </a:t>
             </a:r>
             <a:r>
               <a:rPr lang="fr-FR" dirty="0" err="1"/>
-              <a:t>developer.android.com</a:t>
-            </a:r>
-            <a:r>
-              <a:rPr lang="fr-FR" dirty="0"/>
-              <a:t>/courses/</a:t>
-            </a:r>
-            <a:r>
-              <a:rPr lang="fr-FR" dirty="0" err="1"/>
-              <a:t>quizzes</a:t>
-            </a:r>
-            <a:r>
-              <a:rPr lang="fr-FR" dirty="0"/>
-              <a:t>/</a:t>
-            </a:r>
-            <a:r>
-              <a:rPr lang="fr-FR" dirty="0" err="1"/>
-              <a:t>android</a:t>
-            </a:r>
-            <a:r>
-              <a:rPr lang="fr-FR" dirty="0"/>
-              <a:t>-basics-compose-unit -5-pathway-1/android-basics-compose-unit-5-pathway-1?hl=</a:t>
-            </a:r>
-            <a:r>
-              <a:rPr lang="fr-FR" dirty="0" err="1"/>
-              <a:t>fr</a:t>
-            </a:r>
-            <a:endParaRPr lang="fr-FR" dirty="0"/>
+              <a:t>logic</a:t>
+            </a:r>
+            <a:r>
+              <a:rPr lang="fr-FR" dirty="0"/>
+              <a:t> : ce qui créé de la valeur à l’app, ce qui la rend spécifique, comment données sont créer, sauvegardé, mis à jour</a:t>
+            </a:r>
           </a:p>
         </p:txBody>
       </p:sp>
@@ -2927,7 +2902,7 @@
     </p:spTree>
     <p:extLst>
       <p:ext uri="{BB962C8B-B14F-4D97-AF65-F5344CB8AC3E}">
-        <p14:creationId xmlns:p14="http://schemas.microsoft.com/office/powerpoint/2010/main" val="1705092818"/>
+        <p14:creationId xmlns:p14="http://schemas.microsoft.com/office/powerpoint/2010/main" val="3832846498"/>
       </p:ext>
     </p:extLst>
   </p:cSld>
@@ -2981,18 +2956,7 @@
           <a:bodyPr/>
           <a:lstStyle/>
           <a:p>
-            <a:r>
-              <a:rPr lang="fr-FR" dirty="0"/>
-              <a:t>Business </a:t>
-            </a:r>
-            <a:r>
-              <a:rPr lang="fr-FR" dirty="0" err="1"/>
-              <a:t>logic</a:t>
-            </a:r>
-            <a:r>
-              <a:rPr lang="fr-FR" dirty="0"/>
-              <a:t> : ce qui créé de la valeur à l’app, ce qui la rend spécifique, comment données sont créer, sauvegardé, mis à jour</a:t>
-            </a:r>
+            <a:endParaRPr lang="fr-FR" dirty="0"/>
           </a:p>
         </p:txBody>
       </p:sp>
@@ -3013,7 +2977,7 @@
           <a:p>
             <a:fld id="{86A83C4D-A87A-0D4F-AA73-662BFCBD9808}" type="slidenum">
               <a:rPr lang="fr-FR" smtClean="0"/>
-              <a:t>31</a:t>
+              <a:t>32</a:t>
             </a:fld>
             <a:endParaRPr lang="fr-FR"/>
           </a:p>
@@ -3022,7 +2986,7 @@
     </p:spTree>
     <p:extLst>
       <p:ext uri="{BB962C8B-B14F-4D97-AF65-F5344CB8AC3E}">
-        <p14:creationId xmlns:p14="http://schemas.microsoft.com/office/powerpoint/2010/main" val="3832846498"/>
+        <p14:creationId xmlns:p14="http://schemas.microsoft.com/office/powerpoint/2010/main" val="2454872766"/>
       </p:ext>
     </p:extLst>
   </p:cSld>
@@ -3076,7 +3040,10 @@
           <a:bodyPr/>
           <a:lstStyle/>
           <a:p>
-            <a:endParaRPr lang="fr-FR" dirty="0"/>
+            <a:r>
+              <a:rPr lang="fr-FR" dirty="0"/>
+              <a:t>Aucun accès aux donnée autres que par les repos</a:t>
+            </a:r>
           </a:p>
         </p:txBody>
       </p:sp>
@@ -3106,7 +3073,7 @@
     </p:spTree>
     <p:extLst>
       <p:ext uri="{BB962C8B-B14F-4D97-AF65-F5344CB8AC3E}">
-        <p14:creationId xmlns:p14="http://schemas.microsoft.com/office/powerpoint/2010/main" val="2454872766"/>
+        <p14:creationId xmlns:p14="http://schemas.microsoft.com/office/powerpoint/2010/main" val="4042196604"/>
       </p:ext>
     </p:extLst>
   </p:cSld>
@@ -3162,7 +3129,7 @@
           <a:p>
             <a:r>
               <a:rPr lang="fr-FR" dirty="0"/>
-              <a:t>Aucun accès aux donnée autres que par les repos</a:t>
+              <a:t>Avoir plusieurs sources de données peut être compliqué à gérer, il faut une source de vérité</a:t>
             </a:r>
           </a:p>
         </p:txBody>
@@ -3193,7 +3160,7 @@
     </p:spTree>
     <p:extLst>
       <p:ext uri="{BB962C8B-B14F-4D97-AF65-F5344CB8AC3E}">
-        <p14:creationId xmlns:p14="http://schemas.microsoft.com/office/powerpoint/2010/main" val="4042196604"/>
+        <p14:creationId xmlns:p14="http://schemas.microsoft.com/office/powerpoint/2010/main" val="1350677576"/>
       </p:ext>
     </p:extLst>
   </p:cSld>
@@ -3280,7 +3247,7 @@
     </p:spTree>
     <p:extLst>
       <p:ext uri="{BB962C8B-B14F-4D97-AF65-F5344CB8AC3E}">
-        <p14:creationId xmlns:p14="http://schemas.microsoft.com/office/powerpoint/2010/main" val="1350677576"/>
+        <p14:creationId xmlns:p14="http://schemas.microsoft.com/office/powerpoint/2010/main" val="622951128"/>
       </p:ext>
     </p:extLst>
   </p:cSld>
@@ -3336,7 +3303,45 @@
           <a:p>
             <a:r>
               <a:rPr lang="fr-FR" dirty="0"/>
-              <a:t>Avoir plusieurs sources de données peut être compliqué à gérer, il faut une source de vérité</a:t>
+              <a:t>Cas simple sans l’utilisateur peut modifier les données</a:t>
+            </a:r>
+          </a:p>
+          <a:p>
+            <a:r>
+              <a:rPr lang="fr-FR" dirty="0"/>
+              <a:t>Bibliothèque spécifique comme </a:t>
+            </a:r>
+            <a:r>
+              <a:rPr lang="fr-FR" dirty="0" err="1"/>
+              <a:t>vicestore</a:t>
+            </a:r>
+            <a:r>
+              <a:rPr lang="fr-FR" dirty="0"/>
+              <a:t> pour gérer le offline first pour gérer </a:t>
+            </a:r>
+            <a:r>
+              <a:rPr lang="fr-FR" dirty="0" err="1"/>
+              <a:t>remote</a:t>
+            </a:r>
+            <a:r>
+              <a:rPr lang="fr-FR" dirty="0"/>
+              <a:t> api et </a:t>
+            </a:r>
+            <a:r>
+              <a:rPr lang="fr-FR" dirty="0" err="1"/>
+              <a:t>database</a:t>
+            </a:r>
+            <a:r>
+              <a:rPr lang="fr-FR" dirty="0"/>
+              <a:t> </a:t>
+            </a:r>
+            <a:r>
+              <a:rPr lang="fr-FR" dirty="0" err="1"/>
+              <a:t>caching</a:t>
+            </a:r>
+            <a:r>
+              <a:rPr lang="fr-FR" dirty="0"/>
+              <a:t> et conflits</a:t>
             </a:r>
           </a:p>
         </p:txBody>
@@ -3367,7 +3372,7 @@
     </p:spTree>
     <p:extLst>
       <p:ext uri="{BB962C8B-B14F-4D97-AF65-F5344CB8AC3E}">
-        <p14:creationId xmlns:p14="http://schemas.microsoft.com/office/powerpoint/2010/main" val="622951128"/>
+        <p14:creationId xmlns:p14="http://schemas.microsoft.com/office/powerpoint/2010/main" val="689807382"/>
       </p:ext>
     </p:extLst>
   </p:cSld>
@@ -3507,46 +3512,13 @@
           <a:p>
             <a:r>
               <a:rPr lang="fr-FR" dirty="0"/>
-              <a:t>Cas simple sans l’utilisateur peut modifier les données</a:t>
-            </a:r>
-          </a:p>
-          <a:p>
-            <a:r>
-              <a:rPr lang="fr-FR" dirty="0"/>
-              <a:t>Bibliothèque spécifique comme </a:t>
+              <a:t>Code plus clair et plus </a:t>
             </a:r>
             <a:r>
               <a:rPr lang="fr-FR" dirty="0" err="1"/>
-              <a:t>vicestore</a:t>
-            </a:r>
-            <a:r>
-              <a:rPr lang="fr-FR" dirty="0"/>
-              <a:t> pour gérer le offline first pour gérer </a:t>
-            </a:r>
-            <a:r>
-              <a:rPr lang="fr-FR" dirty="0" err="1"/>
-              <a:t>remote</a:t>
-            </a:r>
-            <a:r>
-              <a:rPr lang="fr-FR" dirty="0"/>
-              <a:t> api et </a:t>
-            </a:r>
-            <a:r>
-              <a:rPr lang="fr-FR" dirty="0" err="1"/>
-              <a:t>database</a:t>
-            </a:r>
-            <a:r>
-              <a:rPr lang="fr-FR" dirty="0"/>
-              <a:t> </a:t>
-            </a:r>
-            <a:r>
-              <a:rPr lang="fr-FR" dirty="0" err="1"/>
-              <a:t>caching</a:t>
-            </a:r>
-            <a:r>
-              <a:rPr lang="fr-FR" dirty="0"/>
-              <a:t> et conflits</a:t>
-            </a:r>
+              <a:t>succint</a:t>
+            </a:r>
+            <a:endParaRPr lang="fr-FR" dirty="0"/>
           </a:p>
         </p:txBody>
       </p:sp>
@@ -3567,7 +3539,7 @@
           <a:p>
             <a:fld id="{86A83C4D-A87A-0D4F-AA73-662BFCBD9808}" type="slidenum">
               <a:rPr lang="fr-FR" smtClean="0"/>
-              <a:t>37</a:t>
+              <a:t>39</a:t>
             </a:fld>
             <a:endParaRPr lang="fr-FR"/>
           </a:p>
@@ -3576,7 +3548,7 @@
     </p:spTree>
     <p:extLst>
       <p:ext uri="{BB962C8B-B14F-4D97-AF65-F5344CB8AC3E}">
-        <p14:creationId xmlns:p14="http://schemas.microsoft.com/office/powerpoint/2010/main" val="689807382"/>
+        <p14:creationId xmlns:p14="http://schemas.microsoft.com/office/powerpoint/2010/main" val="3199198663"/>
       </p:ext>
     </p:extLst>
   </p:cSld>
@@ -3630,14 +3602,6 @@
           <a:bodyPr/>
           <a:lstStyle/>
           <a:p>
-            <a:r>
-              <a:rPr lang="fr-FR" dirty="0"/>
-              <a:t>Code plus clair et plus </a:t>
-            </a:r>
-            <a:r>
-              <a:rPr lang="fr-FR" dirty="0" err="1"/>
-              <a:t>succint</a:t>
-            </a:r>
             <a:endParaRPr lang="fr-FR" dirty="0"/>
           </a:p>
         </p:txBody>
@@ -3659,7 +3623,7 @@
           <a:p>
             <a:fld id="{86A83C4D-A87A-0D4F-AA73-662BFCBD9808}" type="slidenum">
               <a:rPr lang="fr-FR" smtClean="0"/>
-              <a:t>40</a:t>
+              <a:t>42</a:t>
             </a:fld>
             <a:endParaRPr lang="fr-FR"/>
           </a:p>
@@ -3668,7 +3632,7 @@
     </p:spTree>
     <p:extLst>
       <p:ext uri="{BB962C8B-B14F-4D97-AF65-F5344CB8AC3E}">
-        <p14:creationId xmlns:p14="http://schemas.microsoft.com/office/powerpoint/2010/main" val="3199198663"/>
+        <p14:creationId xmlns:p14="http://schemas.microsoft.com/office/powerpoint/2010/main" val="2277686817"/>
       </p:ext>
     </p:extLst>
   </p:cSld>
@@ -3722,7 +3686,10 @@
           <a:bodyPr/>
           <a:lstStyle/>
           <a:p>
-            <a:endParaRPr lang="fr-FR" dirty="0"/>
+            <a:r>
+              <a:rPr lang="fr-FR" dirty="0"/>
+              <a:t>Dans notre cas, un repository dépend de 0, 1 ou plusieurs data source, ce sont ses dépendances</a:t>
+            </a:r>
           </a:p>
         </p:txBody>
       </p:sp>
@@ -3741,9 +3708,9 @@
           <a:bodyPr/>
           <a:lstStyle/>
           <a:p>
-            <a:fld id="{86A83C4D-A87A-0D4F-AA73-662BFCBD9808}" type="slidenum">
+            <a:fld id="{03D477A7-6253-1F47-8425-A0D536A14C72}" type="slidenum">
               <a:rPr lang="fr-FR" smtClean="0"/>
-              <a:t>43</a:t>
+              <a:t>45</a:t>
             </a:fld>
             <a:endParaRPr lang="fr-FR"/>
           </a:p>
@@ -3752,7 +3719,7 @@
     </p:spTree>
     <p:extLst>
       <p:ext uri="{BB962C8B-B14F-4D97-AF65-F5344CB8AC3E}">
-        <p14:creationId xmlns:p14="http://schemas.microsoft.com/office/powerpoint/2010/main" val="2277686817"/>
+        <p14:creationId xmlns:p14="http://schemas.microsoft.com/office/powerpoint/2010/main" val="882631588"/>
       </p:ext>
     </p:extLst>
   </p:cSld>
@@ -3806,10 +3773,105 @@
           <a:bodyPr/>
           <a:lstStyle/>
           <a:p>
-            <a:r>
-              <a:rPr lang="fr-FR" dirty="0"/>
-              <a:t>Dans notre cas, un repository dépend de 0, 1 ou plusieurs data source, ce sont ses dépendances</a:t>
-            </a:r>
+            <a:pPr algn="l">
+              <a:buFont typeface="Arial" panose="020B0604020202020204" pitchFamily="34" charset="0"/>
+              <a:buChar char="•"/>
+            </a:pPr>
+            <a:r>
+              <a:rPr lang="fr-FR" b="1" i="0" dirty="0">
+                <a:solidFill>
+                  <a:srgbClr val="4E5256"/>
+                </a:solidFill>
+                <a:effectLst/>
+                <a:latin typeface="Google Sans Text"/>
+              </a:rPr>
+              <a:t>Aide à la réutilisation du code</a:t>
+            </a:r>
+            <a:r>
+              <a:rPr lang="fr-FR" b="0" i="0" dirty="0">
+                <a:solidFill>
+                  <a:srgbClr val="4E5256"/>
+                </a:solidFill>
+                <a:effectLst/>
+                <a:latin typeface="Google Sans Text"/>
+              </a:rPr>
+              <a:t> : le code ne dépend pas d'un objet spécifique, ce qui offre une plus grande flexibilité.</a:t>
+            </a:r>
+          </a:p>
+          <a:p>
+            <a:pPr algn="l">
+              <a:buFont typeface="Arial" panose="020B0604020202020204" pitchFamily="34" charset="0"/>
+              <a:buChar char="•"/>
+            </a:pPr>
+            <a:r>
+              <a:rPr lang="fr-FR" b="1" i="0" dirty="0">
+                <a:solidFill>
+                  <a:srgbClr val="4E5256"/>
+                </a:solidFill>
+                <a:effectLst/>
+                <a:latin typeface="Google Sans Text"/>
+              </a:rPr>
+              <a:t>Facilite la refactorisation</a:t>
+            </a:r>
+            <a:r>
+              <a:rPr lang="fr-FR" b="0" i="0" dirty="0">
+                <a:solidFill>
+                  <a:srgbClr val="4E5256"/>
+                </a:solidFill>
+                <a:effectLst/>
+                <a:latin typeface="Google Sans Text"/>
+              </a:rPr>
+              <a:t> : le code étant faiblement couplé, la refactorisation d'une section de code n'a pas d'incidence sur une autre section.</a:t>
+            </a:r>
+          </a:p>
+          <a:p>
+            <a:pPr algn="l">
+              <a:buFont typeface="Arial" panose="020B0604020202020204" pitchFamily="34" charset="0"/>
+              <a:buChar char="•"/>
+            </a:pPr>
+            <a:r>
+              <a:rPr lang="fr-FR" b="1" i="0" dirty="0">
+                <a:solidFill>
+                  <a:srgbClr val="4E5256"/>
+                </a:solidFill>
+                <a:effectLst/>
+                <a:latin typeface="Google Sans Text"/>
+              </a:rPr>
+              <a:t>Aide à la réalisation de tests</a:t>
+            </a:r>
+            <a:r>
+              <a:rPr lang="fr-FR" b="0" i="0" dirty="0">
+                <a:solidFill>
+                  <a:srgbClr val="4E5256"/>
+                </a:solidFill>
+                <a:effectLst/>
+                <a:latin typeface="Google Sans Text"/>
+              </a:rPr>
+              <a:t> : les objets de test peuvent être transmis lors des tests. Par </a:t>
+            </a:r>
+            <a:r>
+              <a:rPr lang="fr-FR" b="0" i="0" dirty="0" err="1">
+                <a:solidFill>
+                  <a:srgbClr val="4E5256"/>
+                </a:solidFill>
+                <a:effectLst/>
+                <a:latin typeface="Google Sans Text"/>
+              </a:rPr>
+              <a:t>exmple</a:t>
+            </a:r>
+            <a:r>
+              <a:rPr lang="fr-FR" b="0" i="0" dirty="0">
+                <a:solidFill>
+                  <a:srgbClr val="4E5256"/>
+                </a:solidFill>
+                <a:effectLst/>
+                <a:latin typeface="Google Sans Text"/>
+              </a:rPr>
+              <a:t> pour tester des un service qui fait des appels réseau, on utilise une classe qui simule son fonctionnement</a:t>
+            </a:r>
+          </a:p>
+          <a:p>
+            <a:endParaRPr lang="fr-FR" dirty="0"/>
           </a:p>
         </p:txBody>
       </p:sp>
@@ -3830,7 +3892,7 @@
           <a:p>
             <a:fld id="{03D477A7-6253-1F47-8425-A0D536A14C72}" type="slidenum">
               <a:rPr lang="fr-FR" smtClean="0"/>
-              <a:t>46</a:t>
+              <a:t>48</a:t>
             </a:fld>
             <a:endParaRPr lang="fr-FR"/>
           </a:p>
@@ -3839,7 +3901,7 @@
     </p:spTree>
     <p:extLst>
       <p:ext uri="{BB962C8B-B14F-4D97-AF65-F5344CB8AC3E}">
-        <p14:creationId xmlns:p14="http://schemas.microsoft.com/office/powerpoint/2010/main" val="882631588"/>
+        <p14:creationId xmlns:p14="http://schemas.microsoft.com/office/powerpoint/2010/main" val="2212349041"/>
       </p:ext>
     </p:extLst>
   </p:cSld>
@@ -4021,7 +4083,7 @@
     </p:spTree>
     <p:extLst>
       <p:ext uri="{BB962C8B-B14F-4D97-AF65-F5344CB8AC3E}">
-        <p14:creationId xmlns:p14="http://schemas.microsoft.com/office/powerpoint/2010/main" val="2212349041"/>
+        <p14:creationId xmlns:p14="http://schemas.microsoft.com/office/powerpoint/2010/main" val="3693944666"/>
       </p:ext>
     </p:extLst>
   </p:cSld>
@@ -4075,104 +4137,6 @@
           <a:bodyPr/>
           <a:lstStyle/>
           <a:p>
-            <a:pPr algn="l">
-              <a:buFont typeface="Arial" panose="020B0604020202020204" pitchFamily="34" charset="0"/>
-              <a:buChar char="•"/>
-            </a:pPr>
-            <a:r>
-              <a:rPr lang="fr-FR" b="1" i="0" dirty="0">
-                <a:solidFill>
-                  <a:srgbClr val="4E5256"/>
-                </a:solidFill>
-                <a:effectLst/>
-                <a:latin typeface="Google Sans Text"/>
-              </a:rPr>
-              <a:t>Aide à la réutilisation du code</a:t>
-            </a:r>
-            <a:r>
-              <a:rPr lang="fr-FR" b="0" i="0" dirty="0">
-                <a:solidFill>
-                  <a:srgbClr val="4E5256"/>
-                </a:solidFill>
-                <a:effectLst/>
-                <a:latin typeface="Google Sans Text"/>
-              </a:rPr>
-              <a:t> : le code ne dépend pas d'un objet spécifique, ce qui offre une plus grande flexibilité.</a:t>
-            </a:r>
-          </a:p>
-          <a:p>
-            <a:pPr algn="l">
-              <a:buFont typeface="Arial" panose="020B0604020202020204" pitchFamily="34" charset="0"/>
-              <a:buChar char="•"/>
-            </a:pPr>
-            <a:r>
-              <a:rPr lang="fr-FR" b="1" i="0" dirty="0">
-                <a:solidFill>
-                  <a:srgbClr val="4E5256"/>
-                </a:solidFill>
-                <a:effectLst/>
-                <a:latin typeface="Google Sans Text"/>
-              </a:rPr>
-              <a:t>Facilite la refactorisation</a:t>
-            </a:r>
-            <a:r>
-              <a:rPr lang="fr-FR" b="0" i="0" dirty="0">
-                <a:solidFill>
-                  <a:srgbClr val="4E5256"/>
-                </a:solidFill>
-                <a:effectLst/>
-                <a:latin typeface="Google Sans Text"/>
-              </a:rPr>
-              <a:t> : le code étant faiblement couplé, la refactorisation d'une section de code n'a pas d'incidence sur une autre section.</a:t>
-            </a:r>
-          </a:p>
-          <a:p>
-            <a:pPr algn="l">
-              <a:buFont typeface="Arial" panose="020B0604020202020204" pitchFamily="34" charset="0"/>
-              <a:buChar char="•"/>
-            </a:pPr>
-            <a:r>
-              <a:rPr lang="fr-FR" b="1" i="0" dirty="0">
-                <a:solidFill>
-                  <a:srgbClr val="4E5256"/>
-                </a:solidFill>
-                <a:effectLst/>
-                <a:latin typeface="Google Sans Text"/>
-              </a:rPr>
-              <a:t>Aide à la réalisation de tests</a:t>
-            </a:r>
-            <a:r>
-              <a:rPr lang="fr-FR" b="0" i="0" dirty="0">
-                <a:solidFill>
-                  <a:srgbClr val="4E5256"/>
-                </a:solidFill>
-                <a:effectLst/>
-                <a:latin typeface="Google Sans Text"/>
-              </a:rPr>
-              <a:t> : les objets de test peuvent être transmis lors des tests. Par </a:t>
-            </a:r>
-            <a:r>
-              <a:rPr lang="fr-FR" b="0" i="0" dirty="0" err="1">
-                <a:solidFill>
-                  <a:srgbClr val="4E5256"/>
-                </a:solidFill>
-                <a:effectLst/>
-                <a:latin typeface="Google Sans Text"/>
-              </a:rPr>
-              <a:t>exmple</a:t>
-            </a:r>
-            <a:r>
-              <a:rPr lang="fr-FR" b="0" i="0" dirty="0">
-                <a:solidFill>
-                  <a:srgbClr val="4E5256"/>
-                </a:solidFill>
-                <a:effectLst/>
-                <a:latin typeface="Google Sans Text"/>
-              </a:rPr>
-              <a:t> pour tester des un service qui fait des appels réseau, on utilise une classe qui simule son fonctionnement</a:t>
-            </a:r>
-          </a:p>
-          <a:p>
             <a:endParaRPr lang="fr-FR" dirty="0"/>
           </a:p>
         </p:txBody>
@@ -4194,91 +4158,7 @@
           <a:p>
             <a:fld id="{03D477A7-6253-1F47-8425-A0D536A14C72}" type="slidenum">
               <a:rPr lang="fr-FR" smtClean="0"/>
-              <a:t>50</a:t>
-            </a:fld>
-            <a:endParaRPr lang="fr-FR"/>
-          </a:p>
-        </p:txBody>
-      </p:sp>
-    </p:spTree>
-    <p:extLst>
-      <p:ext uri="{BB962C8B-B14F-4D97-AF65-F5344CB8AC3E}">
-        <p14:creationId xmlns:p14="http://schemas.microsoft.com/office/powerpoint/2010/main" val="3693944666"/>
-      </p:ext>
-    </p:extLst>
-  </p:cSld>
-  <p:clrMapOvr>
-    <a:masterClrMapping/>
-  </p:clrMapOvr>
-</p:notes>
-</file>
-
-<file path=ppt/notesSlides/notesSlide36.xml><?xml version="1.0" encoding="utf-8"?>
-<p:notes xmlns:a="http://schemas.openxmlformats.org/drawingml/2006/main" xmlns:r="http://schemas.openxmlformats.org/officeDocument/2006/relationships" xmlns:p="http://schemas.openxmlformats.org/presentationml/2006/main">
-  <p:cSld>
-    <p:spTree>
-      <p:nvGrpSpPr>
-        <p:cNvPr id="1" name=""/>
-        <p:cNvGrpSpPr/>
-        <p:nvPr/>
-      </p:nvGrpSpPr>
-      <p:grpSpPr>
-        <a:xfrm>
-          <a:off x="0" y="0"/>
-          <a:ext cx="0" cy="0"/>
-          <a:chOff x="0" y="0"/>
-          <a:chExt cx="0" cy="0"/>
-        </a:xfrm>
-      </p:grpSpPr>
-      <p:sp>
-        <p:nvSpPr>
-          <p:cNvPr id="2" name="Espace réservé de l'image des diapositives 1"/>
-          <p:cNvSpPr>
-            <a:spLocks noGrp="1" noRot="1" noChangeAspect="1"/>
-          </p:cNvSpPr>
-          <p:nvPr>
-            <p:ph type="sldImg"/>
-          </p:nvPr>
-        </p:nvSpPr>
-        <p:spPr/>
-      </p:sp>
-      <p:sp>
-        <p:nvSpPr>
-          <p:cNvPr id="3" name="Espace réservé des notes 2"/>
-          <p:cNvSpPr>
-            <a:spLocks noGrp="1"/>
-          </p:cNvSpPr>
-          <p:nvPr>
-            <p:ph type="body" idx="1"/>
-          </p:nvPr>
-        </p:nvSpPr>
-        <p:spPr/>
-        <p:txBody>
-          <a:bodyPr/>
-          <a:lstStyle/>
-          <a:p>
-            <a:endParaRPr lang="fr-FR" dirty="0"/>
-          </a:p>
-        </p:txBody>
-      </p:sp>
-      <p:sp>
-        <p:nvSpPr>
-          <p:cNvPr id="4" name="Espace réservé du numéro de diapositive 3"/>
-          <p:cNvSpPr>
-            <a:spLocks noGrp="1"/>
-          </p:cNvSpPr>
-          <p:nvPr>
-            <p:ph type="sldNum" sz="quarter" idx="5"/>
-          </p:nvPr>
-        </p:nvSpPr>
-        <p:spPr/>
-        <p:txBody>
-          <a:bodyPr/>
-          <a:lstStyle/>
-          <a:p>
-            <a:fld id="{03D477A7-6253-1F47-8425-A0D536A14C72}" type="slidenum">
-              <a:rPr lang="fr-FR" smtClean="0"/>
-              <a:t>53</a:t>
+              <a:t>52</a:t>
             </a:fld>
             <a:endParaRPr lang="fr-FR"/>
           </a:p>
@@ -4288,126 +4168,6 @@
     <p:extLst>
       <p:ext uri="{BB962C8B-B14F-4D97-AF65-F5344CB8AC3E}">
         <p14:creationId xmlns:p14="http://schemas.microsoft.com/office/powerpoint/2010/main" val="821263684"/>
-      </p:ext>
-    </p:extLst>
-  </p:cSld>
-  <p:clrMapOvr>
-    <a:masterClrMapping/>
-  </p:clrMapOvr>
-</p:notes>
-</file>
-
-<file path=ppt/notesSlides/notesSlide37.xml><?xml version="1.0" encoding="utf-8"?>
-<p:notes xmlns:a="http://schemas.openxmlformats.org/drawingml/2006/main" xmlns:r="http://schemas.openxmlformats.org/officeDocument/2006/relationships" xmlns:p="http://schemas.openxmlformats.org/presentationml/2006/main">
-  <p:cSld>
-    <p:spTree>
-      <p:nvGrpSpPr>
-        <p:cNvPr id="1" name=""/>
-        <p:cNvGrpSpPr/>
-        <p:nvPr/>
-      </p:nvGrpSpPr>
-      <p:grpSpPr>
-        <a:xfrm>
-          <a:off x="0" y="0"/>
-          <a:ext cx="0" cy="0"/>
-          <a:chOff x="0" y="0"/>
-          <a:chExt cx="0" cy="0"/>
-        </a:xfrm>
-      </p:grpSpPr>
-      <p:sp>
-        <p:nvSpPr>
-          <p:cNvPr id="2" name="Espace réservé de l'image des diapositives 1"/>
-          <p:cNvSpPr>
-            <a:spLocks noGrp="1" noRot="1" noChangeAspect="1"/>
-          </p:cNvSpPr>
-          <p:nvPr>
-            <p:ph type="sldImg"/>
-          </p:nvPr>
-        </p:nvSpPr>
-        <p:spPr/>
-      </p:sp>
-      <p:sp>
-        <p:nvSpPr>
-          <p:cNvPr id="3" name="Espace réservé des notes 2"/>
-          <p:cNvSpPr>
-            <a:spLocks noGrp="1"/>
-          </p:cNvSpPr>
-          <p:nvPr>
-            <p:ph type="body" idx="1"/>
-          </p:nvPr>
-        </p:nvSpPr>
-        <p:spPr/>
-        <p:txBody>
-          <a:bodyPr/>
-          <a:lstStyle/>
-          <a:p>
-            <a:r>
-              <a:rPr lang="fr-FR" dirty="0"/>
-              <a:t>https://</a:t>
-            </a:r>
-            <a:r>
-              <a:rPr lang="fr-FR" dirty="0" err="1"/>
-              <a:t>developer.android.com</a:t>
-            </a:r>
-            <a:r>
-              <a:rPr lang="fr-FR" dirty="0"/>
-              <a:t>/courses/</a:t>
-            </a:r>
-            <a:r>
-              <a:rPr lang="fr-FR" dirty="0" err="1"/>
-              <a:t>quizzes</a:t>
-            </a:r>
-            <a:r>
-              <a:rPr lang="fr-FR" dirty="0"/>
-              <a:t>/android-basics-compose-unit-4-pathway-1/android-basics-compose-unit-4-pathway-1?hl=</a:t>
-            </a:r>
-            <a:r>
-              <a:rPr lang="fr-FR" dirty="0" err="1"/>
-              <a:t>fr&amp;continue</a:t>
-            </a:r>
-            <a:r>
-              <a:rPr lang="fr-FR" dirty="0"/>
-              <a:t>=https%3A%2F%2Fdeveloper.android.com%2Fcourses%2Fpathways%2Fandroid-basics-compose-unit-4-pathway-1%3Fhl%3Dfr%23quiz-%2Fcourses%2Fquizzes%2Fandroid-basics-compose-unit-4-pathway-1%2Fandroid-basics-compose-unit-4-pathway-1</a:t>
-            </a:r>
-          </a:p>
-          <a:p>
-            <a:endParaRPr lang="fr-FR" dirty="0"/>
-          </a:p>
-          <a:p>
-            <a:r>
-              <a:rPr lang="fr-FR" dirty="0"/>
-              <a:t>A créer !</a:t>
-            </a:r>
-          </a:p>
-        </p:txBody>
-      </p:sp>
-      <p:sp>
-        <p:nvSpPr>
-          <p:cNvPr id="4" name="Espace réservé du numéro de diapositive 3"/>
-          <p:cNvSpPr>
-            <a:spLocks noGrp="1"/>
-          </p:cNvSpPr>
-          <p:nvPr>
-            <p:ph type="sldNum" sz="quarter" idx="5"/>
-          </p:nvPr>
-        </p:nvSpPr>
-        <p:spPr/>
-        <p:txBody>
-          <a:bodyPr/>
-          <a:lstStyle/>
-          <a:p>
-            <a:fld id="{03D477A7-6253-1F47-8425-A0D536A14C72}" type="slidenum">
-              <a:rPr lang="fr-FR" smtClean="0"/>
-              <a:t>57</a:t>
-            </a:fld>
-            <a:endParaRPr lang="fr-FR"/>
-          </a:p>
-        </p:txBody>
-      </p:sp>
-    </p:spTree>
-    <p:extLst>
-      <p:ext uri="{BB962C8B-B14F-4D97-AF65-F5344CB8AC3E}">
-        <p14:creationId xmlns:p14="http://schemas.microsoft.com/office/powerpoint/2010/main" val="1122640664"/>
       </p:ext>
     </p:extLst>
   </p:cSld>
@@ -5908,7 +5668,7 @@
           <a:p>
             <a:fld id="{2C23D0A1-8F90-5648-B574-1CA494BF5F2B}" type="datetime1">
               <a:rPr lang="fr-FR" smtClean="0"/>
-              <a:t>12/01/2025</a:t>
+              <a:t>16/01/2025</a:t>
             </a:fld>
             <a:endParaRPr lang="fr-FR"/>
           </a:p>
@@ -6229,7 +5989,7 @@
           <a:p>
             <a:fld id="{DD5EE401-40AD-194C-9B19-E665993B2DA4}" type="datetime1">
               <a:rPr lang="fr-FR" smtClean="0"/>
-              <a:t>12/01/2025</a:t>
+              <a:t>16/01/2025</a:t>
             </a:fld>
             <a:endParaRPr lang="fr-FR"/>
           </a:p>
@@ -6720,7 +6480,7 @@
           <a:p>
             <a:fld id="{5E30FAB1-84F2-1947-AEBC-24CCDC230A1A}" type="datetime1">
               <a:rPr lang="fr-FR" smtClean="0"/>
-              <a:t>12/01/2025</a:t>
+              <a:t>16/01/2025</a:t>
             </a:fld>
             <a:endParaRPr lang="fr-FR"/>
           </a:p>
@@ -7092,7 +6852,7 @@
           <a:p>
             <a:fld id="{5440FB5A-E2A8-284E-B6B6-E50320EDC833}" type="datetime1">
               <a:rPr lang="fr-FR" smtClean="0"/>
-              <a:t>12/01/2025</a:t>
+              <a:t>16/01/2025</a:t>
             </a:fld>
             <a:endParaRPr lang="fr-FR"/>
           </a:p>
@@ -7368,7 +7128,7 @@
           <a:p>
             <a:fld id="{DCA352EB-98BE-DC4C-89E1-7C990CCF9030}" type="datetime1">
               <a:rPr lang="fr-FR" smtClean="0"/>
-              <a:t>12/01/2025</a:t>
+              <a:t>16/01/2025</a:t>
             </a:fld>
             <a:endParaRPr lang="fr-FR"/>
           </a:p>
@@ -7656,7 +7416,7 @@
           <a:p>
             <a:fld id="{4162DE05-298B-F248-A469-2F3A18F75589}" type="datetime1">
               <a:rPr lang="fr-FR" smtClean="0"/>
-              <a:t>12/01/2025</a:t>
+              <a:t>16/01/2025</a:t>
             </a:fld>
             <a:endParaRPr lang="fr-FR"/>
           </a:p>
@@ -7942,7 +7702,7 @@
           <a:p>
             <a:fld id="{B7152E00-DF85-DE4A-9C00-34714E5ED729}" type="datetime1">
               <a:rPr lang="fr-FR" smtClean="0"/>
-              <a:t>12/01/2025</a:t>
+              <a:t>16/01/2025</a:t>
             </a:fld>
             <a:endParaRPr lang="fr-FR"/>
           </a:p>
@@ -8288,7 +8048,7 @@
           <a:p>
             <a:fld id="{1FF9B4FD-E02B-9040-A381-072A3C427D15}" type="datetime1">
               <a:rPr lang="fr-FR" smtClean="0"/>
-              <a:t>12/01/2025</a:t>
+              <a:t>16/01/2025</a:t>
             </a:fld>
             <a:endParaRPr lang="fr-FR"/>
           </a:p>
@@ -8630,7 +8390,7 @@
           <a:p>
             <a:fld id="{C09291D6-7844-574C-BA77-41E480603B9B}" type="datetime1">
               <a:rPr lang="fr-FR" smtClean="0"/>
-              <a:t>12/01/2025</a:t>
+              <a:t>16/01/2025</a:t>
             </a:fld>
             <a:endParaRPr lang="fr-FR"/>
           </a:p>
@@ -9110,7 +8870,7 @@
           <a:p>
             <a:fld id="{B8F059AB-F8EA-9145-AE19-717E27B02EC3}" type="datetime1">
               <a:rPr lang="fr-FR" smtClean="0"/>
-              <a:t>12/01/2025</a:t>
+              <a:t>16/01/2025</a:t>
             </a:fld>
             <a:endParaRPr lang="fr-FR"/>
           </a:p>
@@ -9334,7 +9094,7 @@
           <a:p>
             <a:fld id="{28DAA788-9343-1540-AD47-BE2F1FD35827}" type="datetime1">
               <a:rPr lang="fr-FR" smtClean="0"/>
-              <a:t>12/01/2025</a:t>
+              <a:t>16/01/2025</a:t>
             </a:fld>
             <a:endParaRPr lang="fr-FR"/>
           </a:p>
@@ -9432,7 +9192,7 @@
           <a:p>
             <a:fld id="{C79A7E77-705F-1742-88D3-2BF31360C6BB}" type="datetime1">
               <a:rPr lang="fr-FR" smtClean="0"/>
-              <a:t>12/01/2025</a:t>
+              <a:t>16/01/2025</a:t>
             </a:fld>
             <a:endParaRPr lang="fr-FR"/>
           </a:p>
@@ -9902,7 +9662,7 @@
           <a:p>
             <a:fld id="{59A61AF0-A5E3-B742-A040-9540E100F3C1}" type="datetime1">
               <a:rPr lang="fr-FR" smtClean="0"/>
-              <a:t>12/01/2025</a:t>
+              <a:t>16/01/2025</a:t>
             </a:fld>
             <a:endParaRPr lang="fr-FR"/>
           </a:p>
@@ -10218,7 +9978,7 @@
           <a:p>
             <a:fld id="{68C422D3-427B-A240-8849-1BB8DF8E0085}" type="datetime1">
               <a:rPr lang="fr-FR" smtClean="0"/>
-              <a:t>12/01/2025</a:t>
+              <a:t>16/01/2025</a:t>
             </a:fld>
             <a:endParaRPr lang="fr-FR"/>
           </a:p>
@@ -10494,7 +10254,7 @@
           <a:p>
             <a:fld id="{F17E6371-785B-B24A-BE6A-C04BB89D02D5}" type="datetime1">
               <a:rPr lang="fr-FR" smtClean="0"/>
-              <a:t>12/01/2025</a:t>
+              <a:t>16/01/2025</a:t>
             </a:fld>
             <a:endParaRPr lang="fr-FR"/>
           </a:p>
@@ -16959,10 +16719,10 @@
       </p:grpSpPr>
       <p:sp>
         <p:nvSpPr>
-          <p:cNvPr id="2" name="Titre 1">
+          <p:cNvPr id="6" name="Titre 5">
             <a:extLst>
               <a:ext uri="{FF2B5EF4-FFF2-40B4-BE49-F238E27FC236}">
-                <a16:creationId xmlns:a16="http://schemas.microsoft.com/office/drawing/2014/main" id="{62DB124F-9EE8-7ADE-35BF-3E8885E764FA}"/>
+                <a16:creationId xmlns:a16="http://schemas.microsoft.com/office/drawing/2014/main" id="{927B9C70-A124-BAD8-CDA9-EC32E3921EDE}"/>
               </a:ext>
             </a:extLst>
           </p:cNvPr>
@@ -16980,17 +16740,17 @@
           <a:p>
             <a:r>
               <a:rPr lang="fr-FR" dirty="0"/>
-              <a:t>Quiz</a:t>
-            </a:r>
-          </a:p>
-        </p:txBody>
-      </p:sp>
-      <p:sp>
-        <p:nvSpPr>
-          <p:cNvPr id="3" name="Espace réservé du texte 2">
+              <a:t>La couche de données</a:t>
+            </a:r>
+          </a:p>
+        </p:txBody>
+      </p:sp>
+      <p:sp>
+        <p:nvSpPr>
+          <p:cNvPr id="7" name="Espace réservé du contenu 6">
             <a:extLst>
               <a:ext uri="{FF2B5EF4-FFF2-40B4-BE49-F238E27FC236}">
-                <a16:creationId xmlns:a16="http://schemas.microsoft.com/office/drawing/2014/main" id="{60BFD6B4-B70F-0CE4-1555-F9B910CB26E7}"/>
+                <a16:creationId xmlns:a16="http://schemas.microsoft.com/office/drawing/2014/main" id="{60B1ED78-1DEE-8D70-3E48-4990C72729FA}"/>
               </a:ext>
             </a:extLst>
           </p:cNvPr>
@@ -16998,37 +16758,116 @@
             <a:spLocks noGrp="1"/>
           </p:cNvSpPr>
           <p:nvPr>
-            <p:ph type="body" idx="1"/>
-          </p:nvPr>
-        </p:nvSpPr>
-        <p:spPr/>
-        <p:txBody>
-          <a:bodyPr/>
-          <a:lstStyle/>
-          <a:p>
-            <a:pPr marL="0" indent="0" algn="l" defTabSz="457200" rtl="0" eaLnBrk="1" latinLnBrk="0" hangingPunct="1">
-              <a:spcBef>
-                <a:spcPct val="20000"/>
-              </a:spcBef>
-              <a:spcAft>
-                <a:spcPts val="600"/>
-              </a:spcAft>
-              <a:buClr>
-                <a:schemeClr val="accent1"/>
-              </a:buClr>
-              <a:buFont typeface="Wingdings 2" charset="2"/>
-              <a:buNone/>
-            </a:pPr>
-            <a:endParaRPr lang="fr-FR" dirty="0"/>
-          </a:p>
-        </p:txBody>
-      </p:sp>
+            <p:ph sz="half" idx="1"/>
+          </p:nvPr>
+        </p:nvSpPr>
+        <p:spPr/>
+        <p:txBody>
+          <a:bodyPr/>
+          <a:lstStyle/>
+          <a:p>
+            <a:r>
+              <a:rPr lang="fr-FR" dirty="0"/>
+              <a:t>Elle contient les </a:t>
+            </a:r>
+            <a:r>
+              <a:rPr lang="fr-FR" b="1" dirty="0"/>
+              <a:t>données de l’app </a:t>
+            </a:r>
+            <a:r>
+              <a:rPr lang="fr-FR" dirty="0"/>
+              <a:t>et la </a:t>
+            </a:r>
+            <a:r>
+              <a:rPr lang="fr-FR" b="1" dirty="0"/>
+              <a:t>logique de l’app </a:t>
+            </a:r>
+            <a:r>
+              <a:rPr lang="fr-FR" dirty="0"/>
+              <a:t>(business </a:t>
+            </a:r>
+            <a:r>
+              <a:rPr lang="fr-FR" dirty="0" err="1"/>
+              <a:t>logic</a:t>
+            </a:r>
+            <a:r>
+              <a:rPr lang="fr-FR" dirty="0"/>
+              <a:t>)</a:t>
+            </a:r>
+          </a:p>
+          <a:p>
+            <a:r>
+              <a:rPr lang="fr-FR" dirty="0"/>
+              <a:t>La couche d’interface utilisateur (et la couche optionnelle du domaine) en dépend(</a:t>
+            </a:r>
+            <a:r>
+              <a:rPr lang="fr-FR" dirty="0" err="1"/>
+              <a:t>ent</a:t>
+            </a:r>
+            <a:r>
+              <a:rPr lang="fr-FR" dirty="0"/>
+              <a:t>)</a:t>
+            </a:r>
+          </a:p>
+          <a:p>
+            <a:r>
+              <a:rPr lang="fr-FR" dirty="0"/>
+              <a:t>Composée de plusieurs </a:t>
+            </a:r>
+            <a:r>
+              <a:rPr lang="fr-FR" b="1" dirty="0"/>
+              <a:t>repositories</a:t>
+            </a:r>
+            <a:r>
+              <a:rPr lang="fr-FR" dirty="0"/>
+              <a:t> (dépôts) qui eux-mêmes dépendent de 0, 1 ou plusieurs </a:t>
+            </a:r>
+            <a:r>
+              <a:rPr lang="fr-FR" b="1" dirty="0"/>
+              <a:t>data sources </a:t>
+            </a:r>
+            <a:r>
+              <a:rPr lang="fr-FR" dirty="0"/>
+              <a:t>(sources de données)</a:t>
+            </a:r>
+          </a:p>
+        </p:txBody>
+      </p:sp>
+      <p:pic>
+        <p:nvPicPr>
+          <p:cNvPr id="10" name="Espace réservé du contenu 9" descr="Une image contenant texte, capture d’écran, Police, nombre&#10;&#10;Description générée automatiquement">
+            <a:extLst>
+              <a:ext uri="{FF2B5EF4-FFF2-40B4-BE49-F238E27FC236}">
+                <a16:creationId xmlns:a16="http://schemas.microsoft.com/office/drawing/2014/main" id="{2DDEB993-EEDD-4DEF-B4BB-90FEAB527B99}"/>
+              </a:ext>
+            </a:extLst>
+          </p:cNvPr>
+          <p:cNvPicPr>
+            <a:picLocks noGrp="1" noChangeAspect="1"/>
+          </p:cNvPicPr>
+          <p:nvPr>
+            <p:ph sz="half" idx="2"/>
+          </p:nvPr>
+        </p:nvPicPr>
+        <p:blipFill>
+          <a:blip r:embed="rId3"/>
+          <a:stretch>
+            <a:fillRect/>
+          </a:stretch>
+        </p:blipFill>
+        <p:spPr>
+          <a:xfrm>
+            <a:off x="6433898" y="2222500"/>
+            <a:ext cx="4939390" cy="3821718"/>
+          </a:xfrm>
+        </p:spPr>
+      </p:pic>
       <p:sp>
         <p:nvSpPr>
           <p:cNvPr id="4" name="Espace réservé du pied de page 3">
             <a:extLst>
               <a:ext uri="{FF2B5EF4-FFF2-40B4-BE49-F238E27FC236}">
-                <a16:creationId xmlns:a16="http://schemas.microsoft.com/office/drawing/2014/main" id="{CED349FA-0DEE-BDF8-51B4-65725B63CDCA}"/>
+                <a16:creationId xmlns:a16="http://schemas.microsoft.com/office/drawing/2014/main" id="{4455CC80-7E3F-CBFE-1ED5-2220C2A2CE44}"/>
               </a:ext>
             </a:extLst>
           </p:cNvPr>
@@ -17056,7 +16895,7 @@
           <p:cNvPr id="5" name="Espace réservé du numéro de diapositive 4">
             <a:extLst>
               <a:ext uri="{FF2B5EF4-FFF2-40B4-BE49-F238E27FC236}">
-                <a16:creationId xmlns:a16="http://schemas.microsoft.com/office/drawing/2014/main" id="{7E4BDD23-6583-F071-FE66-0FB09157AD96}"/>
+                <a16:creationId xmlns:a16="http://schemas.microsoft.com/office/drawing/2014/main" id="{55A70C40-F7AE-D0BF-F09A-1FBA7EA92596}"/>
               </a:ext>
             </a:extLst>
           </p:cNvPr>
@@ -17083,7 +16922,7 @@
     </p:spTree>
     <p:extLst>
       <p:ext uri="{BB962C8B-B14F-4D97-AF65-F5344CB8AC3E}">
-        <p14:creationId xmlns:p14="http://schemas.microsoft.com/office/powerpoint/2010/main" val="333162310"/>
+        <p14:creationId xmlns:p14="http://schemas.microsoft.com/office/powerpoint/2010/main" val="3531598507"/>
       </p:ext>
     </p:extLst>
   </p:cSld>
@@ -17112,10 +16951,10 @@
       </p:grpSpPr>
       <p:sp>
         <p:nvSpPr>
-          <p:cNvPr id="6" name="Titre 5">
+          <p:cNvPr id="2" name="Titre 1">
             <a:extLst>
               <a:ext uri="{FF2B5EF4-FFF2-40B4-BE49-F238E27FC236}">
-                <a16:creationId xmlns:a16="http://schemas.microsoft.com/office/drawing/2014/main" id="{927B9C70-A124-BAD8-CDA9-EC32E3921EDE}"/>
+                <a16:creationId xmlns:a16="http://schemas.microsoft.com/office/drawing/2014/main" id="{A32AEEC0-A1E0-304B-F4BF-A3CED1CECB64}"/>
               </a:ext>
             </a:extLst>
           </p:cNvPr>
@@ -17133,7 +16972,7 @@
           <a:p>
             <a:r>
               <a:rPr lang="fr-FR" dirty="0"/>
-              <a:t>La couche de données</a:t>
+              <a:t>Data sources</a:t>
             </a:r>
           </a:p>
         </p:txBody>
@@ -17143,7 +16982,7 @@
           <p:cNvPr id="7" name="Espace réservé du contenu 6">
             <a:extLst>
               <a:ext uri="{FF2B5EF4-FFF2-40B4-BE49-F238E27FC236}">
-                <a16:creationId xmlns:a16="http://schemas.microsoft.com/office/drawing/2014/main" id="{60B1ED78-1DEE-8D70-3E48-4990C72729FA}"/>
+                <a16:creationId xmlns:a16="http://schemas.microsoft.com/office/drawing/2014/main" id="{1F497E37-E3CB-B115-635C-2EDCC90003DD}"/>
               </a:ext>
             </a:extLst>
           </p:cNvPr>
@@ -17151,144 +16990,96 @@
             <a:spLocks noGrp="1"/>
           </p:cNvSpPr>
           <p:nvPr>
-            <p:ph sz="half" idx="1"/>
-          </p:nvPr>
-        </p:nvSpPr>
-        <p:spPr/>
-        <p:txBody>
-          <a:bodyPr/>
-          <a:lstStyle/>
-          <a:p>
-            <a:r>
-              <a:rPr lang="fr-FR" dirty="0"/>
-              <a:t>Elle contient les </a:t>
-            </a:r>
-            <a:r>
-              <a:rPr lang="fr-FR" b="1" dirty="0"/>
-              <a:t>données de l’app </a:t>
-            </a:r>
-            <a:r>
-              <a:rPr lang="fr-FR" dirty="0"/>
-              <a:t>et la </a:t>
-            </a:r>
-            <a:r>
-              <a:rPr lang="fr-FR" b="1" dirty="0"/>
-              <a:t>logique de l’app </a:t>
-            </a:r>
-            <a:r>
-              <a:rPr lang="fr-FR" dirty="0"/>
-              <a:t>(business </a:t>
-            </a:r>
-            <a:r>
-              <a:rPr lang="fr-FR" dirty="0" err="1"/>
-              <a:t>logic</a:t>
-            </a:r>
-            <a:r>
-              <a:rPr lang="fr-FR" dirty="0"/>
-              <a:t>)</a:t>
-            </a:r>
-          </a:p>
-          <a:p>
-            <a:r>
-              <a:rPr lang="fr-FR" dirty="0"/>
-              <a:t>La couche d’interface utilisateur (et la couche optionnelle du domaine) en dépend(</a:t>
-            </a:r>
-            <a:r>
-              <a:rPr lang="fr-FR" dirty="0" err="1"/>
-              <a:t>ent</a:t>
-            </a:r>
-            <a:r>
-              <a:rPr lang="fr-FR" dirty="0"/>
-              <a:t>)</a:t>
-            </a:r>
-          </a:p>
-          <a:p>
-            <a:r>
-              <a:rPr lang="fr-FR" dirty="0"/>
-              <a:t>Composée de plusieurs </a:t>
-            </a:r>
-            <a:r>
-              <a:rPr lang="fr-FR" b="1" dirty="0"/>
-              <a:t>repositories</a:t>
-            </a:r>
-            <a:r>
-              <a:rPr lang="fr-FR" dirty="0"/>
-              <a:t> (dépôts) qui eux-mêmes dépendent de 0, 1 ou plusieurs </a:t>
-            </a:r>
-            <a:r>
-              <a:rPr lang="fr-FR" b="1" dirty="0"/>
-              <a:t>data sources </a:t>
-            </a:r>
-            <a:r>
-              <a:rPr lang="fr-FR" dirty="0"/>
-              <a:t>(sources de données)</a:t>
-            </a:r>
-          </a:p>
-        </p:txBody>
-      </p:sp>
-      <p:pic>
-        <p:nvPicPr>
-          <p:cNvPr id="10" name="Espace réservé du contenu 9" descr="Une image contenant texte, capture d’écran, Police, nombre&#10;&#10;Description générée automatiquement">
+            <p:ph idx="1"/>
+          </p:nvPr>
+        </p:nvSpPr>
+        <p:spPr/>
+        <p:txBody>
+          <a:bodyPr/>
+          <a:lstStyle/>
+          <a:p>
+            <a:r>
+              <a:rPr lang="fr-FR" dirty="0"/>
+              <a:t>Fournissent des données peut importe la source</a:t>
+            </a:r>
+          </a:p>
+          <a:p>
+            <a:pPr lvl="1"/>
+            <a:r>
+              <a:rPr lang="fr-FR" dirty="0"/>
+              <a:t>Internet</a:t>
+            </a:r>
+          </a:p>
+          <a:p>
+            <a:pPr lvl="1"/>
+            <a:r>
+              <a:rPr lang="fr-FR" dirty="0"/>
+              <a:t>Une base de données locale</a:t>
+            </a:r>
+          </a:p>
+          <a:p>
+            <a:pPr lvl="1"/>
+            <a:r>
+              <a:rPr lang="fr-FR" dirty="0"/>
+              <a:t>Un fichier</a:t>
+            </a:r>
+          </a:p>
+          <a:p>
+            <a:pPr lvl="1"/>
+            <a:r>
+              <a:rPr lang="fr-FR" dirty="0"/>
+              <a:t>Données en mémoire</a:t>
+            </a:r>
+          </a:p>
+          <a:p>
+            <a:r>
+              <a:rPr lang="fr-FR" dirty="0"/>
+              <a:t>S’occupe d’une seule source de donnée</a:t>
+            </a:r>
+          </a:p>
+          <a:p>
+            <a:pPr lvl="1"/>
+            <a:r>
+              <a:rPr lang="fr-FR" dirty="0"/>
+              <a:t>Films, utilisateurs, articles…</a:t>
+            </a:r>
+          </a:p>
+        </p:txBody>
+      </p:sp>
+      <p:sp>
+        <p:nvSpPr>
+          <p:cNvPr id="5" name="Espace réservé du pied de page 4">
             <a:extLst>
               <a:ext uri="{FF2B5EF4-FFF2-40B4-BE49-F238E27FC236}">
-                <a16:creationId xmlns:a16="http://schemas.microsoft.com/office/drawing/2014/main" id="{2DDEB993-EEDD-4DEF-B4BB-90FEAB527B99}"/>
+                <a16:creationId xmlns:a16="http://schemas.microsoft.com/office/drawing/2014/main" id="{326C6EC4-1A5A-265E-DF78-F80018159E97}"/>
               </a:ext>
             </a:extLst>
           </p:cNvPr>
-          <p:cNvPicPr>
-            <a:picLocks noGrp="1" noChangeAspect="1"/>
-          </p:cNvPicPr>
-          <p:nvPr>
-            <p:ph sz="half" idx="2"/>
-          </p:nvPr>
-        </p:nvPicPr>
-        <p:blipFill>
-          <a:blip r:embed="rId3"/>
-          <a:stretch>
-            <a:fillRect/>
-          </a:stretch>
-        </p:blipFill>
-        <p:spPr>
-          <a:xfrm>
-            <a:off x="6433898" y="2222500"/>
-            <a:ext cx="4939390" cy="3821718"/>
-          </a:xfrm>
-        </p:spPr>
-      </p:pic>
-      <p:sp>
-        <p:nvSpPr>
-          <p:cNvPr id="4" name="Espace réservé du pied de page 3">
+          <p:cNvSpPr>
+            <a:spLocks noGrp="1"/>
+          </p:cNvSpPr>
+          <p:nvPr>
+            <p:ph type="ftr" sz="quarter" idx="11"/>
+          </p:nvPr>
+        </p:nvSpPr>
+        <p:spPr/>
+        <p:txBody>
+          <a:bodyPr/>
+          <a:lstStyle/>
+          <a:p>
+            <a:r>
+              <a:rPr lang="fr-FR"/>
+              <a:t>Qualité de dev Android par Jocelyn CARAMAN</a:t>
+            </a:r>
+          </a:p>
+        </p:txBody>
+      </p:sp>
+      <p:sp>
+        <p:nvSpPr>
+          <p:cNvPr id="6" name="Espace réservé du numéro de diapositive 5">
             <a:extLst>
               <a:ext uri="{FF2B5EF4-FFF2-40B4-BE49-F238E27FC236}">
-                <a16:creationId xmlns:a16="http://schemas.microsoft.com/office/drawing/2014/main" id="{4455CC80-7E3F-CBFE-1ED5-2220C2A2CE44}"/>
-              </a:ext>
-            </a:extLst>
-          </p:cNvPr>
-          <p:cNvSpPr>
-            <a:spLocks noGrp="1"/>
-          </p:cNvSpPr>
-          <p:nvPr>
-            <p:ph type="ftr" sz="quarter" idx="11"/>
-          </p:nvPr>
-        </p:nvSpPr>
-        <p:spPr/>
-        <p:txBody>
-          <a:bodyPr/>
-          <a:lstStyle/>
-          <a:p>
-            <a:r>
-              <a:rPr lang="fr-FR"/>
-              <a:t>Qualité de dev Android par Jocelyn CARAMAN</a:t>
-            </a:r>
-          </a:p>
-        </p:txBody>
-      </p:sp>
-      <p:sp>
-        <p:nvSpPr>
-          <p:cNvPr id="5" name="Espace réservé du numéro de diapositive 4">
-            <a:extLst>
-              <a:ext uri="{FF2B5EF4-FFF2-40B4-BE49-F238E27FC236}">
-                <a16:creationId xmlns:a16="http://schemas.microsoft.com/office/drawing/2014/main" id="{55A70C40-F7AE-D0BF-F09A-1FBA7EA92596}"/>
+                <a16:creationId xmlns:a16="http://schemas.microsoft.com/office/drawing/2014/main" id="{0443D7E7-866E-F5EA-8D2C-6A3808A7FE31}"/>
               </a:ext>
             </a:extLst>
           </p:cNvPr>
@@ -17315,7 +17106,7 @@
     </p:spTree>
     <p:extLst>
       <p:ext uri="{BB962C8B-B14F-4D97-AF65-F5344CB8AC3E}">
-        <p14:creationId xmlns:p14="http://schemas.microsoft.com/office/powerpoint/2010/main" val="3531598507"/>
+        <p14:creationId xmlns:p14="http://schemas.microsoft.com/office/powerpoint/2010/main" val="1702777260"/>
       </p:ext>
     </p:extLst>
   </p:cSld>
@@ -17347,7 +17138,7 @@
           <p:cNvPr id="2" name="Titre 1">
             <a:extLst>
               <a:ext uri="{FF2B5EF4-FFF2-40B4-BE49-F238E27FC236}">
-                <a16:creationId xmlns:a16="http://schemas.microsoft.com/office/drawing/2014/main" id="{A32AEEC0-A1E0-304B-F4BF-A3CED1CECB64}"/>
+                <a16:creationId xmlns:a16="http://schemas.microsoft.com/office/drawing/2014/main" id="{41849B7E-2A48-DB63-61EE-C171CC66FB53}"/>
               </a:ext>
             </a:extLst>
           </p:cNvPr>
@@ -17365,17 +17156,17 @@
           <a:p>
             <a:r>
               <a:rPr lang="fr-FR" dirty="0"/>
-              <a:t>Data sources</a:t>
-            </a:r>
-          </a:p>
-        </p:txBody>
-      </p:sp>
-      <p:sp>
-        <p:nvSpPr>
-          <p:cNvPr id="7" name="Espace réservé du contenu 6">
+              <a:t>Repositories</a:t>
+            </a:r>
+          </a:p>
+        </p:txBody>
+      </p:sp>
+      <p:sp>
+        <p:nvSpPr>
+          <p:cNvPr id="3" name="Espace réservé du contenu 2">
             <a:extLst>
               <a:ext uri="{FF2B5EF4-FFF2-40B4-BE49-F238E27FC236}">
-                <a16:creationId xmlns:a16="http://schemas.microsoft.com/office/drawing/2014/main" id="{1F497E37-E3CB-B115-635C-2EDCC90003DD}"/>
+                <a16:creationId xmlns:a16="http://schemas.microsoft.com/office/drawing/2014/main" id="{55C53A34-9D87-D1BB-F7B8-F06DC5588E42}"/>
               </a:ext>
             </a:extLst>
           </p:cNvPr>
@@ -17393,58 +17184,71 @@
           <a:p>
             <a:r>
               <a:rPr lang="fr-FR" dirty="0"/>
-              <a:t>Fournissent des données peut importe la source</a:t>
+              <a:t>Permettent aux autres couches d’interagir avec la couche de données</a:t>
             </a:r>
           </a:p>
           <a:p>
             <a:pPr lvl="1"/>
             <a:r>
               <a:rPr lang="fr-FR" dirty="0"/>
-              <a:t>Internet</a:t>
+              <a:t>Expose les données</a:t>
             </a:r>
           </a:p>
           <a:p>
             <a:pPr lvl="1"/>
             <a:r>
               <a:rPr lang="fr-FR" dirty="0"/>
-              <a:t>Une base de données locale</a:t>
+              <a:t>Centralisent les changements</a:t>
             </a:r>
           </a:p>
           <a:p>
             <a:pPr lvl="1"/>
             <a:r>
               <a:rPr lang="fr-FR" dirty="0"/>
-              <a:t>Un fichier</a:t>
+              <a:t>Résolvent les conflits</a:t>
             </a:r>
           </a:p>
           <a:p>
             <a:pPr lvl="1"/>
             <a:r>
               <a:rPr lang="fr-FR" dirty="0"/>
-              <a:t>Données en mémoire</a:t>
-            </a:r>
-          </a:p>
-          <a:p>
-            <a:r>
-              <a:rPr lang="fr-FR" dirty="0"/>
-              <a:t>S’occupe d’une seule source de donnée</a:t>
+              <a:t>Détiennent la logique de l’app</a:t>
+            </a:r>
+          </a:p>
+          <a:p>
+            <a:r>
+              <a:rPr lang="fr-FR" dirty="0"/>
+              <a:t>Un repository pour chaque type de donnée</a:t>
+            </a:r>
+          </a:p>
+          <a:p>
+            <a:r>
+              <a:rPr lang="fr-FR" dirty="0"/>
+              <a:t>Un repository peut gérer différentes sources de données</a:t>
             </a:r>
           </a:p>
           <a:p>
             <a:pPr lvl="1"/>
             <a:r>
               <a:rPr lang="fr-FR" dirty="0"/>
-              <a:t>Films, utilisateurs, articles…</a:t>
-            </a:r>
-          </a:p>
-        </p:txBody>
-      </p:sp>
-      <p:sp>
-        <p:nvSpPr>
-          <p:cNvPr id="5" name="Espace réservé du pied de page 4">
+              <a:t>Si c’est le cas, doit également résoudre les conflits</a:t>
+            </a:r>
+          </a:p>
+          <a:p>
+            <a:pPr lvl="1"/>
+            <a:r>
+              <a:rPr lang="fr-FR" dirty="0"/>
+              <a:t>Exemple données différentes entre celles du serveur et stockées en local </a:t>
+            </a:r>
+          </a:p>
+        </p:txBody>
+      </p:sp>
+      <p:sp>
+        <p:nvSpPr>
+          <p:cNvPr id="4" name="Espace réservé du pied de page 3">
             <a:extLst>
               <a:ext uri="{FF2B5EF4-FFF2-40B4-BE49-F238E27FC236}">
-                <a16:creationId xmlns:a16="http://schemas.microsoft.com/office/drawing/2014/main" id="{326C6EC4-1A5A-265E-DF78-F80018159E97}"/>
+                <a16:creationId xmlns:a16="http://schemas.microsoft.com/office/drawing/2014/main" id="{A72EBF7A-5C73-5B97-253B-923D1E595A8A}"/>
               </a:ext>
             </a:extLst>
           </p:cNvPr>
@@ -17469,10 +17273,10 @@
       </p:sp>
       <p:sp>
         <p:nvSpPr>
-          <p:cNvPr id="6" name="Espace réservé du numéro de diapositive 5">
+          <p:cNvPr id="5" name="Espace réservé du numéro de diapositive 4">
             <a:extLst>
               <a:ext uri="{FF2B5EF4-FFF2-40B4-BE49-F238E27FC236}">
-                <a16:creationId xmlns:a16="http://schemas.microsoft.com/office/drawing/2014/main" id="{0443D7E7-866E-F5EA-8D2C-6A3808A7FE31}"/>
+                <a16:creationId xmlns:a16="http://schemas.microsoft.com/office/drawing/2014/main" id="{9E636EE8-5021-872D-5218-80F8EBFC46F7}"/>
               </a:ext>
             </a:extLst>
           </p:cNvPr>
@@ -17499,7 +17303,7 @@
     </p:spTree>
     <p:extLst>
       <p:ext uri="{BB962C8B-B14F-4D97-AF65-F5344CB8AC3E}">
-        <p14:creationId xmlns:p14="http://schemas.microsoft.com/office/powerpoint/2010/main" val="1702777260"/>
+        <p14:creationId xmlns:p14="http://schemas.microsoft.com/office/powerpoint/2010/main" val="1253716027"/>
       </p:ext>
     </p:extLst>
   </p:cSld>
@@ -17531,7 +17335,7 @@
           <p:cNvPr id="2" name="Titre 1">
             <a:extLst>
               <a:ext uri="{FF2B5EF4-FFF2-40B4-BE49-F238E27FC236}">
-                <a16:creationId xmlns:a16="http://schemas.microsoft.com/office/drawing/2014/main" id="{41849B7E-2A48-DB63-61EE-C171CC66FB53}"/>
+                <a16:creationId xmlns:a16="http://schemas.microsoft.com/office/drawing/2014/main" id="{C578587F-40D3-D389-B334-580607CCD5A8}"/>
               </a:ext>
             </a:extLst>
           </p:cNvPr>
@@ -17549,7 +17353,7 @@
           <a:p>
             <a:r>
               <a:rPr lang="fr-FR" dirty="0"/>
-              <a:t>Repositories</a:t>
+              <a:t>Le repository expose les données</a:t>
             </a:r>
           </a:p>
         </p:txBody>
@@ -17559,7 +17363,7 @@
           <p:cNvPr id="3" name="Espace réservé du contenu 2">
             <a:extLst>
               <a:ext uri="{FF2B5EF4-FFF2-40B4-BE49-F238E27FC236}">
-                <a16:creationId xmlns:a16="http://schemas.microsoft.com/office/drawing/2014/main" id="{55C53A34-9D87-D1BB-F7B8-F06DC5588E42}"/>
+                <a16:creationId xmlns:a16="http://schemas.microsoft.com/office/drawing/2014/main" id="{FF4D5117-58EA-8859-DF09-2D9C407F5B04}"/>
               </a:ext>
             </a:extLst>
           </p:cNvPr>
@@ -17577,61 +17381,32 @@
           <a:p>
             <a:r>
               <a:rPr lang="fr-FR" dirty="0"/>
-              <a:t>Permettent aux autres couches d’interagir avec la couche de données</a:t>
+              <a:t>Point d’entrée vers les données</a:t>
+            </a:r>
+          </a:p>
+          <a:p>
+            <a:r>
+              <a:rPr lang="fr-FR" dirty="0"/>
+              <a:t>Créer des méthodes qui font une seule tâche</a:t>
             </a:r>
           </a:p>
           <a:p>
             <a:pPr lvl="1"/>
             <a:r>
               <a:rPr lang="fr-FR" dirty="0"/>
-              <a:t>Expose les données</a:t>
-            </a:r>
-          </a:p>
-          <a:p>
-            <a:pPr lvl="1"/>
-            <a:r>
-              <a:rPr lang="fr-FR" dirty="0"/>
-              <a:t>Centralisent les changements</a:t>
-            </a:r>
-          </a:p>
-          <a:p>
-            <a:pPr lvl="1"/>
-            <a:r>
-              <a:rPr lang="fr-FR" dirty="0"/>
-              <a:t>Résolvent les conflits</a:t>
-            </a:r>
-          </a:p>
-          <a:p>
-            <a:pPr lvl="1"/>
-            <a:r>
-              <a:rPr lang="fr-FR" dirty="0"/>
-              <a:t>Détiennent la logique de l’app</a:t>
-            </a:r>
-          </a:p>
-          <a:p>
-            <a:r>
-              <a:rPr lang="fr-FR" dirty="0"/>
-              <a:t>Un repository pour chaque type de donnée</a:t>
-            </a:r>
-          </a:p>
-          <a:p>
-            <a:r>
-              <a:rPr lang="fr-FR" dirty="0"/>
-              <a:t>Un repository peut gérer différentes sources de données</a:t>
-            </a:r>
-          </a:p>
-          <a:p>
-            <a:pPr lvl="1"/>
-            <a:r>
-              <a:rPr lang="fr-FR" dirty="0"/>
-              <a:t>Si c’est le cas, doit également résoudre les conflits</a:t>
-            </a:r>
-          </a:p>
-          <a:p>
-            <a:pPr lvl="1"/>
-            <a:r>
-              <a:rPr lang="fr-FR" dirty="0"/>
-              <a:t>Exemple données différentes entre celles du serveur et stockées en local </a:t>
+              <a:t>Créer, modifier, obtenir, supprimer</a:t>
+            </a:r>
+          </a:p>
+          <a:p>
+            <a:r>
+              <a:rPr lang="fr-FR" dirty="0"/>
+              <a:t>Peuvent être implémentées avec les fonctions suspend (car cela peut être long)</a:t>
+            </a:r>
+          </a:p>
+          <a:p>
+            <a:r>
+              <a:rPr lang="fr-FR" dirty="0"/>
+              <a:t>Possibilité d’utiliser des flux de données comme les Flows pour exposer des données</a:t>
             </a:r>
           </a:p>
         </p:txBody>
@@ -17641,7 +17416,7 @@
           <p:cNvPr id="4" name="Espace réservé du pied de page 3">
             <a:extLst>
               <a:ext uri="{FF2B5EF4-FFF2-40B4-BE49-F238E27FC236}">
-                <a16:creationId xmlns:a16="http://schemas.microsoft.com/office/drawing/2014/main" id="{A72EBF7A-5C73-5B97-253B-923D1E595A8A}"/>
+                <a16:creationId xmlns:a16="http://schemas.microsoft.com/office/drawing/2014/main" id="{B6EBB152-1973-3322-458A-000BA579869A}"/>
               </a:ext>
             </a:extLst>
           </p:cNvPr>
@@ -17669,7 +17444,7 @@
           <p:cNvPr id="5" name="Espace réservé du numéro de diapositive 4">
             <a:extLst>
               <a:ext uri="{FF2B5EF4-FFF2-40B4-BE49-F238E27FC236}">
-                <a16:creationId xmlns:a16="http://schemas.microsoft.com/office/drawing/2014/main" id="{9E636EE8-5021-872D-5218-80F8EBFC46F7}"/>
+                <a16:creationId xmlns:a16="http://schemas.microsoft.com/office/drawing/2014/main" id="{902FB75B-D0CA-6397-5A75-AD43FD6E3A63}"/>
               </a:ext>
             </a:extLst>
           </p:cNvPr>
@@ -17696,7 +17471,7 @@
     </p:spTree>
     <p:extLst>
       <p:ext uri="{BB962C8B-B14F-4D97-AF65-F5344CB8AC3E}">
-        <p14:creationId xmlns:p14="http://schemas.microsoft.com/office/powerpoint/2010/main" val="1253716027"/>
+        <p14:creationId xmlns:p14="http://schemas.microsoft.com/office/powerpoint/2010/main" val="3608695094"/>
       </p:ext>
     </p:extLst>
   </p:cSld>
@@ -17728,7 +17503,7 @@
           <p:cNvPr id="2" name="Titre 1">
             <a:extLst>
               <a:ext uri="{FF2B5EF4-FFF2-40B4-BE49-F238E27FC236}">
-                <a16:creationId xmlns:a16="http://schemas.microsoft.com/office/drawing/2014/main" id="{C578587F-40D3-D389-B334-580607CCD5A8}"/>
+                <a16:creationId xmlns:a16="http://schemas.microsoft.com/office/drawing/2014/main" id="{479509C6-8340-1098-ADD2-62BEEF04B210}"/>
               </a:ext>
             </a:extLst>
           </p:cNvPr>
@@ -17746,7 +17521,7 @@
           <a:p>
             <a:r>
               <a:rPr lang="fr-FR" dirty="0"/>
-              <a:t>Le repository expose les données</a:t>
+              <a:t>Source de vérité pour le repository</a:t>
             </a:r>
           </a:p>
         </p:txBody>
@@ -17756,7 +17531,7 @@
           <p:cNvPr id="3" name="Espace réservé du contenu 2">
             <a:extLst>
               <a:ext uri="{FF2B5EF4-FFF2-40B4-BE49-F238E27FC236}">
-                <a16:creationId xmlns:a16="http://schemas.microsoft.com/office/drawing/2014/main" id="{FF4D5117-58EA-8859-DF09-2D9C407F5B04}"/>
+                <a16:creationId xmlns:a16="http://schemas.microsoft.com/office/drawing/2014/main" id="{53A61521-5843-E342-7D93-ADF0575FA68A}"/>
               </a:ext>
             </a:extLst>
           </p:cNvPr>
@@ -17774,32 +17549,13 @@
           <a:p>
             <a:r>
               <a:rPr lang="fr-FR" dirty="0"/>
-              <a:t>Point d’entrée vers les données</a:t>
-            </a:r>
-          </a:p>
-          <a:p>
-            <a:r>
-              <a:rPr lang="fr-FR" dirty="0"/>
-              <a:t>Créer des méthodes qui font une seule tâche</a:t>
-            </a:r>
-          </a:p>
-          <a:p>
-            <a:pPr lvl="1"/>
-            <a:r>
-              <a:rPr lang="fr-FR" dirty="0"/>
-              <a:t>Créer, modifier, obtenir, supprimer</a:t>
-            </a:r>
-          </a:p>
-          <a:p>
-            <a:r>
-              <a:rPr lang="fr-FR" dirty="0"/>
-              <a:t>Peuvent être implémentées avec les fonctions suspend (car cela peut être long)</a:t>
-            </a:r>
-          </a:p>
-          <a:p>
-            <a:r>
-              <a:rPr lang="fr-FR" dirty="0"/>
-              <a:t>Possibilité d’utiliser des flux de données comme les Flows pour exposer des données</a:t>
+              <a:t>Il faut définir un data source qui pourra toujours nous fournir les données quand nécessaire</a:t>
+            </a:r>
+          </a:p>
+          <a:p>
+            <a:r>
+              <a:rPr lang="fr-FR" dirty="0"/>
+              <a:t>Les sources de conflits sont gérées de sorte que la source de vérité soit le plus à jour</a:t>
             </a:r>
           </a:p>
         </p:txBody>
@@ -17809,7 +17565,7 @@
           <p:cNvPr id="4" name="Espace réservé du pied de page 3">
             <a:extLst>
               <a:ext uri="{FF2B5EF4-FFF2-40B4-BE49-F238E27FC236}">
-                <a16:creationId xmlns:a16="http://schemas.microsoft.com/office/drawing/2014/main" id="{B6EBB152-1973-3322-458A-000BA579869A}"/>
+                <a16:creationId xmlns:a16="http://schemas.microsoft.com/office/drawing/2014/main" id="{95E02AE0-278C-B814-A386-C952DB746029}"/>
               </a:ext>
             </a:extLst>
           </p:cNvPr>
@@ -17837,7 +17593,7 @@
           <p:cNvPr id="5" name="Espace réservé du numéro de diapositive 4">
             <a:extLst>
               <a:ext uri="{FF2B5EF4-FFF2-40B4-BE49-F238E27FC236}">
-                <a16:creationId xmlns:a16="http://schemas.microsoft.com/office/drawing/2014/main" id="{902FB75B-D0CA-6397-5A75-AD43FD6E3A63}"/>
+                <a16:creationId xmlns:a16="http://schemas.microsoft.com/office/drawing/2014/main" id="{903B9821-961D-1043-1FEE-861DCB6A2FD0}"/>
               </a:ext>
             </a:extLst>
           </p:cNvPr>
@@ -17864,7 +17620,7 @@
     </p:spTree>
     <p:extLst>
       <p:ext uri="{BB962C8B-B14F-4D97-AF65-F5344CB8AC3E}">
-        <p14:creationId xmlns:p14="http://schemas.microsoft.com/office/powerpoint/2010/main" val="3608695094"/>
+        <p14:creationId xmlns:p14="http://schemas.microsoft.com/office/powerpoint/2010/main" val="2121650793"/>
       </p:ext>
     </p:extLst>
   </p:cSld>
@@ -17914,155 +17670,6 @@
           <a:p>
             <a:r>
               <a:rPr lang="fr-FR" dirty="0"/>
-              <a:t>Source de vérité pour le repository</a:t>
-            </a:r>
-          </a:p>
-        </p:txBody>
-      </p:sp>
-      <p:sp>
-        <p:nvSpPr>
-          <p:cNvPr id="3" name="Espace réservé du contenu 2">
-            <a:extLst>
-              <a:ext uri="{FF2B5EF4-FFF2-40B4-BE49-F238E27FC236}">
-                <a16:creationId xmlns:a16="http://schemas.microsoft.com/office/drawing/2014/main" id="{53A61521-5843-E342-7D93-ADF0575FA68A}"/>
-              </a:ext>
-            </a:extLst>
-          </p:cNvPr>
-          <p:cNvSpPr>
-            <a:spLocks noGrp="1"/>
-          </p:cNvSpPr>
-          <p:nvPr>
-            <p:ph idx="1"/>
-          </p:nvPr>
-        </p:nvSpPr>
-        <p:spPr/>
-        <p:txBody>
-          <a:bodyPr/>
-          <a:lstStyle/>
-          <a:p>
-            <a:r>
-              <a:rPr lang="fr-FR" dirty="0"/>
-              <a:t>Il faut définir un data source qui pourra toujours nous fournir les données quand nécessaire</a:t>
-            </a:r>
-          </a:p>
-          <a:p>
-            <a:r>
-              <a:rPr lang="fr-FR" dirty="0"/>
-              <a:t>Les sources de conflits sont gérées de sorte que la source de vérité soit le plus à jour</a:t>
-            </a:r>
-          </a:p>
-        </p:txBody>
-      </p:sp>
-      <p:sp>
-        <p:nvSpPr>
-          <p:cNvPr id="4" name="Espace réservé du pied de page 3">
-            <a:extLst>
-              <a:ext uri="{FF2B5EF4-FFF2-40B4-BE49-F238E27FC236}">
-                <a16:creationId xmlns:a16="http://schemas.microsoft.com/office/drawing/2014/main" id="{95E02AE0-278C-B814-A386-C952DB746029}"/>
-              </a:ext>
-            </a:extLst>
-          </p:cNvPr>
-          <p:cNvSpPr>
-            <a:spLocks noGrp="1"/>
-          </p:cNvSpPr>
-          <p:nvPr>
-            <p:ph type="ftr" sz="quarter" idx="11"/>
-          </p:nvPr>
-        </p:nvSpPr>
-        <p:spPr/>
-        <p:txBody>
-          <a:bodyPr/>
-          <a:lstStyle/>
-          <a:p>
-            <a:r>
-              <a:rPr lang="fr-FR"/>
-              <a:t>Qualité de dev Android par Jocelyn CARAMAN</a:t>
-            </a:r>
-          </a:p>
-        </p:txBody>
-      </p:sp>
-      <p:sp>
-        <p:nvSpPr>
-          <p:cNvPr id="5" name="Espace réservé du numéro de diapositive 4">
-            <a:extLst>
-              <a:ext uri="{FF2B5EF4-FFF2-40B4-BE49-F238E27FC236}">
-                <a16:creationId xmlns:a16="http://schemas.microsoft.com/office/drawing/2014/main" id="{903B9821-961D-1043-1FEE-861DCB6A2FD0}"/>
-              </a:ext>
-            </a:extLst>
-          </p:cNvPr>
-          <p:cNvSpPr>
-            <a:spLocks noGrp="1"/>
-          </p:cNvSpPr>
-          <p:nvPr>
-            <p:ph type="sldNum" sz="quarter" idx="12"/>
-          </p:nvPr>
-        </p:nvSpPr>
-        <p:spPr/>
-        <p:txBody>
-          <a:bodyPr/>
-          <a:lstStyle/>
-          <a:p>
-            <a:fld id="{6DCDF3B7-52F6-A54A-AE80-A1A481C65405}" type="slidenum">
-              <a:rPr lang="fr-FR" smtClean="0"/>
-              <a:t>35</a:t>
-            </a:fld>
-            <a:endParaRPr lang="fr-FR"/>
-          </a:p>
-        </p:txBody>
-      </p:sp>
-    </p:spTree>
-    <p:extLst>
-      <p:ext uri="{BB962C8B-B14F-4D97-AF65-F5344CB8AC3E}">
-        <p14:creationId xmlns:p14="http://schemas.microsoft.com/office/powerpoint/2010/main" val="2121650793"/>
-      </p:ext>
-    </p:extLst>
-  </p:cSld>
-  <p:clrMapOvr>
-    <a:masterClrMapping/>
-  </p:clrMapOvr>
-</p:sld>
-</file>
-
-<file path=ppt/slides/slide36.xml><?xml version="1.0" encoding="utf-8"?>
-<p:sld xmlns:a="http://schemas.openxmlformats.org/drawingml/2006/main" xmlns:r="http://schemas.openxmlformats.org/officeDocument/2006/relationships" xmlns:p="http://schemas.openxmlformats.org/presentationml/2006/main">
-  <p:cSld>
-    <p:spTree>
-      <p:nvGrpSpPr>
-        <p:cNvPr id="1" name=""/>
-        <p:cNvGrpSpPr/>
-        <p:nvPr/>
-      </p:nvGrpSpPr>
-      <p:grpSpPr>
-        <a:xfrm>
-          <a:off x="0" y="0"/>
-          <a:ext cx="0" cy="0"/>
-          <a:chOff x="0" y="0"/>
-          <a:chExt cx="0" cy="0"/>
-        </a:xfrm>
-      </p:grpSpPr>
-      <p:sp>
-        <p:nvSpPr>
-          <p:cNvPr id="2" name="Titre 1">
-            <a:extLst>
-              <a:ext uri="{FF2B5EF4-FFF2-40B4-BE49-F238E27FC236}">
-                <a16:creationId xmlns:a16="http://schemas.microsoft.com/office/drawing/2014/main" id="{479509C6-8340-1098-ADD2-62BEEF04B210}"/>
-              </a:ext>
-            </a:extLst>
-          </p:cNvPr>
-          <p:cNvSpPr>
-            <a:spLocks noGrp="1"/>
-          </p:cNvSpPr>
-          <p:nvPr>
-            <p:ph type="title"/>
-          </p:nvPr>
-        </p:nvSpPr>
-        <p:spPr/>
-        <p:txBody>
-          <a:bodyPr/>
-          <a:lstStyle/>
-          <a:p>
-            <a:r>
-              <a:rPr lang="fr-FR" dirty="0"/>
               <a:t>Exemple source de vérité</a:t>
             </a:r>
           </a:p>
@@ -18148,7 +17755,7 @@
           <a:p>
             <a:fld id="{6DCDF3B7-52F6-A54A-AE80-A1A481C65405}" type="slidenum">
               <a:rPr lang="fr-FR" smtClean="0"/>
-              <a:t>36</a:t>
+              <a:t>35</a:t>
             </a:fld>
             <a:endParaRPr lang="fr-FR"/>
           </a:p>
@@ -18320,7 +17927,7 @@
 </p:sld>
 </file>
 
-<file path=ppt/slides/slide37.xml><?xml version="1.0" encoding="utf-8"?>
+<file path=ppt/slides/slide36.xml><?xml version="1.0" encoding="utf-8"?>
 <p:sld xmlns:a="http://schemas.openxmlformats.org/drawingml/2006/main" xmlns:r="http://schemas.openxmlformats.org/officeDocument/2006/relationships" xmlns:p="http://schemas.openxmlformats.org/presentationml/2006/main">
   <p:cSld>
     <p:spTree>
@@ -18445,7 +18052,7 @@
           <a:p>
             <a:fld id="{6DCDF3B7-52F6-A54A-AE80-A1A481C65405}" type="slidenum">
               <a:rPr lang="fr-FR" smtClean="0"/>
-              <a:t>37</a:t>
+              <a:t>36</a:t>
             </a:fld>
             <a:endParaRPr lang="fr-FR"/>
           </a:p>
@@ -18748,6 +18355,179 @@
 </p:sld>
 </file>
 
+<file path=ppt/slides/slide37.xml><?xml version="1.0" encoding="utf-8"?>
+<p:sld xmlns:a="http://schemas.openxmlformats.org/drawingml/2006/main" xmlns:r="http://schemas.openxmlformats.org/officeDocument/2006/relationships" xmlns:p="http://schemas.openxmlformats.org/presentationml/2006/main">
+  <p:cSld>
+    <p:spTree>
+      <p:nvGrpSpPr>
+        <p:cNvPr id="1" name=""/>
+        <p:cNvGrpSpPr/>
+        <p:nvPr/>
+      </p:nvGrpSpPr>
+      <p:grpSpPr>
+        <a:xfrm>
+          <a:off x="0" y="0"/>
+          <a:ext cx="0" cy="0"/>
+          <a:chOff x="0" y="0"/>
+          <a:chExt cx="0" cy="0"/>
+        </a:xfrm>
+      </p:grpSpPr>
+      <p:sp>
+        <p:nvSpPr>
+          <p:cNvPr id="2" name="Titre 1">
+            <a:extLst>
+              <a:ext uri="{FF2B5EF4-FFF2-40B4-BE49-F238E27FC236}">
+                <a16:creationId xmlns:a16="http://schemas.microsoft.com/office/drawing/2014/main" id="{BF2C31E9-8406-D119-D8DA-352E1D2AD38F}"/>
+              </a:ext>
+            </a:extLst>
+          </p:cNvPr>
+          <p:cNvSpPr>
+            <a:spLocks noGrp="1"/>
+          </p:cNvSpPr>
+          <p:nvPr>
+            <p:ph type="title"/>
+          </p:nvPr>
+        </p:nvSpPr>
+        <p:spPr/>
+        <p:txBody>
+          <a:bodyPr/>
+          <a:lstStyle/>
+          <a:p>
+            <a:r>
+              <a:rPr lang="fr-FR" dirty="0"/>
+              <a:t>Classes immuables</a:t>
+            </a:r>
+          </a:p>
+        </p:txBody>
+      </p:sp>
+      <p:sp>
+        <p:nvSpPr>
+          <p:cNvPr id="3" name="Espace réservé du contenu 2">
+            <a:extLst>
+              <a:ext uri="{FF2B5EF4-FFF2-40B4-BE49-F238E27FC236}">
+                <a16:creationId xmlns:a16="http://schemas.microsoft.com/office/drawing/2014/main" id="{CCA2E532-1052-9220-4EF3-F6A7CAB3EE7B}"/>
+              </a:ext>
+            </a:extLst>
+          </p:cNvPr>
+          <p:cNvSpPr>
+            <a:spLocks noGrp="1"/>
+          </p:cNvSpPr>
+          <p:nvPr>
+            <p:ph idx="1"/>
+          </p:nvPr>
+        </p:nvSpPr>
+        <p:spPr/>
+        <p:txBody>
+          <a:bodyPr/>
+          <a:lstStyle/>
+          <a:p>
+            <a:r>
+              <a:rPr lang="fr-FR" dirty="0"/>
+              <a:t>Pour s’assurer que les données ne soient pas modifiées, les données exposées par la couche de données doivent être immuables </a:t>
+            </a:r>
+          </a:p>
+          <a:p>
+            <a:r>
+              <a:rPr lang="fr-FR" dirty="0"/>
+              <a:t>Sinon risque de données inconsistantes entre les classes qui consomment les données</a:t>
+            </a:r>
+          </a:p>
+          <a:p>
+            <a:r>
+              <a:rPr lang="fr-FR" dirty="0"/>
+              <a:t>Gestion simplifiée pour de multiples threads</a:t>
+            </a:r>
+          </a:p>
+          <a:p>
+            <a:r>
+              <a:rPr lang="fr-FR" dirty="0"/>
+              <a:t>Utiliser les </a:t>
+            </a:r>
+            <a:r>
+              <a:rPr lang="fr-FR" b="1" dirty="0"/>
+              <a:t>data class </a:t>
+            </a:r>
+            <a:r>
+              <a:rPr lang="fr-FR" dirty="0"/>
+              <a:t>avec des propriétés immuables </a:t>
+            </a:r>
+            <a:r>
+              <a:rPr lang="fr-FR" b="1" dirty="0"/>
+              <a:t>val</a:t>
+            </a:r>
+          </a:p>
+        </p:txBody>
+      </p:sp>
+      <p:sp>
+        <p:nvSpPr>
+          <p:cNvPr id="4" name="Espace réservé du pied de page 3">
+            <a:extLst>
+              <a:ext uri="{FF2B5EF4-FFF2-40B4-BE49-F238E27FC236}">
+                <a16:creationId xmlns:a16="http://schemas.microsoft.com/office/drawing/2014/main" id="{D6256CFF-DA2B-ED71-5DC9-E7A42BDC154F}"/>
+              </a:ext>
+            </a:extLst>
+          </p:cNvPr>
+          <p:cNvSpPr>
+            <a:spLocks noGrp="1"/>
+          </p:cNvSpPr>
+          <p:nvPr>
+            <p:ph type="ftr" sz="quarter" idx="11"/>
+          </p:nvPr>
+        </p:nvSpPr>
+        <p:spPr/>
+        <p:txBody>
+          <a:bodyPr/>
+          <a:lstStyle/>
+          <a:p>
+            <a:r>
+              <a:rPr lang="fr-FR"/>
+              <a:t>Qualité de dev Android par Jocelyn CARAMAN</a:t>
+            </a:r>
+          </a:p>
+        </p:txBody>
+      </p:sp>
+      <p:sp>
+        <p:nvSpPr>
+          <p:cNvPr id="5" name="Espace réservé du numéro de diapositive 4">
+            <a:extLst>
+              <a:ext uri="{FF2B5EF4-FFF2-40B4-BE49-F238E27FC236}">
+                <a16:creationId xmlns:a16="http://schemas.microsoft.com/office/drawing/2014/main" id="{F00938E9-8FAC-C61C-F694-3DF5982A74EC}"/>
+              </a:ext>
+            </a:extLst>
+          </p:cNvPr>
+          <p:cNvSpPr>
+            <a:spLocks noGrp="1"/>
+          </p:cNvSpPr>
+          <p:nvPr>
+            <p:ph type="sldNum" sz="quarter" idx="12"/>
+          </p:nvPr>
+        </p:nvSpPr>
+        <p:spPr/>
+        <p:txBody>
+          <a:bodyPr/>
+          <a:lstStyle/>
+          <a:p>
+            <a:fld id="{6DCDF3B7-52F6-A54A-AE80-A1A481C65405}" type="slidenum">
+              <a:rPr lang="fr-FR" smtClean="0"/>
+              <a:t>37</a:t>
+            </a:fld>
+            <a:endParaRPr lang="fr-FR"/>
+          </a:p>
+        </p:txBody>
+      </p:sp>
+    </p:spTree>
+    <p:extLst>
+      <p:ext uri="{BB962C8B-B14F-4D97-AF65-F5344CB8AC3E}">
+        <p14:creationId xmlns:p14="http://schemas.microsoft.com/office/powerpoint/2010/main" val="1463055921"/>
+      </p:ext>
+    </p:extLst>
+  </p:cSld>
+  <p:clrMapOvr>
+    <a:masterClrMapping/>
+  </p:clrMapOvr>
+</p:sld>
+</file>
+
 <file path=ppt/slides/slide38.xml><?xml version="1.0" encoding="utf-8"?>
 <p:sld xmlns:a="http://schemas.openxmlformats.org/drawingml/2006/main" xmlns:r="http://schemas.openxmlformats.org/officeDocument/2006/relationships" xmlns:p="http://schemas.openxmlformats.org/presentationml/2006/main">
   <p:cSld>
@@ -18770,7 +18550,7 @@
           <p:cNvPr id="2" name="Titre 1">
             <a:extLst>
               <a:ext uri="{FF2B5EF4-FFF2-40B4-BE49-F238E27FC236}">
-                <a16:creationId xmlns:a16="http://schemas.microsoft.com/office/drawing/2014/main" id="{BF2C31E9-8406-D119-D8DA-352E1D2AD38F}"/>
+                <a16:creationId xmlns:a16="http://schemas.microsoft.com/office/drawing/2014/main" id="{96271826-0A02-66BB-31BD-A3F0C2E06472}"/>
               </a:ext>
             </a:extLst>
           </p:cNvPr>
@@ -18788,7 +18568,7 @@
           <a:p>
             <a:r>
               <a:rPr lang="fr-FR" dirty="0"/>
-              <a:t>Classes immuables</a:t>
+              <a:t>Modèle</a:t>
             </a:r>
           </a:p>
         </p:txBody>
@@ -18798,7 +18578,7 @@
           <p:cNvPr id="3" name="Espace réservé du contenu 2">
             <a:extLst>
               <a:ext uri="{FF2B5EF4-FFF2-40B4-BE49-F238E27FC236}">
-                <a16:creationId xmlns:a16="http://schemas.microsoft.com/office/drawing/2014/main" id="{CCA2E532-1052-9220-4EF3-F6A7CAB3EE7B}"/>
+                <a16:creationId xmlns:a16="http://schemas.microsoft.com/office/drawing/2014/main" id="{54357027-5F45-FCCA-B790-2ABB6467BC52}"/>
               </a:ext>
             </a:extLst>
           </p:cNvPr>
@@ -18816,37 +18596,19 @@
           <a:p>
             <a:r>
               <a:rPr lang="fr-FR" dirty="0"/>
-              <a:t>Pour s’assurer que les données ne soient pas modifiées, les données exposées par la couche de données doivent être immuables </a:t>
-            </a:r>
-          </a:p>
-          <a:p>
-            <a:r>
-              <a:rPr lang="fr-FR" dirty="0"/>
-              <a:t>Sinon risque de données inconsistantes entre les classes qui consomment les données</a:t>
-            </a:r>
-          </a:p>
-          <a:p>
-            <a:r>
-              <a:rPr lang="fr-FR" dirty="0"/>
-              <a:t>Gestion simplifiée pour de multiples threads</a:t>
-            </a:r>
-          </a:p>
-          <a:p>
-            <a:r>
-              <a:rPr lang="fr-FR" dirty="0"/>
-              <a:t>Utiliser les </a:t>
-            </a:r>
-            <a:r>
-              <a:rPr lang="fr-FR" b="1" dirty="0"/>
-              <a:t>data class </a:t>
-            </a:r>
-            <a:r>
-              <a:rPr lang="fr-FR" dirty="0"/>
-              <a:t>avec des propriétés immuables </a:t>
-            </a:r>
-            <a:r>
-              <a:rPr lang="fr-FR" b="1" dirty="0"/>
-              <a:t>val</a:t>
+              <a:t>Ne pas hésiter à créer différents modèles suivant les besoins</a:t>
+            </a:r>
+          </a:p>
+          <a:p>
+            <a:r>
+              <a:rPr lang="fr-FR" dirty="0"/>
+              <a:t>Les données renvoyées par l’API distant ou la base de données contient souvent des données qui ne seront pas utiles à afficher dans l’app</a:t>
+            </a:r>
+          </a:p>
+          <a:p>
+            <a:r>
+              <a:rPr lang="fr-FR" dirty="0"/>
+              <a:t>Créer des modèles spécifiques pour appliquer la séparation des préoccupations</a:t>
             </a:r>
           </a:p>
         </p:txBody>
@@ -18856,7 +18618,7 @@
           <p:cNvPr id="4" name="Espace réservé du pied de page 3">
             <a:extLst>
               <a:ext uri="{FF2B5EF4-FFF2-40B4-BE49-F238E27FC236}">
-                <a16:creationId xmlns:a16="http://schemas.microsoft.com/office/drawing/2014/main" id="{D6256CFF-DA2B-ED71-5DC9-E7A42BDC154F}"/>
+                <a16:creationId xmlns:a16="http://schemas.microsoft.com/office/drawing/2014/main" id="{847B7995-F643-B73B-8A59-92DFEACADED4}"/>
               </a:ext>
             </a:extLst>
           </p:cNvPr>
@@ -18884,7 +18646,7 @@
           <p:cNvPr id="5" name="Espace réservé du numéro de diapositive 4">
             <a:extLst>
               <a:ext uri="{FF2B5EF4-FFF2-40B4-BE49-F238E27FC236}">
-                <a16:creationId xmlns:a16="http://schemas.microsoft.com/office/drawing/2014/main" id="{F00938E9-8FAC-C61C-F694-3DF5982A74EC}"/>
+                <a16:creationId xmlns:a16="http://schemas.microsoft.com/office/drawing/2014/main" id="{F99AC405-2FED-8504-042C-5F8D3FFE8CC3}"/>
               </a:ext>
             </a:extLst>
           </p:cNvPr>
@@ -18911,7 +18673,7 @@
     </p:spTree>
     <p:extLst>
       <p:ext uri="{BB962C8B-B14F-4D97-AF65-F5344CB8AC3E}">
-        <p14:creationId xmlns:p14="http://schemas.microsoft.com/office/powerpoint/2010/main" val="1463055921"/>
+        <p14:creationId xmlns:p14="http://schemas.microsoft.com/office/powerpoint/2010/main" val="895152971"/>
       </p:ext>
     </p:extLst>
   </p:cSld>
@@ -18940,10 +18702,10 @@
       </p:grpSpPr>
       <p:sp>
         <p:nvSpPr>
-          <p:cNvPr id="2" name="Titre 1">
+          <p:cNvPr id="6" name="Titre 5">
             <a:extLst>
               <a:ext uri="{FF2B5EF4-FFF2-40B4-BE49-F238E27FC236}">
-                <a16:creationId xmlns:a16="http://schemas.microsoft.com/office/drawing/2014/main" id="{96271826-0A02-66BB-31BD-A3F0C2E06472}"/>
+                <a16:creationId xmlns:a16="http://schemas.microsoft.com/office/drawing/2014/main" id="{D64B20D7-9E4F-4C20-4D7B-2EFD1021990D}"/>
               </a:ext>
             </a:extLst>
           </p:cNvPr>
@@ -18961,57 +18723,75 @@
           <a:p>
             <a:r>
               <a:rPr lang="fr-FR" dirty="0"/>
-              <a:t>Modèle</a:t>
-            </a:r>
-          </a:p>
-        </p:txBody>
-      </p:sp>
-      <p:sp>
-        <p:nvSpPr>
-          <p:cNvPr id="3" name="Espace réservé du contenu 2">
+              <a:t>Exemple modèle</a:t>
+            </a:r>
+          </a:p>
+        </p:txBody>
+      </p:sp>
+      <p:pic>
+        <p:nvPicPr>
+          <p:cNvPr id="10" name="Espace réservé du contenu 9" descr="Une image contenant texte, capture d’écran, Police, conception&#10;&#10;Description générée automatiquement">
             <a:extLst>
               <a:ext uri="{FF2B5EF4-FFF2-40B4-BE49-F238E27FC236}">
-                <a16:creationId xmlns:a16="http://schemas.microsoft.com/office/drawing/2014/main" id="{54357027-5F45-FCCA-B790-2ABB6467BC52}"/>
+                <a16:creationId xmlns:a16="http://schemas.microsoft.com/office/drawing/2014/main" id="{A8B546FA-54E4-C28C-FE5C-8BEA797DEA85}"/>
               </a:ext>
             </a:extLst>
           </p:cNvPr>
-          <p:cNvSpPr>
-            <a:spLocks noGrp="1"/>
-          </p:cNvSpPr>
-          <p:nvPr>
-            <p:ph idx="1"/>
-          </p:nvPr>
-        </p:nvSpPr>
-        <p:spPr/>
-        <p:txBody>
-          <a:bodyPr/>
-          <a:lstStyle/>
-          <a:p>
-            <a:r>
-              <a:rPr lang="fr-FR" dirty="0"/>
-              <a:t>Ne pas hésiter à créer différents modèles suivant les besoins</a:t>
-            </a:r>
-          </a:p>
-          <a:p>
-            <a:r>
-              <a:rPr lang="fr-FR" dirty="0"/>
-              <a:t>Les données renvoyées par l’API distant ou la base de données contient souvent des données qui ne seront pas utiles à afficher dans l’app</a:t>
-            </a:r>
-          </a:p>
-          <a:p>
-            <a:r>
-              <a:rPr lang="fr-FR" dirty="0"/>
-              <a:t>Créer des modèles spécifiques pour appliquer la séparation des préoccupations</a:t>
-            </a:r>
-          </a:p>
-        </p:txBody>
-      </p:sp>
+          <p:cNvPicPr>
+            <a:picLocks noGrp="1" noChangeAspect="1"/>
+          </p:cNvPicPr>
+          <p:nvPr>
+            <p:ph sz="half" idx="1"/>
+          </p:nvPr>
+        </p:nvPicPr>
+        <p:blipFill>
+          <a:blip r:embed="rId3"/>
+          <a:stretch>
+            <a:fillRect/>
+          </a:stretch>
+        </p:blipFill>
+        <p:spPr>
+          <a:xfrm>
+            <a:off x="819150" y="2405908"/>
+            <a:ext cx="5184775" cy="3271734"/>
+          </a:xfrm>
+        </p:spPr>
+      </p:pic>
+      <p:pic>
+        <p:nvPicPr>
+          <p:cNvPr id="12" name="Espace réservé du contenu 11" descr="Une image contenant texte, Police, capture d’écran, conception&#10;&#10;Description générée automatiquement">
+            <a:extLst>
+              <a:ext uri="{FF2B5EF4-FFF2-40B4-BE49-F238E27FC236}">
+                <a16:creationId xmlns:a16="http://schemas.microsoft.com/office/drawing/2014/main" id="{12BE37FC-6D9F-F6DD-422D-5CD2319D8745}"/>
+              </a:ext>
+            </a:extLst>
+          </p:cNvPr>
+          <p:cNvPicPr>
+            <a:picLocks noGrp="1" noChangeAspect="1"/>
+          </p:cNvPicPr>
+          <p:nvPr>
+            <p:ph sz="half" idx="2"/>
+          </p:nvPr>
+        </p:nvPicPr>
+        <p:blipFill>
+          <a:blip r:embed="rId4"/>
+          <a:stretch>
+            <a:fillRect/>
+          </a:stretch>
+        </p:blipFill>
+        <p:spPr>
+          <a:xfrm>
+            <a:off x="6188077" y="2405907"/>
+            <a:ext cx="5412922" cy="3271734"/>
+          </a:xfrm>
+        </p:spPr>
+      </p:pic>
       <p:sp>
         <p:nvSpPr>
           <p:cNvPr id="4" name="Espace réservé du pied de page 3">
             <a:extLst>
               <a:ext uri="{FF2B5EF4-FFF2-40B4-BE49-F238E27FC236}">
-                <a16:creationId xmlns:a16="http://schemas.microsoft.com/office/drawing/2014/main" id="{847B7995-F643-B73B-8A59-92DFEACADED4}"/>
+                <a16:creationId xmlns:a16="http://schemas.microsoft.com/office/drawing/2014/main" id="{85E614DD-5D1E-87E6-AF75-7950DB86589D}"/>
               </a:ext>
             </a:extLst>
           </p:cNvPr>
@@ -19039,7 +18819,7 @@
           <p:cNvPr id="5" name="Espace réservé du numéro de diapositive 4">
             <a:extLst>
               <a:ext uri="{FF2B5EF4-FFF2-40B4-BE49-F238E27FC236}">
-                <a16:creationId xmlns:a16="http://schemas.microsoft.com/office/drawing/2014/main" id="{F99AC405-2FED-8504-042C-5F8D3FFE8CC3}"/>
+                <a16:creationId xmlns:a16="http://schemas.microsoft.com/office/drawing/2014/main" id="{6133C103-D78E-72FB-483B-C921DBA3C81A}"/>
               </a:ext>
             </a:extLst>
           </p:cNvPr>
@@ -19066,7 +18846,7 @@
     </p:spTree>
     <p:extLst>
       <p:ext uri="{BB962C8B-B14F-4D97-AF65-F5344CB8AC3E}">
-        <p14:creationId xmlns:p14="http://schemas.microsoft.com/office/powerpoint/2010/main" val="895152971"/>
+        <p14:creationId xmlns:p14="http://schemas.microsoft.com/office/powerpoint/2010/main" val="905562151"/>
       </p:ext>
     </p:extLst>
   </p:cSld>
@@ -19270,10 +19050,10 @@
       </p:grpSpPr>
       <p:sp>
         <p:nvSpPr>
-          <p:cNvPr id="6" name="Titre 5">
+          <p:cNvPr id="2" name="Titre 1">
             <a:extLst>
               <a:ext uri="{FF2B5EF4-FFF2-40B4-BE49-F238E27FC236}">
-                <a16:creationId xmlns:a16="http://schemas.microsoft.com/office/drawing/2014/main" id="{D64B20D7-9E4F-4C20-4D7B-2EFD1021990D}"/>
+                <a16:creationId xmlns:a16="http://schemas.microsoft.com/office/drawing/2014/main" id="{6F8C98DB-89EC-54AC-7227-B5AE24762A2A}"/>
               </a:ext>
             </a:extLst>
           </p:cNvPr>
@@ -19291,103 +19071,95 @@
           <a:p>
             <a:r>
               <a:rPr lang="fr-FR" dirty="0"/>
-              <a:t>Exemple modèle</a:t>
-            </a:r>
-          </a:p>
-        </p:txBody>
-      </p:sp>
-      <p:pic>
-        <p:nvPicPr>
-          <p:cNvPr id="10" name="Espace réservé du contenu 9" descr="Une image contenant texte, capture d’écran, Police, conception&#10;&#10;Description générée automatiquement">
+              <a:t>Main </a:t>
+            </a:r>
+            <a:r>
+              <a:rPr lang="fr-FR" dirty="0" err="1"/>
+              <a:t>safe</a:t>
+            </a:r>
+            <a:endParaRPr lang="fr-FR" dirty="0"/>
+          </a:p>
+        </p:txBody>
+      </p:sp>
+      <p:sp>
+        <p:nvSpPr>
+          <p:cNvPr id="8" name="Espace réservé du contenu 7">
             <a:extLst>
               <a:ext uri="{FF2B5EF4-FFF2-40B4-BE49-F238E27FC236}">
-                <a16:creationId xmlns:a16="http://schemas.microsoft.com/office/drawing/2014/main" id="{A8B546FA-54E4-C28C-FE5C-8BEA797DEA85}"/>
+                <a16:creationId xmlns:a16="http://schemas.microsoft.com/office/drawing/2014/main" id="{82E5690A-59FE-8DD5-0339-48CBB79539B0}"/>
               </a:ext>
             </a:extLst>
           </p:cNvPr>
-          <p:cNvPicPr>
-            <a:picLocks noGrp="1" noChangeAspect="1"/>
-          </p:cNvPicPr>
-          <p:nvPr>
-            <p:ph sz="half" idx="1"/>
-          </p:nvPr>
-        </p:nvPicPr>
-        <p:blipFill>
-          <a:blip r:embed="rId3"/>
-          <a:stretch>
-            <a:fillRect/>
-          </a:stretch>
-        </p:blipFill>
-        <p:spPr>
-          <a:xfrm>
-            <a:off x="819150" y="2405908"/>
-            <a:ext cx="5184775" cy="3271734"/>
-          </a:xfrm>
-        </p:spPr>
-      </p:pic>
-      <p:pic>
-        <p:nvPicPr>
-          <p:cNvPr id="12" name="Espace réservé du contenu 11" descr="Une image contenant texte, Police, capture d’écran, conception&#10;&#10;Description générée automatiquement">
+          <p:cNvSpPr>
+            <a:spLocks noGrp="1"/>
+          </p:cNvSpPr>
+          <p:nvPr>
+            <p:ph idx="1"/>
+          </p:nvPr>
+        </p:nvSpPr>
+        <p:spPr/>
+        <p:txBody>
+          <a:bodyPr/>
+          <a:lstStyle/>
+          <a:p>
+            <a:r>
+              <a:rPr lang="fr-FR" dirty="0"/>
+              <a:t>Appeler les méthodes des repositories ou des data sources doit être main-</a:t>
+            </a:r>
+            <a:r>
+              <a:rPr lang="fr-FR" dirty="0" err="1"/>
+              <a:t>safe</a:t>
+            </a:r>
+            <a:endParaRPr lang="fr-FR" dirty="0"/>
+          </a:p>
+          <a:p>
+            <a:r>
+              <a:rPr lang="fr-FR" dirty="0"/>
+              <a:t>C’est-à-dire sûres quand on les appelle depuis le main thread</a:t>
+            </a:r>
+          </a:p>
+          <a:p>
+            <a:r>
+              <a:rPr lang="fr-FR" dirty="0"/>
+              <a:t>Les repositories et data sources doivent s’assurer que l’exécution des tâches longues soit déporté et qu’elle n’ait pas lieu depuis le thread principal</a:t>
+            </a:r>
+          </a:p>
+        </p:txBody>
+      </p:sp>
+      <p:sp>
+        <p:nvSpPr>
+          <p:cNvPr id="5" name="Espace réservé du pied de page 4">
             <a:extLst>
               <a:ext uri="{FF2B5EF4-FFF2-40B4-BE49-F238E27FC236}">
-                <a16:creationId xmlns:a16="http://schemas.microsoft.com/office/drawing/2014/main" id="{12BE37FC-6D9F-F6DD-422D-5CD2319D8745}"/>
+                <a16:creationId xmlns:a16="http://schemas.microsoft.com/office/drawing/2014/main" id="{96D6A9BD-97FE-0FD7-4714-A4BBE34C136F}"/>
               </a:ext>
             </a:extLst>
           </p:cNvPr>
-          <p:cNvPicPr>
-            <a:picLocks noGrp="1" noChangeAspect="1"/>
-          </p:cNvPicPr>
-          <p:nvPr>
-            <p:ph sz="half" idx="2"/>
-          </p:nvPr>
-        </p:nvPicPr>
-        <p:blipFill>
-          <a:blip r:embed="rId4"/>
-          <a:stretch>
-            <a:fillRect/>
-          </a:stretch>
-        </p:blipFill>
-        <p:spPr>
-          <a:xfrm>
-            <a:off x="6188077" y="2405907"/>
-            <a:ext cx="5412922" cy="3271734"/>
-          </a:xfrm>
-        </p:spPr>
-      </p:pic>
-      <p:sp>
-        <p:nvSpPr>
-          <p:cNvPr id="4" name="Espace réservé du pied de page 3">
+          <p:cNvSpPr>
+            <a:spLocks noGrp="1"/>
+          </p:cNvSpPr>
+          <p:nvPr>
+            <p:ph type="ftr" sz="quarter" idx="11"/>
+          </p:nvPr>
+        </p:nvSpPr>
+        <p:spPr/>
+        <p:txBody>
+          <a:bodyPr/>
+          <a:lstStyle/>
+          <a:p>
+            <a:r>
+              <a:rPr lang="fr-FR"/>
+              <a:t>Qualité de dev Android par Jocelyn CARAMAN</a:t>
+            </a:r>
+          </a:p>
+        </p:txBody>
+      </p:sp>
+      <p:sp>
+        <p:nvSpPr>
+          <p:cNvPr id="6" name="Espace réservé du numéro de diapositive 5">
             <a:extLst>
               <a:ext uri="{FF2B5EF4-FFF2-40B4-BE49-F238E27FC236}">
-                <a16:creationId xmlns:a16="http://schemas.microsoft.com/office/drawing/2014/main" id="{85E614DD-5D1E-87E6-AF75-7950DB86589D}"/>
-              </a:ext>
-            </a:extLst>
-          </p:cNvPr>
-          <p:cNvSpPr>
-            <a:spLocks noGrp="1"/>
-          </p:cNvSpPr>
-          <p:nvPr>
-            <p:ph type="ftr" sz="quarter" idx="11"/>
-          </p:nvPr>
-        </p:nvSpPr>
-        <p:spPr/>
-        <p:txBody>
-          <a:bodyPr/>
-          <a:lstStyle/>
-          <a:p>
-            <a:r>
-              <a:rPr lang="fr-FR"/>
-              <a:t>Qualité de dev Android par Jocelyn CARAMAN</a:t>
-            </a:r>
-          </a:p>
-        </p:txBody>
-      </p:sp>
-      <p:sp>
-        <p:nvSpPr>
-          <p:cNvPr id="5" name="Espace réservé du numéro de diapositive 4">
-            <a:extLst>
-              <a:ext uri="{FF2B5EF4-FFF2-40B4-BE49-F238E27FC236}">
-                <a16:creationId xmlns:a16="http://schemas.microsoft.com/office/drawing/2014/main" id="{6133C103-D78E-72FB-483B-C921DBA3C81A}"/>
+                <a16:creationId xmlns:a16="http://schemas.microsoft.com/office/drawing/2014/main" id="{D32FCAF9-E944-9988-27FC-0F7B3F235850}"/>
               </a:ext>
             </a:extLst>
           </p:cNvPr>
@@ -19414,7 +19186,7 @@
     </p:spTree>
     <p:extLst>
       <p:ext uri="{BB962C8B-B14F-4D97-AF65-F5344CB8AC3E}">
-        <p14:creationId xmlns:p14="http://schemas.microsoft.com/office/powerpoint/2010/main" val="905562151"/>
+        <p14:creationId xmlns:p14="http://schemas.microsoft.com/office/powerpoint/2010/main" val="2716962804"/>
       </p:ext>
     </p:extLst>
   </p:cSld>
@@ -19446,7 +19218,7 @@
           <p:cNvPr id="2" name="Titre 1">
             <a:extLst>
               <a:ext uri="{FF2B5EF4-FFF2-40B4-BE49-F238E27FC236}">
-                <a16:creationId xmlns:a16="http://schemas.microsoft.com/office/drawing/2014/main" id="{6F8C98DB-89EC-54AC-7227-B5AE24762A2A}"/>
+                <a16:creationId xmlns:a16="http://schemas.microsoft.com/office/drawing/2014/main" id="{AFD832E2-8CF4-F5BF-D4B7-7AF9D227CCF6}"/>
               </a:ext>
             </a:extLst>
           </p:cNvPr>
@@ -19464,22 +19236,17 @@
           <a:p>
             <a:r>
               <a:rPr lang="fr-FR" dirty="0"/>
-              <a:t>Main </a:t>
-            </a:r>
-            <a:r>
-              <a:rPr lang="fr-FR" dirty="0" err="1"/>
-              <a:t>safe</a:t>
-            </a:r>
-            <a:endParaRPr lang="fr-FR" dirty="0"/>
-          </a:p>
-        </p:txBody>
-      </p:sp>
-      <p:sp>
-        <p:nvSpPr>
-          <p:cNvPr id="8" name="Espace réservé du contenu 7">
+              <a:t>Erreurs</a:t>
+            </a:r>
+          </a:p>
+        </p:txBody>
+      </p:sp>
+      <p:sp>
+        <p:nvSpPr>
+          <p:cNvPr id="3" name="Espace réservé du contenu 2">
             <a:extLst>
               <a:ext uri="{FF2B5EF4-FFF2-40B4-BE49-F238E27FC236}">
-                <a16:creationId xmlns:a16="http://schemas.microsoft.com/office/drawing/2014/main" id="{82E5690A-59FE-8DD5-0339-48CBB79539B0}"/>
+                <a16:creationId xmlns:a16="http://schemas.microsoft.com/office/drawing/2014/main" id="{6EDD3ECC-9B1F-A03F-CE35-35459C5DE640}"/>
               </a:ext>
             </a:extLst>
           </p:cNvPr>
@@ -19497,34 +19264,68 @@
           <a:p>
             <a:r>
               <a:rPr lang="fr-FR" dirty="0"/>
-              <a:t>Appeler les méthodes des repositories ou des data sources doit être main-</a:t>
+              <a:t>Important de gérer les erreurs car les opérations sur les données peuvent parfois échouées</a:t>
+            </a:r>
+          </a:p>
+          <a:p>
+            <a:r>
+              <a:rPr lang="fr-FR" dirty="0"/>
+              <a:t>Il faut alors remonter l’information de la couche de données vers la couche d’interface</a:t>
+            </a:r>
+          </a:p>
+          <a:p>
+            <a:r>
+              <a:rPr lang="fr-FR" dirty="0"/>
+              <a:t>2 solutions :</a:t>
+            </a:r>
+          </a:p>
+          <a:p>
+            <a:pPr lvl="1"/>
+            <a:r>
+              <a:rPr lang="fr-FR" dirty="0"/>
+              <a:t>Laisser les exceptions remontées au niveau supérieur et les gérer avec block </a:t>
+            </a:r>
+            <a:r>
+              <a:rPr lang="fr-FR" b="1" dirty="0" err="1"/>
+              <a:t>try</a:t>
+            </a:r>
+            <a:r>
+              <a:rPr lang="fr-FR" b="1" dirty="0"/>
+              <a:t>/catch</a:t>
+            </a:r>
+            <a:r>
+              <a:rPr lang="fr-FR" dirty="0"/>
+              <a:t>, ou opérateur </a:t>
+            </a:r>
+            <a:r>
+              <a:rPr lang="fr-FR" b="1" dirty="0"/>
+              <a:t>catch</a:t>
+            </a:r>
+            <a:r>
+              <a:rPr lang="fr-FR" dirty="0"/>
+              <a:t> avec les Flow</a:t>
+            </a:r>
+          </a:p>
+          <a:p>
+            <a:pPr lvl="1"/>
+            <a:r>
+              <a:rPr lang="fr-FR" dirty="0"/>
+              <a:t>Exposer une donnée qui peut être soit de type Succès ou </a:t>
             </a:r>
             <a:r>
               <a:rPr lang="fr-FR" dirty="0" err="1"/>
-              <a:t>safe</a:t>
+              <a:t>Error</a:t>
             </a:r>
             <a:endParaRPr lang="fr-FR" dirty="0"/>
           </a:p>
-          <a:p>
-            <a:r>
-              <a:rPr lang="fr-FR" dirty="0"/>
-              <a:t>C’est-à-dire sûres quand on les appelle depuis le main thread</a:t>
-            </a:r>
-          </a:p>
-          <a:p>
-            <a:r>
-              <a:rPr lang="fr-FR" dirty="0"/>
-              <a:t>Les repositories et data sources doivent s’assurer que l’exécution des tâches longues soit déporté et qu’elle n’ait pas lieu depuis le thread principal</a:t>
-            </a:r>
-          </a:p>
-        </p:txBody>
-      </p:sp>
-      <p:sp>
-        <p:nvSpPr>
-          <p:cNvPr id="5" name="Espace réservé du pied de page 4">
+        </p:txBody>
+      </p:sp>
+      <p:sp>
+        <p:nvSpPr>
+          <p:cNvPr id="4" name="Espace réservé du pied de page 3">
             <a:extLst>
               <a:ext uri="{FF2B5EF4-FFF2-40B4-BE49-F238E27FC236}">
-                <a16:creationId xmlns:a16="http://schemas.microsoft.com/office/drawing/2014/main" id="{96D6A9BD-97FE-0FD7-4714-A4BBE34C136F}"/>
+                <a16:creationId xmlns:a16="http://schemas.microsoft.com/office/drawing/2014/main" id="{23D6B0CC-59F4-870A-145F-4EBE7EFF6AE9}"/>
               </a:ext>
             </a:extLst>
           </p:cNvPr>
@@ -19549,10 +19350,10 @@
       </p:sp>
       <p:sp>
         <p:nvSpPr>
-          <p:cNvPr id="6" name="Espace réservé du numéro de diapositive 5">
+          <p:cNvPr id="5" name="Espace réservé du numéro de diapositive 4">
             <a:extLst>
               <a:ext uri="{FF2B5EF4-FFF2-40B4-BE49-F238E27FC236}">
-                <a16:creationId xmlns:a16="http://schemas.microsoft.com/office/drawing/2014/main" id="{D32FCAF9-E944-9988-27FC-0F7B3F235850}"/>
+                <a16:creationId xmlns:a16="http://schemas.microsoft.com/office/drawing/2014/main" id="{2844BEA5-21DE-72FC-A77C-4C828A31F873}"/>
               </a:ext>
             </a:extLst>
           </p:cNvPr>
@@ -19579,7 +19380,7 @@
     </p:spTree>
     <p:extLst>
       <p:ext uri="{BB962C8B-B14F-4D97-AF65-F5344CB8AC3E}">
-        <p14:creationId xmlns:p14="http://schemas.microsoft.com/office/powerpoint/2010/main" val="2716962804"/>
+        <p14:creationId xmlns:p14="http://schemas.microsoft.com/office/powerpoint/2010/main" val="1255345692"/>
       </p:ext>
     </p:extLst>
   </p:cSld>
@@ -19611,7 +19412,7 @@
           <p:cNvPr id="2" name="Titre 1">
             <a:extLst>
               <a:ext uri="{FF2B5EF4-FFF2-40B4-BE49-F238E27FC236}">
-                <a16:creationId xmlns:a16="http://schemas.microsoft.com/office/drawing/2014/main" id="{AFD832E2-8CF4-F5BF-D4B7-7AF9D227CCF6}"/>
+                <a16:creationId xmlns:a16="http://schemas.microsoft.com/office/drawing/2014/main" id="{FBAE70E8-736F-DD81-BEEA-DAD6711CD76D}"/>
               </a:ext>
             </a:extLst>
           </p:cNvPr>
@@ -19629,96 +19430,46 @@
           <a:p>
             <a:r>
               <a:rPr lang="fr-FR" dirty="0"/>
-              <a:t>Erreurs</a:t>
-            </a:r>
-          </a:p>
-        </p:txBody>
-      </p:sp>
-      <p:sp>
-        <p:nvSpPr>
-          <p:cNvPr id="3" name="Espace réservé du contenu 2">
+              <a:t>Possibilité d’avoir plusieurs niveaux de repositories</a:t>
+            </a:r>
+          </a:p>
+        </p:txBody>
+      </p:sp>
+      <p:pic>
+        <p:nvPicPr>
+          <p:cNvPr id="7" name="Espace réservé du contenu 6" descr="Une image contenant texte, capture d’écran, Police, nombre&#10;&#10;Description générée automatiquement">
             <a:extLst>
               <a:ext uri="{FF2B5EF4-FFF2-40B4-BE49-F238E27FC236}">
-                <a16:creationId xmlns:a16="http://schemas.microsoft.com/office/drawing/2014/main" id="{6EDD3ECC-9B1F-A03F-CE35-35459C5DE640}"/>
+                <a16:creationId xmlns:a16="http://schemas.microsoft.com/office/drawing/2014/main" id="{22628FCF-8A6F-70A9-D0A2-F0823C531BFA}"/>
               </a:ext>
             </a:extLst>
           </p:cNvPr>
-          <p:cNvSpPr>
-            <a:spLocks noGrp="1"/>
-          </p:cNvSpPr>
+          <p:cNvPicPr>
+            <a:picLocks noGrp="1" noChangeAspect="1"/>
+          </p:cNvPicPr>
           <p:nvPr>
             <p:ph idx="1"/>
           </p:nvPr>
-        </p:nvSpPr>
-        <p:spPr/>
-        <p:txBody>
-          <a:bodyPr/>
-          <a:lstStyle/>
-          <a:p>
-            <a:r>
-              <a:rPr lang="fr-FR" dirty="0"/>
-              <a:t>Important de gérer les erreurs car les opérations sur les données peuvent parfois échouées</a:t>
-            </a:r>
-          </a:p>
-          <a:p>
-            <a:r>
-              <a:rPr lang="fr-FR" dirty="0"/>
-              <a:t>Il faut alors remonter l’information de la couche de données vers la couche d’interface</a:t>
-            </a:r>
-          </a:p>
-          <a:p>
-            <a:r>
-              <a:rPr lang="fr-FR" dirty="0"/>
-              <a:t>2 solutions :</a:t>
-            </a:r>
-          </a:p>
-          <a:p>
-            <a:pPr lvl="1"/>
-            <a:r>
-              <a:rPr lang="fr-FR" dirty="0"/>
-              <a:t>Laisser les exceptions remontées au niveau supérieur et les gérer avec block </a:t>
-            </a:r>
-            <a:r>
-              <a:rPr lang="fr-FR" b="1" dirty="0" err="1"/>
-              <a:t>try</a:t>
-            </a:r>
-            <a:r>
-              <a:rPr lang="fr-FR" b="1" dirty="0"/>
-              <a:t>/catch</a:t>
-            </a:r>
-            <a:r>
-              <a:rPr lang="fr-FR" dirty="0"/>
-              <a:t>, ou opérateur </a:t>
-            </a:r>
-            <a:r>
-              <a:rPr lang="fr-FR" b="1" dirty="0"/>
-              <a:t>catch</a:t>
-            </a:r>
-            <a:r>
-              <a:rPr lang="fr-FR" dirty="0"/>
-              <a:t> avec les Flow</a:t>
-            </a:r>
-          </a:p>
-          <a:p>
-            <a:pPr lvl="1"/>
-            <a:r>
-              <a:rPr lang="fr-FR" dirty="0"/>
-              <a:t>Exposer une donnée qui peut être soit de type Succès ou </a:t>
-            </a:r>
-            <a:r>
-              <a:rPr lang="fr-FR" dirty="0" err="1"/>
-              <a:t>Error</a:t>
-            </a:r>
-            <a:endParaRPr lang="fr-FR" dirty="0"/>
-          </a:p>
-        </p:txBody>
-      </p:sp>
+        </p:nvPicPr>
+        <p:blipFill>
+          <a:blip r:embed="rId3"/>
+          <a:stretch>
+            <a:fillRect/>
+          </a:stretch>
+        </p:blipFill>
+        <p:spPr>
+          <a:xfrm>
+            <a:off x="3314700" y="2358231"/>
+            <a:ext cx="5562600" cy="3365500"/>
+          </a:xfrm>
+        </p:spPr>
+      </p:pic>
       <p:sp>
         <p:nvSpPr>
           <p:cNvPr id="4" name="Espace réservé du pied de page 3">
             <a:extLst>
               <a:ext uri="{FF2B5EF4-FFF2-40B4-BE49-F238E27FC236}">
-                <a16:creationId xmlns:a16="http://schemas.microsoft.com/office/drawing/2014/main" id="{23D6B0CC-59F4-870A-145F-4EBE7EFF6AE9}"/>
+                <a16:creationId xmlns:a16="http://schemas.microsoft.com/office/drawing/2014/main" id="{A2B29FAE-3425-6587-35B8-9B6FB123B2AB}"/>
               </a:ext>
             </a:extLst>
           </p:cNvPr>
@@ -19746,7 +19497,7 @@
           <p:cNvPr id="5" name="Espace réservé du numéro de diapositive 4">
             <a:extLst>
               <a:ext uri="{FF2B5EF4-FFF2-40B4-BE49-F238E27FC236}">
-                <a16:creationId xmlns:a16="http://schemas.microsoft.com/office/drawing/2014/main" id="{2844BEA5-21DE-72FC-A77C-4C828A31F873}"/>
+                <a16:creationId xmlns:a16="http://schemas.microsoft.com/office/drawing/2014/main" id="{7F42F27F-232E-93E2-F698-4A7DC1AC1175}"/>
               </a:ext>
             </a:extLst>
           </p:cNvPr>
@@ -19773,7 +19524,7 @@
     </p:spTree>
     <p:extLst>
       <p:ext uri="{BB962C8B-B14F-4D97-AF65-F5344CB8AC3E}">
-        <p14:creationId xmlns:p14="http://schemas.microsoft.com/office/powerpoint/2010/main" val="1255345692"/>
+        <p14:creationId xmlns:p14="http://schemas.microsoft.com/office/powerpoint/2010/main" val="2978168892"/>
       </p:ext>
     </p:extLst>
   </p:cSld>
@@ -19805,7 +19556,7 @@
           <p:cNvPr id="2" name="Titre 1">
             <a:extLst>
               <a:ext uri="{FF2B5EF4-FFF2-40B4-BE49-F238E27FC236}">
-                <a16:creationId xmlns:a16="http://schemas.microsoft.com/office/drawing/2014/main" id="{FBAE70E8-736F-DD81-BEEA-DAD6711CD76D}"/>
+                <a16:creationId xmlns:a16="http://schemas.microsoft.com/office/drawing/2014/main" id="{78ACF116-6868-43F4-0069-26B25EB1D1ED}"/>
               </a:ext>
             </a:extLst>
           </p:cNvPr>
@@ -19823,46 +19574,57 @@
           <a:p>
             <a:r>
               <a:rPr lang="fr-FR" dirty="0"/>
-              <a:t>Possibilité d’avoir plusieurs niveaux de repositories</a:t>
-            </a:r>
-          </a:p>
-        </p:txBody>
-      </p:sp>
-      <p:pic>
-        <p:nvPicPr>
-          <p:cNvPr id="7" name="Espace réservé du contenu 6" descr="Une image contenant texte, capture d’écran, Police, nombre&#10;&#10;Description générée automatiquement">
+              <a:t>Tester les repositories</a:t>
+            </a:r>
+          </a:p>
+        </p:txBody>
+      </p:sp>
+      <p:sp>
+        <p:nvSpPr>
+          <p:cNvPr id="3" name="Espace réservé du contenu 2">
             <a:extLst>
               <a:ext uri="{FF2B5EF4-FFF2-40B4-BE49-F238E27FC236}">
-                <a16:creationId xmlns:a16="http://schemas.microsoft.com/office/drawing/2014/main" id="{22628FCF-8A6F-70A9-D0A2-F0823C531BFA}"/>
+                <a16:creationId xmlns:a16="http://schemas.microsoft.com/office/drawing/2014/main" id="{A0FACB90-ABB0-AA3F-0AE0-5774F10C3C67}"/>
               </a:ext>
             </a:extLst>
           </p:cNvPr>
-          <p:cNvPicPr>
-            <a:picLocks noGrp="1" noChangeAspect="1"/>
-          </p:cNvPicPr>
+          <p:cNvSpPr>
+            <a:spLocks noGrp="1"/>
+          </p:cNvSpPr>
           <p:nvPr>
             <p:ph idx="1"/>
           </p:nvPr>
-        </p:nvPicPr>
-        <p:blipFill>
-          <a:blip r:embed="rId3"/>
-          <a:stretch>
-            <a:fillRect/>
-          </a:stretch>
-        </p:blipFill>
-        <p:spPr>
-          <a:xfrm>
-            <a:off x="3314700" y="2358231"/>
-            <a:ext cx="5562600" cy="3365500"/>
-          </a:xfrm>
-        </p:spPr>
-      </p:pic>
+        </p:nvSpPr>
+        <p:spPr/>
+        <p:txBody>
+          <a:bodyPr/>
+          <a:lstStyle/>
+          <a:p>
+            <a:r>
+              <a:rPr lang="fr-FR" dirty="0"/>
+              <a:t>Utiliser des tests unitaires</a:t>
+            </a:r>
+          </a:p>
+          <a:p>
+            <a:r>
+              <a:rPr lang="fr-FR" dirty="0"/>
+              <a:t>Remplacer les data sources par des data sources simulées</a:t>
+            </a:r>
+          </a:p>
+          <a:p>
+            <a:r>
+              <a:rPr lang="fr-FR" dirty="0"/>
+              <a:t>Vérifiés que le repository gère correctement ces données</a:t>
+            </a:r>
+          </a:p>
+        </p:txBody>
+      </p:sp>
       <p:sp>
         <p:nvSpPr>
           <p:cNvPr id="4" name="Espace réservé du pied de page 3">
             <a:extLst>
               <a:ext uri="{FF2B5EF4-FFF2-40B4-BE49-F238E27FC236}">
-                <a16:creationId xmlns:a16="http://schemas.microsoft.com/office/drawing/2014/main" id="{A2B29FAE-3425-6587-35B8-9B6FB123B2AB}"/>
+                <a16:creationId xmlns:a16="http://schemas.microsoft.com/office/drawing/2014/main" id="{784EA3C3-9203-0655-591F-6E3368884AF6}"/>
               </a:ext>
             </a:extLst>
           </p:cNvPr>
@@ -19890,7 +19652,7 @@
           <p:cNvPr id="5" name="Espace réservé du numéro de diapositive 4">
             <a:extLst>
               <a:ext uri="{FF2B5EF4-FFF2-40B4-BE49-F238E27FC236}">
-                <a16:creationId xmlns:a16="http://schemas.microsoft.com/office/drawing/2014/main" id="{7F42F27F-232E-93E2-F698-4A7DC1AC1175}"/>
+                <a16:creationId xmlns:a16="http://schemas.microsoft.com/office/drawing/2014/main" id="{22668248-DE05-DF55-A44E-431427F77567}"/>
               </a:ext>
             </a:extLst>
           </p:cNvPr>
@@ -19917,7 +19679,7 @@
     </p:spTree>
     <p:extLst>
       <p:ext uri="{BB962C8B-B14F-4D97-AF65-F5344CB8AC3E}">
-        <p14:creationId xmlns:p14="http://schemas.microsoft.com/office/powerpoint/2010/main" val="2978168892"/>
+        <p14:creationId xmlns:p14="http://schemas.microsoft.com/office/powerpoint/2010/main" val="3940381936"/>
       </p:ext>
     </p:extLst>
   </p:cSld>
@@ -19967,7 +19729,7 @@
           <a:p>
             <a:r>
               <a:rPr lang="fr-FR" dirty="0"/>
-              <a:t>Tester les repositories</a:t>
+              <a:t>Tester les data sources</a:t>
             </a:r>
           </a:p>
         </p:txBody>
@@ -19995,19 +19757,27 @@
           <a:p>
             <a:r>
               <a:rPr lang="fr-FR" dirty="0"/>
-              <a:t>Utiliser des tests unitaires</a:t>
-            </a:r>
-          </a:p>
-          <a:p>
-            <a:r>
-              <a:rPr lang="fr-FR" dirty="0"/>
-              <a:t>Remplacer les data sources par des data sources simulées</a:t>
-            </a:r>
-          </a:p>
-          <a:p>
-            <a:r>
-              <a:rPr lang="fr-FR" dirty="0"/>
-              <a:t>Vérifiés que le repository gère correctement ces données</a:t>
+              <a:t>Plus difficile car dépend souvent de bibliothèques externes</a:t>
+            </a:r>
+          </a:p>
+          <a:p>
+            <a:r>
+              <a:rPr lang="fr-FR" dirty="0"/>
+              <a:t>Utiliser des tests unitaires couplées aux classes de tests ou mécanismes de la bibliothèque en question</a:t>
+            </a:r>
+          </a:p>
+          <a:p>
+            <a:r>
+              <a:rPr lang="fr-FR" dirty="0"/>
+              <a:t>Exemple </a:t>
+            </a:r>
+            <a:r>
+              <a:rPr lang="fr-FR" dirty="0" err="1"/>
+              <a:t>Jetpack</a:t>
+            </a:r>
+            <a:r>
+              <a:rPr lang="fr-FR" dirty="0"/>
+              <a:t> Room (base de données) permet de stocker les données de test dans la mémoire vive</a:t>
             </a:r>
           </a:p>
         </p:txBody>
@@ -20072,7 +19842,7 @@
     </p:spTree>
     <p:extLst>
       <p:ext uri="{BB962C8B-B14F-4D97-AF65-F5344CB8AC3E}">
-        <p14:creationId xmlns:p14="http://schemas.microsoft.com/office/powerpoint/2010/main" val="3940381936"/>
+        <p14:creationId xmlns:p14="http://schemas.microsoft.com/office/powerpoint/2010/main" val="2515947761"/>
       </p:ext>
     </p:extLst>
   </p:cSld>
@@ -20101,10 +19871,10 @@
       </p:grpSpPr>
       <p:sp>
         <p:nvSpPr>
-          <p:cNvPr id="2" name="Titre 1">
+          <p:cNvPr id="5" name="Titre 4">
             <a:extLst>
               <a:ext uri="{FF2B5EF4-FFF2-40B4-BE49-F238E27FC236}">
-                <a16:creationId xmlns:a16="http://schemas.microsoft.com/office/drawing/2014/main" id="{78ACF116-6868-43F4-0069-26B25EB1D1ED}"/>
+                <a16:creationId xmlns:a16="http://schemas.microsoft.com/office/drawing/2014/main" id="{8C0E0B50-2E8D-6B4A-268C-1A43E130969F}"/>
               </a:ext>
             </a:extLst>
           </p:cNvPr>
@@ -20122,17 +19892,17 @@
           <a:p>
             <a:r>
               <a:rPr lang="fr-FR" dirty="0"/>
-              <a:t>Tester les data sources</a:t>
-            </a:r>
-          </a:p>
-        </p:txBody>
-      </p:sp>
-      <p:sp>
-        <p:nvSpPr>
-          <p:cNvPr id="3" name="Espace réservé du contenu 2">
+              <a:t>Comment gérer les dépendances ?</a:t>
+            </a:r>
+          </a:p>
+        </p:txBody>
+      </p:sp>
+      <p:sp>
+        <p:nvSpPr>
+          <p:cNvPr id="6" name="Espace réservé du contenu 5">
             <a:extLst>
               <a:ext uri="{FF2B5EF4-FFF2-40B4-BE49-F238E27FC236}">
-                <a16:creationId xmlns:a16="http://schemas.microsoft.com/office/drawing/2014/main" id="{A0FACB90-ABB0-AA3F-0AE0-5774F10C3C67}"/>
+                <a16:creationId xmlns:a16="http://schemas.microsoft.com/office/drawing/2014/main" id="{6113A6C1-D5DA-D410-2E3C-E81FA1A73C0E}"/>
               </a:ext>
             </a:extLst>
           </p:cNvPr>
@@ -20150,28 +19920,21 @@
           <a:p>
             <a:r>
               <a:rPr lang="fr-FR" dirty="0"/>
-              <a:t>Plus difficile car dépend souvent de bibliothèques externes</a:t>
-            </a:r>
-          </a:p>
-          <a:p>
-            <a:r>
-              <a:rPr lang="fr-FR" dirty="0"/>
-              <a:t>Utiliser des tests unitaires couplées aux classes de tests ou mécanismes de la bibliothèque en question</a:t>
-            </a:r>
-          </a:p>
-          <a:p>
-            <a:r>
-              <a:rPr lang="fr-FR" dirty="0"/>
-              <a:t>Exemple </a:t>
-            </a:r>
-            <a:r>
-              <a:rPr lang="fr-FR" dirty="0" err="1"/>
-              <a:t>Jetpack</a:t>
-            </a:r>
-            <a:r>
-              <a:rPr lang="fr-FR" dirty="0"/>
-              <a:t> Room (base de données) permet de stocker les données de test dans la mémoire vive</a:t>
-            </a:r>
+              <a:t>Une classe à souvent besoin d’autres classes pour fonctionner (ex les repositories ont besoin des data sources pour récupérer les données)</a:t>
+            </a:r>
+          </a:p>
+          <a:p>
+            <a:r>
+              <a:rPr lang="fr-FR" dirty="0"/>
+              <a:t>Ce sont des </a:t>
+            </a:r>
+            <a:r>
+              <a:rPr lang="fr-FR" b="1" dirty="0"/>
+              <a:t>dépendances</a:t>
+            </a:r>
+          </a:p>
+          <a:p>
+            <a:endParaRPr lang="fr-FR" dirty="0"/>
           </a:p>
         </p:txBody>
       </p:sp>
@@ -20180,7 +19943,7 @@
           <p:cNvPr id="4" name="Espace réservé du pied de page 3">
             <a:extLst>
               <a:ext uri="{FF2B5EF4-FFF2-40B4-BE49-F238E27FC236}">
-                <a16:creationId xmlns:a16="http://schemas.microsoft.com/office/drawing/2014/main" id="{784EA3C3-9203-0655-591F-6E3368884AF6}"/>
+                <a16:creationId xmlns:a16="http://schemas.microsoft.com/office/drawing/2014/main" id="{604ACB98-7B51-3F92-F2D4-A1D5EF189DC4}"/>
               </a:ext>
             </a:extLst>
           </p:cNvPr>
@@ -20197,45 +19960,17 @@
           <a:lstStyle/>
           <a:p>
             <a:r>
-              <a:rPr lang="fr-FR"/>
+              <a:rPr lang="en-US"/>
               <a:t>Qualité de dev Android par Jocelyn CARAMAN</a:t>
             </a:r>
-          </a:p>
-        </p:txBody>
-      </p:sp>
-      <p:sp>
-        <p:nvSpPr>
-          <p:cNvPr id="5" name="Espace réservé du numéro de diapositive 4">
-            <a:extLst>
-              <a:ext uri="{FF2B5EF4-FFF2-40B4-BE49-F238E27FC236}">
-                <a16:creationId xmlns:a16="http://schemas.microsoft.com/office/drawing/2014/main" id="{22668248-DE05-DF55-A44E-431427F77567}"/>
-              </a:ext>
-            </a:extLst>
-          </p:cNvPr>
-          <p:cNvSpPr>
-            <a:spLocks noGrp="1"/>
-          </p:cNvSpPr>
-          <p:nvPr>
-            <p:ph type="sldNum" sz="quarter" idx="12"/>
-          </p:nvPr>
-        </p:nvSpPr>
-        <p:spPr/>
-        <p:txBody>
-          <a:bodyPr/>
-          <a:lstStyle/>
-          <a:p>
-            <a:fld id="{6DCDF3B7-52F6-A54A-AE80-A1A481C65405}" type="slidenum">
-              <a:rPr lang="fr-FR" smtClean="0"/>
-              <a:t>45</a:t>
-            </a:fld>
-            <a:endParaRPr lang="fr-FR"/>
+            <a:endParaRPr lang="en-US" dirty="0"/>
           </a:p>
         </p:txBody>
       </p:sp>
     </p:spTree>
     <p:extLst>
       <p:ext uri="{BB962C8B-B14F-4D97-AF65-F5344CB8AC3E}">
-        <p14:creationId xmlns:p14="http://schemas.microsoft.com/office/powerpoint/2010/main" val="2515947761"/>
+        <p14:creationId xmlns:p14="http://schemas.microsoft.com/office/powerpoint/2010/main" val="3386696869"/>
       </p:ext>
     </p:extLst>
   </p:cSld>
@@ -20267,7 +20002,7 @@
           <p:cNvPr id="5" name="Titre 4">
             <a:extLst>
               <a:ext uri="{FF2B5EF4-FFF2-40B4-BE49-F238E27FC236}">
-                <a16:creationId xmlns:a16="http://schemas.microsoft.com/office/drawing/2014/main" id="{8C0E0B50-2E8D-6B4A-268C-1A43E130969F}"/>
+                <a16:creationId xmlns:a16="http://schemas.microsoft.com/office/drawing/2014/main" id="{3C24247E-6090-E556-F5C1-EB8569198914}"/>
               </a:ext>
             </a:extLst>
           </p:cNvPr>
@@ -20285,58 +20020,75 @@
           <a:p>
             <a:r>
               <a:rPr lang="fr-FR" dirty="0"/>
-              <a:t>Comment gérer les dépendances ?</a:t>
-            </a:r>
-          </a:p>
-        </p:txBody>
-      </p:sp>
-      <p:sp>
-        <p:nvSpPr>
-          <p:cNvPr id="6" name="Espace réservé du contenu 5">
+              <a:t>2 façons d’obtenir les dépendances</a:t>
+            </a:r>
+          </a:p>
+        </p:txBody>
+      </p:sp>
+      <p:pic>
+        <p:nvPicPr>
+          <p:cNvPr id="9" name="Espace réservé du contenu 8" descr="Une image contenant texte, capture d’écran, Police&#10;&#10;Description générée automatiquement">
             <a:extLst>
               <a:ext uri="{FF2B5EF4-FFF2-40B4-BE49-F238E27FC236}">
-                <a16:creationId xmlns:a16="http://schemas.microsoft.com/office/drawing/2014/main" id="{6113A6C1-D5DA-D410-2E3C-E81FA1A73C0E}"/>
+                <a16:creationId xmlns:a16="http://schemas.microsoft.com/office/drawing/2014/main" id="{88BDC65B-B67C-515B-AA16-BB91E00430AE}"/>
               </a:ext>
             </a:extLst>
           </p:cNvPr>
-          <p:cNvSpPr>
-            <a:spLocks noGrp="1"/>
-          </p:cNvSpPr>
-          <p:nvPr>
-            <p:ph idx="1"/>
-          </p:nvPr>
-        </p:nvSpPr>
-        <p:spPr/>
-        <p:txBody>
-          <a:bodyPr/>
-          <a:lstStyle/>
-          <a:p>
-            <a:r>
-              <a:rPr lang="fr-FR" dirty="0"/>
-              <a:t>Une classe à souvent besoin d’autres classes pour fonctionner (ex les repositories ont besoin des data sources pour récupérer les données)</a:t>
-            </a:r>
-          </a:p>
-          <a:p>
-            <a:r>
-              <a:rPr lang="fr-FR" dirty="0"/>
-              <a:t>Ce sont des </a:t>
-            </a:r>
-            <a:r>
-              <a:rPr lang="fr-FR" b="1" dirty="0"/>
-              <a:t>dépendances</a:t>
-            </a:r>
-          </a:p>
-          <a:p>
-            <a:endParaRPr lang="fr-FR" dirty="0"/>
-          </a:p>
-        </p:txBody>
-      </p:sp>
+          <p:cNvPicPr>
+            <a:picLocks noGrp="1" noChangeAspect="1"/>
+          </p:cNvPicPr>
+          <p:nvPr>
+            <p:ph sz="half" idx="1"/>
+          </p:nvPr>
+        </p:nvPicPr>
+        <p:blipFill>
+          <a:blip r:embed="rId2"/>
+          <a:stretch>
+            <a:fillRect/>
+          </a:stretch>
+        </p:blipFill>
+        <p:spPr>
+          <a:xfrm>
+            <a:off x="2809316" y="1968169"/>
+            <a:ext cx="2872123" cy="4073193"/>
+          </a:xfrm>
+        </p:spPr>
+      </p:pic>
+      <p:pic>
+        <p:nvPicPr>
+          <p:cNvPr id="11" name="Espace réservé du contenu 10" descr="Une image contenant texte, capture d’écran, Police&#10;&#10;Description générée automatiquement">
+            <a:extLst>
+              <a:ext uri="{FF2B5EF4-FFF2-40B4-BE49-F238E27FC236}">
+                <a16:creationId xmlns:a16="http://schemas.microsoft.com/office/drawing/2014/main" id="{40A3F03C-CC3F-F005-C09A-2BDBB05D9C0F}"/>
+              </a:ext>
+            </a:extLst>
+          </p:cNvPr>
+          <p:cNvPicPr>
+            <a:picLocks noGrp="1" noChangeAspect="1"/>
+          </p:cNvPicPr>
+          <p:nvPr>
+            <p:ph sz="half" idx="2"/>
+          </p:nvPr>
+        </p:nvPicPr>
+        <p:blipFill>
+          <a:blip r:embed="rId3"/>
+          <a:stretch>
+            <a:fillRect/>
+          </a:stretch>
+        </p:blipFill>
+        <p:spPr>
+          <a:xfrm>
+            <a:off x="8326091" y="2138493"/>
+            <a:ext cx="3414395" cy="4267994"/>
+          </a:xfrm>
+        </p:spPr>
+      </p:pic>
       <p:sp>
         <p:nvSpPr>
           <p:cNvPr id="4" name="Espace réservé du pied de page 3">
             <a:extLst>
               <a:ext uri="{FF2B5EF4-FFF2-40B4-BE49-F238E27FC236}">
-                <a16:creationId xmlns:a16="http://schemas.microsoft.com/office/drawing/2014/main" id="{604ACB98-7B51-3F92-F2D4-A1D5EF189DC4}"/>
+                <a16:creationId xmlns:a16="http://schemas.microsoft.com/office/drawing/2014/main" id="{AEEB03DC-F4FF-E4C7-B034-D89B625F673B}"/>
               </a:ext>
             </a:extLst>
           </p:cNvPr>
@@ -20360,10 +20112,88 @@
           </a:p>
         </p:txBody>
       </p:sp>
+      <p:sp>
+        <p:nvSpPr>
+          <p:cNvPr id="12" name="ZoneTexte 11">
+            <a:extLst>
+              <a:ext uri="{FF2B5EF4-FFF2-40B4-BE49-F238E27FC236}">
+                <a16:creationId xmlns:a16="http://schemas.microsoft.com/office/drawing/2014/main" id="{205FC908-DD6A-22D4-3B65-F187D55A118A}"/>
+              </a:ext>
+            </a:extLst>
+          </p:cNvPr>
+          <p:cNvSpPr txBox="1"/>
+          <p:nvPr/>
+        </p:nvSpPr>
+        <p:spPr>
+          <a:xfrm>
+            <a:off x="363940" y="2138493"/>
+            <a:ext cx="2158525" cy="1200329"/>
+          </a:xfrm>
+          <a:prstGeom prst="rect">
+            <a:avLst/>
+          </a:prstGeom>
+          <a:noFill/>
+        </p:spPr>
+        <p:txBody>
+          <a:bodyPr wrap="square" rtlCol="0">
+            <a:spAutoFit/>
+          </a:bodyPr>
+          <a:lstStyle/>
+          <a:p>
+            <a:pPr marL="285750" indent="-285750">
+              <a:buFont typeface="Arial" panose="020B0604020202020204" pitchFamily="34" charset="0"/>
+              <a:buChar char="•"/>
+            </a:pPr>
+            <a:r>
+              <a:rPr lang="fr-FR" dirty="0"/>
+              <a:t>La classe instancie elle-même les objets</a:t>
+            </a:r>
+          </a:p>
+        </p:txBody>
+      </p:sp>
+      <p:sp>
+        <p:nvSpPr>
+          <p:cNvPr id="13" name="ZoneTexte 12">
+            <a:extLst>
+              <a:ext uri="{FF2B5EF4-FFF2-40B4-BE49-F238E27FC236}">
+                <a16:creationId xmlns:a16="http://schemas.microsoft.com/office/drawing/2014/main" id="{DA9AB8CD-6937-1A40-C1E4-9FEB82402DF4}"/>
+              </a:ext>
+            </a:extLst>
+          </p:cNvPr>
+          <p:cNvSpPr txBox="1"/>
+          <p:nvPr/>
+        </p:nvSpPr>
+        <p:spPr>
+          <a:xfrm>
+            <a:off x="6237062" y="2138493"/>
+            <a:ext cx="1912151" cy="923330"/>
+          </a:xfrm>
+          <a:prstGeom prst="rect">
+            <a:avLst/>
+          </a:prstGeom>
+          <a:noFill/>
+        </p:spPr>
+        <p:txBody>
+          <a:bodyPr wrap="square" rtlCol="0">
+            <a:spAutoFit/>
+          </a:bodyPr>
+          <a:lstStyle/>
+          <a:p>
+            <a:pPr marL="285750" indent="-285750">
+              <a:buFont typeface="Arial" panose="020B0604020202020204" pitchFamily="34" charset="0"/>
+              <a:buChar char="•"/>
+            </a:pPr>
+            <a:r>
+              <a:rPr lang="fr-FR" dirty="0"/>
+              <a:t>Transmettre les objets en arguments</a:t>
+            </a:r>
+          </a:p>
+        </p:txBody>
+      </p:sp>
     </p:spTree>
     <p:extLst>
       <p:ext uri="{BB962C8B-B14F-4D97-AF65-F5344CB8AC3E}">
-        <p14:creationId xmlns:p14="http://schemas.microsoft.com/office/powerpoint/2010/main" val="3386696869"/>
+        <p14:creationId xmlns:p14="http://schemas.microsoft.com/office/powerpoint/2010/main" val="1286263570"/>
       </p:ext>
     </p:extLst>
   </p:cSld>
@@ -20392,10 +20222,10 @@
       </p:grpSpPr>
       <p:sp>
         <p:nvSpPr>
-          <p:cNvPr id="5" name="Titre 4">
+          <p:cNvPr id="6" name="Titre 5">
             <a:extLst>
               <a:ext uri="{FF2B5EF4-FFF2-40B4-BE49-F238E27FC236}">
-                <a16:creationId xmlns:a16="http://schemas.microsoft.com/office/drawing/2014/main" id="{3C24247E-6090-E556-F5C1-EB8569198914}"/>
+                <a16:creationId xmlns:a16="http://schemas.microsoft.com/office/drawing/2014/main" id="{A53FBD1C-BD76-7EBC-0B1B-1861EC8E89B6}"/>
               </a:ext>
             </a:extLst>
           </p:cNvPr>
@@ -20413,78 +20243,72 @@
           <a:p>
             <a:r>
               <a:rPr lang="fr-FR" dirty="0"/>
-              <a:t>2 façons d’obtenir les dépendances</a:t>
-            </a:r>
-          </a:p>
-        </p:txBody>
-      </p:sp>
-      <p:pic>
-        <p:nvPicPr>
-          <p:cNvPr id="9" name="Espace réservé du contenu 8" descr="Une image contenant texte, capture d’écran, Police&#10;&#10;Description générée automatiquement">
+              <a:t>Problèmes que la classe instancie les objets</a:t>
+            </a:r>
+          </a:p>
+        </p:txBody>
+      </p:sp>
+      <p:sp>
+        <p:nvSpPr>
+          <p:cNvPr id="7" name="Espace réservé du contenu 6">
             <a:extLst>
               <a:ext uri="{FF2B5EF4-FFF2-40B4-BE49-F238E27FC236}">
-                <a16:creationId xmlns:a16="http://schemas.microsoft.com/office/drawing/2014/main" id="{88BDC65B-B67C-515B-AA16-BB91E00430AE}"/>
+                <a16:creationId xmlns:a16="http://schemas.microsoft.com/office/drawing/2014/main" id="{B2EE3D59-38EF-DF40-39D5-C036F82969B3}"/>
               </a:ext>
             </a:extLst>
           </p:cNvPr>
-          <p:cNvPicPr>
-            <a:picLocks noGrp="1" noChangeAspect="1"/>
-          </p:cNvPicPr>
-          <p:nvPr>
-            <p:ph sz="half" idx="1"/>
-          </p:nvPr>
-        </p:nvPicPr>
-        <p:blipFill>
-          <a:blip r:embed="rId2"/>
-          <a:stretch>
-            <a:fillRect/>
-          </a:stretch>
-        </p:blipFill>
-        <p:spPr>
-          <a:xfrm>
-            <a:off x="2809316" y="1968169"/>
-            <a:ext cx="2872123" cy="4073193"/>
-          </a:xfrm>
-        </p:spPr>
-      </p:pic>
-      <p:pic>
-        <p:nvPicPr>
-          <p:cNvPr id="11" name="Espace réservé du contenu 10" descr="Une image contenant texte, capture d’écran, Police&#10;&#10;Description générée automatiquement">
+          <p:cNvSpPr>
+            <a:spLocks noGrp="1"/>
+          </p:cNvSpPr>
+          <p:nvPr>
+            <p:ph idx="1"/>
+          </p:nvPr>
+        </p:nvSpPr>
+        <p:spPr/>
+        <p:txBody>
+          <a:bodyPr/>
+          <a:lstStyle/>
+          <a:p>
+            <a:r>
+              <a:rPr lang="fr-FR" dirty="0"/>
+              <a:t>Rend la classe inflexible, complexe à tester car la classe et les dépendances sont fortement couplées</a:t>
+            </a:r>
+          </a:p>
+          <a:p>
+            <a:r>
+              <a:rPr lang="fr-FR" dirty="0"/>
+              <a:t>La classe doit gérer la construction de l’objet, alors que c’est un détail d’implémentation</a:t>
+            </a:r>
+          </a:p>
+          <a:p>
+            <a:r>
+              <a:rPr lang="fr-FR" dirty="0"/>
+              <a:t>Plusieurs instances sont créées alors qu’une seule aurait pu suffire</a:t>
+            </a:r>
+          </a:p>
+          <a:p>
+            <a:r>
+              <a:rPr lang="fr-FR" dirty="0"/>
+              <a:t>Pour être plus flexible et adaptable, une classe ne doit pas instancier ses dépendances mais être construites à l’extérieur et reçues en paramètre</a:t>
+            </a:r>
+          </a:p>
+          <a:p>
+            <a:r>
+              <a:rPr lang="fr-FR" dirty="0"/>
+              <a:t>Ainsi, plus besoin de modifier chaque classe qui dépendent d’un objet pour modifier son implémentation</a:t>
+            </a:r>
+          </a:p>
+        </p:txBody>
+      </p:sp>
+      <p:sp>
+        <p:nvSpPr>
+          <p:cNvPr id="5" name="Espace réservé du pied de page 4">
             <a:extLst>
               <a:ext uri="{FF2B5EF4-FFF2-40B4-BE49-F238E27FC236}">
-                <a16:creationId xmlns:a16="http://schemas.microsoft.com/office/drawing/2014/main" id="{40A3F03C-CC3F-F005-C09A-2BDBB05D9C0F}"/>
+                <a16:creationId xmlns:a16="http://schemas.microsoft.com/office/drawing/2014/main" id="{E2E48BEE-C0BB-5996-F8A5-BE36FD0B4763}"/>
               </a:ext>
             </a:extLst>
           </p:cNvPr>
-          <p:cNvPicPr>
-            <a:picLocks noGrp="1" noChangeAspect="1"/>
-          </p:cNvPicPr>
-          <p:nvPr>
-            <p:ph sz="half" idx="2"/>
-          </p:nvPr>
-        </p:nvPicPr>
-        <p:blipFill>
-          <a:blip r:embed="rId3"/>
-          <a:stretch>
-            <a:fillRect/>
-          </a:stretch>
-        </p:blipFill>
-        <p:spPr>
-          <a:xfrm>
-            <a:off x="8326091" y="2138493"/>
-            <a:ext cx="3414395" cy="4267994"/>
-          </a:xfrm>
-        </p:spPr>
-      </p:pic>
-      <p:sp>
-        <p:nvSpPr>
-          <p:cNvPr id="4" name="Espace réservé du pied de page 3">
-            <a:extLst>
-              <a:ext uri="{FF2B5EF4-FFF2-40B4-BE49-F238E27FC236}">
-                <a16:creationId xmlns:a16="http://schemas.microsoft.com/office/drawing/2014/main" id="{AEEB03DC-F4FF-E4C7-B034-D89B625F673B}"/>
-              </a:ext>
-            </a:extLst>
-          </p:cNvPr>
           <p:cNvSpPr>
             <a:spLocks noGrp="1"/>
           </p:cNvSpPr>
@@ -20502,91 +20326,13 @@
               <a:t>Qualité de dev Android par Jocelyn CARAMAN</a:t>
             </a:r>
             <a:endParaRPr lang="en-US" dirty="0"/>
-          </a:p>
-        </p:txBody>
-      </p:sp>
-      <p:sp>
-        <p:nvSpPr>
-          <p:cNvPr id="12" name="ZoneTexte 11">
-            <a:extLst>
-              <a:ext uri="{FF2B5EF4-FFF2-40B4-BE49-F238E27FC236}">
-                <a16:creationId xmlns:a16="http://schemas.microsoft.com/office/drawing/2014/main" id="{205FC908-DD6A-22D4-3B65-F187D55A118A}"/>
-              </a:ext>
-            </a:extLst>
-          </p:cNvPr>
-          <p:cNvSpPr txBox="1"/>
-          <p:nvPr/>
-        </p:nvSpPr>
-        <p:spPr>
-          <a:xfrm>
-            <a:off x="363940" y="2138493"/>
-            <a:ext cx="2158525" cy="1200329"/>
-          </a:xfrm>
-          <a:prstGeom prst="rect">
-            <a:avLst/>
-          </a:prstGeom>
-          <a:noFill/>
-        </p:spPr>
-        <p:txBody>
-          <a:bodyPr wrap="square" rtlCol="0">
-            <a:spAutoFit/>
-          </a:bodyPr>
-          <a:lstStyle/>
-          <a:p>
-            <a:pPr marL="285750" indent="-285750">
-              <a:buFont typeface="Arial" panose="020B0604020202020204" pitchFamily="34" charset="0"/>
-              <a:buChar char="•"/>
-            </a:pPr>
-            <a:r>
-              <a:rPr lang="fr-FR" dirty="0"/>
-              <a:t>La classe instancie elle-même les objets</a:t>
-            </a:r>
-          </a:p>
-        </p:txBody>
-      </p:sp>
-      <p:sp>
-        <p:nvSpPr>
-          <p:cNvPr id="13" name="ZoneTexte 12">
-            <a:extLst>
-              <a:ext uri="{FF2B5EF4-FFF2-40B4-BE49-F238E27FC236}">
-                <a16:creationId xmlns:a16="http://schemas.microsoft.com/office/drawing/2014/main" id="{DA9AB8CD-6937-1A40-C1E4-9FEB82402DF4}"/>
-              </a:ext>
-            </a:extLst>
-          </p:cNvPr>
-          <p:cNvSpPr txBox="1"/>
-          <p:nvPr/>
-        </p:nvSpPr>
-        <p:spPr>
-          <a:xfrm>
-            <a:off x="6237062" y="2138493"/>
-            <a:ext cx="1912151" cy="923330"/>
-          </a:xfrm>
-          <a:prstGeom prst="rect">
-            <a:avLst/>
-          </a:prstGeom>
-          <a:noFill/>
-        </p:spPr>
-        <p:txBody>
-          <a:bodyPr wrap="square" rtlCol="0">
-            <a:spAutoFit/>
-          </a:bodyPr>
-          <a:lstStyle/>
-          <a:p>
-            <a:pPr marL="285750" indent="-285750">
-              <a:buFont typeface="Arial" panose="020B0604020202020204" pitchFamily="34" charset="0"/>
-              <a:buChar char="•"/>
-            </a:pPr>
-            <a:r>
-              <a:rPr lang="fr-FR" dirty="0"/>
-              <a:t>Transmettre les objets en arguments</a:t>
-            </a:r>
           </a:p>
         </p:txBody>
       </p:sp>
     </p:spTree>
     <p:extLst>
       <p:ext uri="{BB962C8B-B14F-4D97-AF65-F5344CB8AC3E}">
-        <p14:creationId xmlns:p14="http://schemas.microsoft.com/office/powerpoint/2010/main" val="1286263570"/>
+        <p14:creationId xmlns:p14="http://schemas.microsoft.com/office/powerpoint/2010/main" val="1586857309"/>
       </p:ext>
     </p:extLst>
   </p:cSld>
@@ -20615,10 +20361,10 @@
       </p:grpSpPr>
       <p:sp>
         <p:nvSpPr>
-          <p:cNvPr id="6" name="Titre 5">
+          <p:cNvPr id="2" name="Titre 1">
             <a:extLst>
               <a:ext uri="{FF2B5EF4-FFF2-40B4-BE49-F238E27FC236}">
-                <a16:creationId xmlns:a16="http://schemas.microsoft.com/office/drawing/2014/main" id="{A53FBD1C-BD76-7EBC-0B1B-1861EC8E89B6}"/>
+                <a16:creationId xmlns:a16="http://schemas.microsoft.com/office/drawing/2014/main" id="{0F4511ED-026E-59FC-CE06-74D07725AE08}"/>
               </a:ext>
             </a:extLst>
           </p:cNvPr>
@@ -20636,17 +20382,46 @@
           <a:p>
             <a:r>
               <a:rPr lang="fr-FR" dirty="0"/>
-              <a:t>Problèmes que la classe instancie les objets</a:t>
-            </a:r>
-          </a:p>
-        </p:txBody>
-      </p:sp>
+              <a:t>Injection de dépendances</a:t>
+            </a:r>
+          </a:p>
+        </p:txBody>
+      </p:sp>
+      <p:pic>
+        <p:nvPicPr>
+          <p:cNvPr id="6" name="Espace réservé du contenu 5" descr="Une image contenant texte, capture d’écran, Police&#10;&#10;Description générée automatiquement">
+            <a:extLst>
+              <a:ext uri="{FF2B5EF4-FFF2-40B4-BE49-F238E27FC236}">
+                <a16:creationId xmlns:a16="http://schemas.microsoft.com/office/drawing/2014/main" id="{693D6F53-232C-2382-DF93-09C7DCB64A76}"/>
+              </a:ext>
+            </a:extLst>
+          </p:cNvPr>
+          <p:cNvPicPr>
+            <a:picLocks noGrp="1" noChangeAspect="1"/>
+          </p:cNvPicPr>
+          <p:nvPr>
+            <p:ph sz="half" idx="1"/>
+          </p:nvPr>
+        </p:nvPicPr>
+        <p:blipFill>
+          <a:blip r:embed="rId3"/>
+          <a:stretch>
+            <a:fillRect/>
+          </a:stretch>
+        </p:blipFill>
+        <p:spPr>
+          <a:xfrm>
+            <a:off x="7731775" y="2211503"/>
+            <a:ext cx="3532427" cy="4020954"/>
+          </a:xfrm>
+        </p:spPr>
+      </p:pic>
       <p:sp>
         <p:nvSpPr>
           <p:cNvPr id="7" name="Espace réservé du contenu 6">
             <a:extLst>
               <a:ext uri="{FF2B5EF4-FFF2-40B4-BE49-F238E27FC236}">
-                <a16:creationId xmlns:a16="http://schemas.microsoft.com/office/drawing/2014/main" id="{B2EE3D59-38EF-DF40-39D5-C036F82969B3}"/>
+                <a16:creationId xmlns:a16="http://schemas.microsoft.com/office/drawing/2014/main" id="{7AE62093-ABFE-8D97-702E-B6B0232F4F71}"/>
               </a:ext>
             </a:extLst>
           </p:cNvPr>
@@ -20654,51 +20429,54 @@
             <a:spLocks noGrp="1"/>
           </p:cNvSpPr>
           <p:nvPr>
-            <p:ph idx="1"/>
-          </p:nvPr>
-        </p:nvSpPr>
-        <p:spPr/>
-        <p:txBody>
-          <a:bodyPr/>
-          <a:lstStyle/>
-          <a:p>
-            <a:r>
-              <a:rPr lang="fr-FR" dirty="0"/>
-              <a:t>Rend la classe inflexible, complexe à tester car la classe et les dépendances sont fortement couplées</a:t>
-            </a:r>
-          </a:p>
-          <a:p>
-            <a:r>
-              <a:rPr lang="fr-FR" dirty="0"/>
-              <a:t>La classe doit gérer la construction de l’objet, alors que c’est un détail d’implémentation</a:t>
-            </a:r>
-          </a:p>
-          <a:p>
-            <a:r>
-              <a:rPr lang="fr-FR" dirty="0"/>
-              <a:t>Plusieurs instances sont créées alors qu’une seule aurait pu suffire</a:t>
-            </a:r>
-          </a:p>
-          <a:p>
-            <a:r>
-              <a:rPr lang="fr-FR" dirty="0"/>
-              <a:t>Pour être plus flexible et adaptable, une classe ne doit pas instancier ses dépendances mais être construites à l’extérieur et reçues en paramètre</a:t>
-            </a:r>
-          </a:p>
-          <a:p>
-            <a:r>
-              <a:rPr lang="fr-FR" dirty="0"/>
-              <a:t>Ainsi, plus besoin de modifier chaque classe qui dépendent d’un objet pour modifier son implémentation</a:t>
-            </a:r>
-          </a:p>
-        </p:txBody>
-      </p:sp>
-      <p:sp>
-        <p:nvSpPr>
-          <p:cNvPr id="5" name="Espace réservé du pied de page 4">
+            <p:ph sz="half" idx="2"/>
+          </p:nvPr>
+        </p:nvSpPr>
+        <p:spPr>
+          <a:xfrm>
+            <a:off x="810000" y="2402598"/>
+            <a:ext cx="5194583" cy="3638764"/>
+          </a:xfrm>
+        </p:spPr>
+        <p:txBody>
+          <a:bodyPr/>
+          <a:lstStyle/>
+          <a:p>
+            <a:r>
+              <a:rPr lang="fr-FR" dirty="0"/>
+              <a:t>C’est l’injection de dépendances</a:t>
+            </a:r>
+          </a:p>
+          <a:p>
+            <a:r>
+              <a:rPr lang="fr-FR" dirty="0"/>
+              <a:t>Aide à la réutilisation du code</a:t>
+            </a:r>
+          </a:p>
+          <a:p>
+            <a:r>
+              <a:rPr lang="fr-FR" dirty="0"/>
+              <a:t>Facilite la factorisation</a:t>
+            </a:r>
+          </a:p>
+          <a:p>
+            <a:r>
+              <a:rPr lang="fr-FR" dirty="0"/>
+              <a:t>Aide à la réalisation de tests</a:t>
+            </a:r>
+          </a:p>
+          <a:p>
+            <a:pPr lvl="1"/>
+            <a:endParaRPr lang="fr-FR" dirty="0"/>
+          </a:p>
+        </p:txBody>
+      </p:sp>
+      <p:sp>
+        <p:nvSpPr>
+          <p:cNvPr id="4" name="Espace réservé du pied de page 3">
             <a:extLst>
               <a:ext uri="{FF2B5EF4-FFF2-40B4-BE49-F238E27FC236}">
-                <a16:creationId xmlns:a16="http://schemas.microsoft.com/office/drawing/2014/main" id="{E2E48BEE-C0BB-5996-F8A5-BE36FD0B4763}"/>
+                <a16:creationId xmlns:a16="http://schemas.microsoft.com/office/drawing/2014/main" id="{6125A284-6821-4AD1-6581-B4DF4E5B8EF1}"/>
               </a:ext>
             </a:extLst>
           </p:cNvPr>
@@ -20725,7 +20503,7 @@
     </p:spTree>
     <p:extLst>
       <p:ext uri="{BB962C8B-B14F-4D97-AF65-F5344CB8AC3E}">
-        <p14:creationId xmlns:p14="http://schemas.microsoft.com/office/powerpoint/2010/main" val="1586857309"/>
+        <p14:creationId xmlns:p14="http://schemas.microsoft.com/office/powerpoint/2010/main" val="794228019"/>
       </p:ext>
     </p:extLst>
   </p:cSld>
@@ -20775,92 +20553,8 @@
           <a:p>
             <a:r>
               <a:rPr lang="fr-FR" dirty="0"/>
-              <a:t>Injection de dépendances</a:t>
-            </a:r>
-          </a:p>
-        </p:txBody>
-      </p:sp>
-      <p:pic>
-        <p:nvPicPr>
-          <p:cNvPr id="6" name="Espace réservé du contenu 5" descr="Une image contenant texte, capture d’écran, Police&#10;&#10;Description générée automatiquement">
-            <a:extLst>
-              <a:ext uri="{FF2B5EF4-FFF2-40B4-BE49-F238E27FC236}">
-                <a16:creationId xmlns:a16="http://schemas.microsoft.com/office/drawing/2014/main" id="{693D6F53-232C-2382-DF93-09C7DCB64A76}"/>
-              </a:ext>
-            </a:extLst>
-          </p:cNvPr>
-          <p:cNvPicPr>
-            <a:picLocks noGrp="1" noChangeAspect="1"/>
-          </p:cNvPicPr>
-          <p:nvPr>
-            <p:ph sz="half" idx="1"/>
-          </p:nvPr>
-        </p:nvPicPr>
-        <p:blipFill>
-          <a:blip r:embed="rId3"/>
-          <a:stretch>
-            <a:fillRect/>
-          </a:stretch>
-        </p:blipFill>
-        <p:spPr>
-          <a:xfrm>
-            <a:off x="7731775" y="2211503"/>
-            <a:ext cx="3532427" cy="4020954"/>
-          </a:xfrm>
-        </p:spPr>
-      </p:pic>
-      <p:sp>
-        <p:nvSpPr>
-          <p:cNvPr id="7" name="Espace réservé du contenu 6">
-            <a:extLst>
-              <a:ext uri="{FF2B5EF4-FFF2-40B4-BE49-F238E27FC236}">
-                <a16:creationId xmlns:a16="http://schemas.microsoft.com/office/drawing/2014/main" id="{7AE62093-ABFE-8D97-702E-B6B0232F4F71}"/>
-              </a:ext>
-            </a:extLst>
-          </p:cNvPr>
-          <p:cNvSpPr>
-            <a:spLocks noGrp="1"/>
-          </p:cNvSpPr>
-          <p:nvPr>
-            <p:ph sz="half" idx="2"/>
-          </p:nvPr>
-        </p:nvSpPr>
-        <p:spPr>
-          <a:xfrm>
-            <a:off x="810000" y="2402598"/>
-            <a:ext cx="5194583" cy="3638764"/>
-          </a:xfrm>
-        </p:spPr>
-        <p:txBody>
-          <a:bodyPr/>
-          <a:lstStyle/>
-          <a:p>
-            <a:r>
-              <a:rPr lang="fr-FR" dirty="0"/>
-              <a:t>C’est l’injection de dépendances</a:t>
-            </a:r>
-          </a:p>
-          <a:p>
-            <a:r>
-              <a:rPr lang="fr-FR" dirty="0"/>
-              <a:t>Aide à la réutilisation du code</a:t>
-            </a:r>
-          </a:p>
-          <a:p>
-            <a:r>
-              <a:rPr lang="fr-FR" dirty="0"/>
-              <a:t>Facilite la factorisation</a:t>
-            </a:r>
-          </a:p>
-          <a:p>
-            <a:r>
-              <a:rPr lang="fr-FR" dirty="0"/>
-              <a:t>Aide à la réalisation de tests</a:t>
-            </a:r>
-          </a:p>
-          <a:p>
-            <a:pPr lvl="1"/>
-            <a:endParaRPr lang="fr-FR" dirty="0"/>
+              <a:t>Comment récupérer les dépendances ?</a:t>
+            </a:r>
           </a:p>
         </p:txBody>
       </p:sp>
@@ -20893,10 +20587,104 @@
           </a:p>
         </p:txBody>
       </p:sp>
+      <p:sp>
+        <p:nvSpPr>
+          <p:cNvPr id="5" name="Espace réservé du contenu 4">
+            <a:extLst>
+              <a:ext uri="{FF2B5EF4-FFF2-40B4-BE49-F238E27FC236}">
+                <a16:creationId xmlns:a16="http://schemas.microsoft.com/office/drawing/2014/main" id="{3DC6F47C-E3F4-7EAF-5476-1C2B460BE478}"/>
+              </a:ext>
+            </a:extLst>
+          </p:cNvPr>
+          <p:cNvSpPr>
+            <a:spLocks noGrp="1"/>
+          </p:cNvSpPr>
+          <p:nvPr>
+            <p:ph idx="1"/>
+          </p:nvPr>
+        </p:nvSpPr>
+        <p:spPr/>
+        <p:txBody>
+          <a:bodyPr/>
+          <a:lstStyle/>
+          <a:p>
+            <a:r>
+              <a:rPr lang="fr-FR" dirty="0"/>
+              <a:t>Il existe des bibliothèques qui permettent de simplifier l’injection de dépendances en définissant des modules qui fournissent pour chaque interface, l’implémentation à utiliser et simplifient son utilisation dans les classes qui en dépendent (</a:t>
+            </a:r>
+            <a:r>
+              <a:rPr lang="fr-FR" dirty="0" err="1"/>
+              <a:t>Koin</a:t>
+            </a:r>
+            <a:r>
+              <a:rPr lang="fr-FR" dirty="0"/>
+              <a:t>, </a:t>
+            </a:r>
+            <a:r>
+              <a:rPr lang="fr-FR" dirty="0" err="1"/>
+              <a:t>Hilt</a:t>
+            </a:r>
+            <a:r>
+              <a:rPr lang="fr-FR" dirty="0"/>
+              <a:t>, </a:t>
+            </a:r>
+            <a:r>
+              <a:rPr lang="fr-FR" dirty="0" err="1"/>
+              <a:t>Dagger</a:t>
+            </a:r>
+            <a:r>
+              <a:rPr lang="fr-FR" dirty="0"/>
+              <a:t>…)</a:t>
+            </a:r>
+          </a:p>
+          <a:p>
+            <a:r>
+              <a:rPr lang="fr-FR" dirty="0"/>
+              <a:t>Nous verrons une version simplifiée dans ce cours qui ne dépend pas d’une autre bibliothèque</a:t>
+            </a:r>
+          </a:p>
+          <a:p>
+            <a:r>
+              <a:rPr lang="fr-FR" dirty="0"/>
+              <a:t>Définition d’un </a:t>
+            </a:r>
+            <a:r>
+              <a:rPr lang="fr-FR" b="1" dirty="0"/>
+              <a:t>conteneur d’application, </a:t>
+            </a:r>
+            <a:r>
+              <a:rPr lang="fr-FR" dirty="0"/>
+              <a:t>objet qui contient et définit les</a:t>
+            </a:r>
+            <a:r>
+              <a:rPr lang="fr-FR" b="1" dirty="0"/>
+              <a:t> dépendances </a:t>
+            </a:r>
+            <a:r>
+              <a:rPr lang="fr-FR" dirty="0"/>
+              <a:t>de l’application</a:t>
+            </a:r>
+          </a:p>
+          <a:p>
+            <a:r>
+              <a:rPr lang="fr-FR" dirty="0"/>
+              <a:t>Utilisation de la classe </a:t>
+            </a:r>
+            <a:r>
+              <a:rPr lang="fr-FR" b="1" dirty="0"/>
+              <a:t>Application </a:t>
+            </a:r>
+            <a:r>
+              <a:rPr lang="fr-FR" dirty="0"/>
+              <a:t>qui a une instance unique qui représente notre application Android et qui détiendra notre conteneur d’application</a:t>
+            </a:r>
+          </a:p>
+        </p:txBody>
+      </p:sp>
     </p:spTree>
     <p:extLst>
       <p:ext uri="{BB962C8B-B14F-4D97-AF65-F5344CB8AC3E}">
-        <p14:creationId xmlns:p14="http://schemas.microsoft.com/office/powerpoint/2010/main" val="794228019"/>
+        <p14:creationId xmlns:p14="http://schemas.microsoft.com/office/powerpoint/2010/main" val="3408308327"/>
       </p:ext>
     </p:extLst>
   </p:cSld>
@@ -21080,10 +20868,10 @@
       </p:grpSpPr>
       <p:sp>
         <p:nvSpPr>
-          <p:cNvPr id="2" name="Titre 1">
+          <p:cNvPr id="7" name="Titre 6">
             <a:extLst>
               <a:ext uri="{FF2B5EF4-FFF2-40B4-BE49-F238E27FC236}">
-                <a16:creationId xmlns:a16="http://schemas.microsoft.com/office/drawing/2014/main" id="{0F4511ED-026E-59FC-CE06-74D07725AE08}"/>
+                <a16:creationId xmlns:a16="http://schemas.microsoft.com/office/drawing/2014/main" id="{C95A6D93-B1AC-8841-02F1-45BDCCF737FC}"/>
               </a:ext>
             </a:extLst>
           </p:cNvPr>
@@ -21101,17 +20889,75 @@
           <a:p>
             <a:r>
               <a:rPr lang="fr-FR" dirty="0"/>
-              <a:t>Comment récupérer les dépendances ?</a:t>
-            </a:r>
-          </a:p>
-        </p:txBody>
-      </p:sp>
+              <a:t>Conteneur d’application</a:t>
+            </a:r>
+          </a:p>
+        </p:txBody>
+      </p:sp>
+      <p:pic>
+        <p:nvPicPr>
+          <p:cNvPr id="6" name="Espace réservé du contenu 5" descr="Une image contenant texte, capture d’écran, Police&#10;&#10;Description générée automatiquement">
+            <a:extLst>
+              <a:ext uri="{FF2B5EF4-FFF2-40B4-BE49-F238E27FC236}">
+                <a16:creationId xmlns:a16="http://schemas.microsoft.com/office/drawing/2014/main" id="{73DBA25F-A67E-7521-CE6C-5DA2C3EBF5E6}"/>
+              </a:ext>
+            </a:extLst>
+          </p:cNvPr>
+          <p:cNvPicPr>
+            <a:picLocks noGrp="1" noChangeAspect="1"/>
+          </p:cNvPicPr>
+          <p:nvPr>
+            <p:ph sz="half" idx="1"/>
+          </p:nvPr>
+        </p:nvPicPr>
+        <p:blipFill>
+          <a:blip r:embed="rId2"/>
+          <a:stretch>
+            <a:fillRect/>
+          </a:stretch>
+        </p:blipFill>
+        <p:spPr>
+          <a:xfrm>
+            <a:off x="346878" y="2248778"/>
+            <a:ext cx="6681746" cy="3792583"/>
+          </a:xfrm>
+        </p:spPr>
+      </p:pic>
+      <p:pic>
+        <p:nvPicPr>
+          <p:cNvPr id="10" name="Espace réservé du contenu 9" descr="Une image contenant texte, capture d’écran, Police&#10;&#10;Description générée automatiquement">
+            <a:extLst>
+              <a:ext uri="{FF2B5EF4-FFF2-40B4-BE49-F238E27FC236}">
+                <a16:creationId xmlns:a16="http://schemas.microsoft.com/office/drawing/2014/main" id="{3E7D1583-238D-E159-1CE2-09D109B5A003}"/>
+              </a:ext>
+            </a:extLst>
+          </p:cNvPr>
+          <p:cNvPicPr>
+            <a:picLocks noGrp="1" noChangeAspect="1"/>
+          </p:cNvPicPr>
+          <p:nvPr>
+            <p:ph sz="half" idx="2"/>
+          </p:nvPr>
+        </p:nvPicPr>
+        <p:blipFill>
+          <a:blip r:embed="rId3"/>
+          <a:stretch>
+            <a:fillRect/>
+          </a:stretch>
+        </p:blipFill>
+        <p:spPr>
+          <a:xfrm>
+            <a:off x="7124145" y="2942354"/>
+            <a:ext cx="4854180" cy="2782783"/>
+          </a:xfrm>
+        </p:spPr>
+      </p:pic>
       <p:sp>
         <p:nvSpPr>
           <p:cNvPr id="4" name="Espace réservé du pied de page 3">
             <a:extLst>
               <a:ext uri="{FF2B5EF4-FFF2-40B4-BE49-F238E27FC236}">
-                <a16:creationId xmlns:a16="http://schemas.microsoft.com/office/drawing/2014/main" id="{6125A284-6821-4AD1-6581-B4DF4E5B8EF1}"/>
+                <a16:creationId xmlns:a16="http://schemas.microsoft.com/office/drawing/2014/main" id="{BBAAA37F-D566-B48F-174A-6AAF17DBB6CC}"/>
               </a:ext>
             </a:extLst>
           </p:cNvPr>
@@ -21135,104 +20981,10 @@
           </a:p>
         </p:txBody>
       </p:sp>
-      <p:sp>
-        <p:nvSpPr>
-          <p:cNvPr id="5" name="Espace réservé du contenu 4">
-            <a:extLst>
-              <a:ext uri="{FF2B5EF4-FFF2-40B4-BE49-F238E27FC236}">
-                <a16:creationId xmlns:a16="http://schemas.microsoft.com/office/drawing/2014/main" id="{3DC6F47C-E3F4-7EAF-5476-1C2B460BE478}"/>
-              </a:ext>
-            </a:extLst>
-          </p:cNvPr>
-          <p:cNvSpPr>
-            <a:spLocks noGrp="1"/>
-          </p:cNvSpPr>
-          <p:nvPr>
-            <p:ph idx="1"/>
-          </p:nvPr>
-        </p:nvSpPr>
-        <p:spPr/>
-        <p:txBody>
-          <a:bodyPr/>
-          <a:lstStyle/>
-          <a:p>
-            <a:r>
-              <a:rPr lang="fr-FR" dirty="0"/>
-              <a:t>Il existe des bibliothèques qui permettent de simplifier l’injection de dépendances en définissant des modules qui fournissent pour chaque interface, l’implémentation à utiliser et simplifient son utilisation dans les classes qui en dépendent (</a:t>
-            </a:r>
-            <a:r>
-              <a:rPr lang="fr-FR" dirty="0" err="1"/>
-              <a:t>Koin</a:t>
-            </a:r>
-            <a:r>
-              <a:rPr lang="fr-FR" dirty="0"/>
-              <a:t>, </a:t>
-            </a:r>
-            <a:r>
-              <a:rPr lang="fr-FR" dirty="0" err="1"/>
-              <a:t>Hilt</a:t>
-            </a:r>
-            <a:r>
-              <a:rPr lang="fr-FR" dirty="0"/>
-              <a:t>, </a:t>
-            </a:r>
-            <a:r>
-              <a:rPr lang="fr-FR" dirty="0" err="1"/>
-              <a:t>Dagger</a:t>
-            </a:r>
-            <a:r>
-              <a:rPr lang="fr-FR" dirty="0"/>
-              <a:t>…)</a:t>
-            </a:r>
-          </a:p>
-          <a:p>
-            <a:r>
-              <a:rPr lang="fr-FR" dirty="0"/>
-              <a:t>Nous verrons une version simplifiée dans ce cours qui ne dépend pas d’une autre bibliothèque</a:t>
-            </a:r>
-          </a:p>
-          <a:p>
-            <a:r>
-              <a:rPr lang="fr-FR" dirty="0"/>
-              <a:t>Définition d’un </a:t>
-            </a:r>
-            <a:r>
-              <a:rPr lang="fr-FR" b="1" dirty="0"/>
-              <a:t>conteneur d’application, </a:t>
-            </a:r>
-            <a:r>
-              <a:rPr lang="fr-FR" dirty="0"/>
-              <a:t>objet qui contient et définit les</a:t>
-            </a:r>
-            <a:r>
-              <a:rPr lang="fr-FR" b="1" dirty="0"/>
-              <a:t> dépendances </a:t>
-            </a:r>
-            <a:r>
-              <a:rPr lang="fr-FR" dirty="0"/>
-              <a:t>de l’application</a:t>
-            </a:r>
-          </a:p>
-          <a:p>
-            <a:r>
-              <a:rPr lang="fr-FR" dirty="0"/>
-              <a:t>Utilisation de la classe </a:t>
-            </a:r>
-            <a:r>
-              <a:rPr lang="fr-FR" b="1" dirty="0"/>
-              <a:t>Application </a:t>
-            </a:r>
-            <a:r>
-              <a:rPr lang="fr-FR" dirty="0"/>
-              <a:t>qui a une instance unique qui représente notre application Android et qui détiendra notre conteneur d’application</a:t>
-            </a:r>
-          </a:p>
-        </p:txBody>
-      </p:sp>
     </p:spTree>
     <p:extLst>
       <p:ext uri="{BB962C8B-B14F-4D97-AF65-F5344CB8AC3E}">
-        <p14:creationId xmlns:p14="http://schemas.microsoft.com/office/powerpoint/2010/main" val="3408308327"/>
+        <p14:creationId xmlns:p14="http://schemas.microsoft.com/office/powerpoint/2010/main" val="2870486255"/>
       </p:ext>
     </p:extLst>
   </p:cSld>
@@ -21261,10 +21013,10 @@
       </p:grpSpPr>
       <p:sp>
         <p:nvSpPr>
-          <p:cNvPr id="7" name="Titre 6">
+          <p:cNvPr id="6" name="Titre 5">
             <a:extLst>
               <a:ext uri="{FF2B5EF4-FFF2-40B4-BE49-F238E27FC236}">
-                <a16:creationId xmlns:a16="http://schemas.microsoft.com/office/drawing/2014/main" id="{C95A6D93-B1AC-8841-02F1-45BDCCF737FC}"/>
+                <a16:creationId xmlns:a16="http://schemas.microsoft.com/office/drawing/2014/main" id="{8E630A18-B3B6-A5C7-5D7C-1DB99146CFA3}"/>
               </a:ext>
             </a:extLst>
           </p:cNvPr>
@@ -21282,78 +21034,67 @@
           <a:p>
             <a:r>
               <a:rPr lang="fr-FR" dirty="0"/>
-              <a:t>Conteneur d’application</a:t>
-            </a:r>
-          </a:p>
-        </p:txBody>
-      </p:sp>
-      <p:pic>
-        <p:nvPicPr>
-          <p:cNvPr id="6" name="Espace réservé du contenu 5" descr="Une image contenant texte, capture d’écran, Police&#10;&#10;Description générée automatiquement">
+              <a:t>Atelier 3 - Repository et injection de dépendances dans Mars Photos</a:t>
+            </a:r>
+          </a:p>
+        </p:txBody>
+      </p:sp>
+      <p:sp>
+        <p:nvSpPr>
+          <p:cNvPr id="7" name="Espace réservé du texte 6">
             <a:extLst>
               <a:ext uri="{FF2B5EF4-FFF2-40B4-BE49-F238E27FC236}">
-                <a16:creationId xmlns:a16="http://schemas.microsoft.com/office/drawing/2014/main" id="{73DBA25F-A67E-7521-CE6C-5DA2C3EBF5E6}"/>
+                <a16:creationId xmlns:a16="http://schemas.microsoft.com/office/drawing/2014/main" id="{E3655ECF-B5B0-224E-7861-6D0EE978DC75}"/>
               </a:ext>
             </a:extLst>
           </p:cNvPr>
-          <p:cNvPicPr>
-            <a:picLocks noGrp="1" noChangeAspect="1"/>
-          </p:cNvPicPr>
-          <p:nvPr>
-            <p:ph sz="half" idx="1"/>
-          </p:nvPr>
-        </p:nvPicPr>
-        <p:blipFill>
-          <a:blip r:embed="rId2"/>
-          <a:stretch>
-            <a:fillRect/>
-          </a:stretch>
-        </p:blipFill>
-        <p:spPr>
-          <a:xfrm>
-            <a:off x="346878" y="2248778"/>
-            <a:ext cx="6681746" cy="3792583"/>
-          </a:xfrm>
-        </p:spPr>
-      </p:pic>
-      <p:pic>
-        <p:nvPicPr>
-          <p:cNvPr id="10" name="Espace réservé du contenu 9" descr="Une image contenant texte, capture d’écran, Police&#10;&#10;Description générée automatiquement">
+          <p:cNvSpPr>
+            <a:spLocks noGrp="1"/>
+          </p:cNvSpPr>
+          <p:nvPr>
+            <p:ph type="body" idx="1"/>
+          </p:nvPr>
+        </p:nvSpPr>
+        <p:spPr/>
+        <p:txBody>
+          <a:bodyPr/>
+          <a:lstStyle/>
+          <a:p>
+            <a:pPr marL="0" indent="0" algn="l" defTabSz="457200" rtl="0" eaLnBrk="1" latinLnBrk="0" hangingPunct="1">
+              <a:spcBef>
+                <a:spcPct val="20000"/>
+              </a:spcBef>
+              <a:spcAft>
+                <a:spcPts val="600"/>
+              </a:spcAft>
+              <a:buClr>
+                <a:schemeClr val="accent1"/>
+              </a:buClr>
+              <a:buFont typeface="Wingdings 2" charset="2"/>
+              <a:buNone/>
+            </a:pPr>
+            <a:r>
+              <a:rPr lang="fr-FR" dirty="0">
+                <a:hlinkClick r:id="rId2"/>
+              </a:rPr>
+              <a:t>https://developer.android.com/codelabs/basic-android-kotlin-compose-add-repository?hl=fr</a:t>
+            </a:r>
+            <a:r>
+              <a:rPr lang="fr-FR" dirty="0"/>
+              <a:t> </a:t>
+            </a:r>
+          </a:p>
+        </p:txBody>
+      </p:sp>
+      <p:sp>
+        <p:nvSpPr>
+          <p:cNvPr id="5" name="Espace réservé du pied de page 4">
             <a:extLst>
               <a:ext uri="{FF2B5EF4-FFF2-40B4-BE49-F238E27FC236}">
-                <a16:creationId xmlns:a16="http://schemas.microsoft.com/office/drawing/2014/main" id="{3E7D1583-238D-E159-1CE2-09D109B5A003}"/>
+                <a16:creationId xmlns:a16="http://schemas.microsoft.com/office/drawing/2014/main" id="{BBC9CF93-6F82-2F4E-AF00-4FF86F836A32}"/>
               </a:ext>
             </a:extLst>
           </p:cNvPr>
-          <p:cNvPicPr>
-            <a:picLocks noGrp="1" noChangeAspect="1"/>
-          </p:cNvPicPr>
-          <p:nvPr>
-            <p:ph sz="half" idx="2"/>
-          </p:nvPr>
-        </p:nvPicPr>
-        <p:blipFill>
-          <a:blip r:embed="rId3"/>
-          <a:stretch>
-            <a:fillRect/>
-          </a:stretch>
-        </p:blipFill>
-        <p:spPr>
-          <a:xfrm>
-            <a:off x="7124145" y="2942354"/>
-            <a:ext cx="4854180" cy="2782783"/>
-          </a:xfrm>
-        </p:spPr>
-      </p:pic>
-      <p:sp>
-        <p:nvSpPr>
-          <p:cNvPr id="4" name="Espace réservé du pied de page 3">
-            <a:extLst>
-              <a:ext uri="{FF2B5EF4-FFF2-40B4-BE49-F238E27FC236}">
-                <a16:creationId xmlns:a16="http://schemas.microsoft.com/office/drawing/2014/main" id="{BBAAA37F-D566-B48F-174A-6AAF17DBB6CC}"/>
-              </a:ext>
-            </a:extLst>
-          </p:cNvPr>
           <p:cNvSpPr>
             <a:spLocks noGrp="1"/>
           </p:cNvSpPr>
@@ -21377,7 +21118,7 @@
     </p:spTree>
     <p:extLst>
       <p:ext uri="{BB962C8B-B14F-4D97-AF65-F5344CB8AC3E}">
-        <p14:creationId xmlns:p14="http://schemas.microsoft.com/office/powerpoint/2010/main" val="2870486255"/>
+        <p14:creationId xmlns:p14="http://schemas.microsoft.com/office/powerpoint/2010/main" val="2042760472"/>
       </p:ext>
     </p:extLst>
   </p:cSld>
@@ -21406,140 +21147,6 @@
       </p:grpSpPr>
       <p:sp>
         <p:nvSpPr>
-          <p:cNvPr id="6" name="Titre 5">
-            <a:extLst>
-              <a:ext uri="{FF2B5EF4-FFF2-40B4-BE49-F238E27FC236}">
-                <a16:creationId xmlns:a16="http://schemas.microsoft.com/office/drawing/2014/main" id="{8E630A18-B3B6-A5C7-5D7C-1DB99146CFA3}"/>
-              </a:ext>
-            </a:extLst>
-          </p:cNvPr>
-          <p:cNvSpPr>
-            <a:spLocks noGrp="1"/>
-          </p:cNvSpPr>
-          <p:nvPr>
-            <p:ph type="title"/>
-          </p:nvPr>
-        </p:nvSpPr>
-        <p:spPr/>
-        <p:txBody>
-          <a:bodyPr/>
-          <a:lstStyle/>
-          <a:p>
-            <a:r>
-              <a:rPr lang="fr-FR" dirty="0"/>
-              <a:t>Atelier 3 - Repository et injection de dépendances dans Mars Photos</a:t>
-            </a:r>
-          </a:p>
-        </p:txBody>
-      </p:sp>
-      <p:sp>
-        <p:nvSpPr>
-          <p:cNvPr id="7" name="Espace réservé du texte 6">
-            <a:extLst>
-              <a:ext uri="{FF2B5EF4-FFF2-40B4-BE49-F238E27FC236}">
-                <a16:creationId xmlns:a16="http://schemas.microsoft.com/office/drawing/2014/main" id="{E3655ECF-B5B0-224E-7861-6D0EE978DC75}"/>
-              </a:ext>
-            </a:extLst>
-          </p:cNvPr>
-          <p:cNvSpPr>
-            <a:spLocks noGrp="1"/>
-          </p:cNvSpPr>
-          <p:nvPr>
-            <p:ph type="body" idx="1"/>
-          </p:nvPr>
-        </p:nvSpPr>
-        <p:spPr/>
-        <p:txBody>
-          <a:bodyPr/>
-          <a:lstStyle/>
-          <a:p>
-            <a:pPr marL="0" indent="0" algn="l" defTabSz="457200" rtl="0" eaLnBrk="1" latinLnBrk="0" hangingPunct="1">
-              <a:spcBef>
-                <a:spcPct val="20000"/>
-              </a:spcBef>
-              <a:spcAft>
-                <a:spcPts val="600"/>
-              </a:spcAft>
-              <a:buClr>
-                <a:schemeClr val="accent1"/>
-              </a:buClr>
-              <a:buFont typeface="Wingdings 2" charset="2"/>
-              <a:buNone/>
-            </a:pPr>
-            <a:r>
-              <a:rPr lang="fr-FR" dirty="0">
-                <a:hlinkClick r:id="rId2"/>
-              </a:rPr>
-              <a:t>https://developer.android.com/codelabs/basic-android-kotlin-compose-add-repository?hl=fr</a:t>
-            </a:r>
-            <a:r>
-              <a:rPr lang="fr-FR" dirty="0"/>
-              <a:t> </a:t>
-            </a:r>
-          </a:p>
-        </p:txBody>
-      </p:sp>
-      <p:sp>
-        <p:nvSpPr>
-          <p:cNvPr id="5" name="Espace réservé du pied de page 4">
-            <a:extLst>
-              <a:ext uri="{FF2B5EF4-FFF2-40B4-BE49-F238E27FC236}">
-                <a16:creationId xmlns:a16="http://schemas.microsoft.com/office/drawing/2014/main" id="{BBC9CF93-6F82-2F4E-AF00-4FF86F836A32}"/>
-              </a:ext>
-            </a:extLst>
-          </p:cNvPr>
-          <p:cNvSpPr>
-            <a:spLocks noGrp="1"/>
-          </p:cNvSpPr>
-          <p:nvPr>
-            <p:ph type="ftr" sz="quarter" idx="11"/>
-          </p:nvPr>
-        </p:nvSpPr>
-        <p:spPr/>
-        <p:txBody>
-          <a:bodyPr/>
-          <a:lstStyle/>
-          <a:p>
-            <a:r>
-              <a:rPr lang="en-US"/>
-              <a:t>Qualité de dev Android par Jocelyn CARAMAN</a:t>
-            </a:r>
-            <a:endParaRPr lang="en-US" dirty="0"/>
-          </a:p>
-        </p:txBody>
-      </p:sp>
-    </p:spTree>
-    <p:extLst>
-      <p:ext uri="{BB962C8B-B14F-4D97-AF65-F5344CB8AC3E}">
-        <p14:creationId xmlns:p14="http://schemas.microsoft.com/office/powerpoint/2010/main" val="2042760472"/>
-      </p:ext>
-    </p:extLst>
-  </p:cSld>
-  <p:clrMapOvr>
-    <a:masterClrMapping/>
-  </p:clrMapOvr>
-</p:sld>
-</file>
-
-<file path=ppt/slides/slide53.xml><?xml version="1.0" encoding="utf-8"?>
-<p:sld xmlns:a="http://schemas.openxmlformats.org/drawingml/2006/main" xmlns:r="http://schemas.openxmlformats.org/officeDocument/2006/relationships" xmlns:p="http://schemas.openxmlformats.org/presentationml/2006/main">
-  <p:cSld>
-    <p:spTree>
-      <p:nvGrpSpPr>
-        <p:cNvPr id="1" name=""/>
-        <p:cNvGrpSpPr/>
-        <p:nvPr/>
-      </p:nvGrpSpPr>
-      <p:grpSpPr>
-        <a:xfrm>
-          <a:off x="0" y="0"/>
-          <a:ext cx="0" cy="0"/>
-          <a:chOff x="0" y="0"/>
-          <a:chExt cx="0" cy="0"/>
-        </a:xfrm>
-      </p:grpSpPr>
-      <p:sp>
-        <p:nvSpPr>
           <p:cNvPr id="5" name="Titre 4">
             <a:extLst>
               <a:ext uri="{FF2B5EF4-FFF2-40B4-BE49-F238E27FC236}">
@@ -21676,7 +21283,7 @@
 </p:sld>
 </file>
 
-<file path=ppt/slides/slide54.xml><?xml version="1.0" encoding="utf-8"?>
+<file path=ppt/slides/slide53.xml><?xml version="1.0" encoding="utf-8"?>
 <p:sld xmlns:a="http://schemas.openxmlformats.org/drawingml/2006/main" xmlns:r="http://schemas.openxmlformats.org/officeDocument/2006/relationships" xmlns:p="http://schemas.openxmlformats.org/presentationml/2006/main">
   <p:cSld>
     <p:spTree>
@@ -21878,6 +21485,212 @@
 </p:sld>
 </file>
 
+<file path=ppt/slides/slide54.xml><?xml version="1.0" encoding="utf-8"?>
+<p:sld xmlns:a="http://schemas.openxmlformats.org/drawingml/2006/main" xmlns:r="http://schemas.openxmlformats.org/officeDocument/2006/relationships" xmlns:p="http://schemas.openxmlformats.org/presentationml/2006/main">
+  <p:cSld>
+    <p:spTree>
+      <p:nvGrpSpPr>
+        <p:cNvPr id="1" name=""/>
+        <p:cNvGrpSpPr/>
+        <p:nvPr/>
+      </p:nvGrpSpPr>
+      <p:grpSpPr>
+        <a:xfrm>
+          <a:off x="0" y="0"/>
+          <a:ext cx="0" cy="0"/>
+          <a:chOff x="0" y="0"/>
+          <a:chExt cx="0" cy="0"/>
+        </a:xfrm>
+      </p:grpSpPr>
+      <p:sp>
+        <p:nvSpPr>
+          <p:cNvPr id="5" name="Titre 4">
+            <a:extLst>
+              <a:ext uri="{FF2B5EF4-FFF2-40B4-BE49-F238E27FC236}">
+                <a16:creationId xmlns:a16="http://schemas.microsoft.com/office/drawing/2014/main" id="{D5964A37-385B-53E5-53DC-6057C94F37E8}"/>
+              </a:ext>
+            </a:extLst>
+          </p:cNvPr>
+          <p:cNvSpPr>
+            <a:spLocks noGrp="1"/>
+          </p:cNvSpPr>
+          <p:nvPr>
+            <p:ph type="title"/>
+          </p:nvPr>
+        </p:nvSpPr>
+        <p:spPr/>
+        <p:txBody>
+          <a:bodyPr/>
+          <a:lstStyle/>
+          <a:p>
+            <a:r>
+              <a:rPr lang="fr-FR" dirty="0"/>
+              <a:t>Utilisation de </a:t>
+            </a:r>
+            <a:r>
+              <a:rPr lang="fr-FR" dirty="0" err="1"/>
+              <a:t>Coil</a:t>
+            </a:r>
+            <a:endParaRPr lang="fr-FR" dirty="0"/>
+          </a:p>
+        </p:txBody>
+      </p:sp>
+      <p:sp>
+        <p:nvSpPr>
+          <p:cNvPr id="6" name="Espace réservé du contenu 5">
+            <a:extLst>
+              <a:ext uri="{FF2B5EF4-FFF2-40B4-BE49-F238E27FC236}">
+                <a16:creationId xmlns:a16="http://schemas.microsoft.com/office/drawing/2014/main" id="{CBA92C59-9A05-146E-EC99-64437CA0A360}"/>
+              </a:ext>
+            </a:extLst>
+          </p:cNvPr>
+          <p:cNvSpPr>
+            <a:spLocks noGrp="1"/>
+          </p:cNvSpPr>
+          <p:nvPr>
+            <p:ph idx="1"/>
+          </p:nvPr>
+        </p:nvSpPr>
+        <p:spPr>
+          <a:xfrm>
+            <a:off x="818712" y="2222287"/>
+            <a:ext cx="10554574" cy="3736385"/>
+          </a:xfrm>
+        </p:spPr>
+        <p:txBody>
+          <a:bodyPr>
+            <a:normAutofit/>
+          </a:bodyPr>
+          <a:lstStyle/>
+          <a:p>
+            <a:r>
+              <a:rPr lang="fr-FR" b="1" dirty="0"/>
+              <a:t>model</a:t>
+            </a:r>
+            <a:r>
+              <a:rPr lang="fr-FR" dirty="0"/>
+              <a:t> est l’argument qui prend en paramètre un </a:t>
+            </a:r>
+            <a:r>
+              <a:rPr lang="fr-FR" b="1" dirty="0" err="1"/>
+              <a:t>ImageRequest</a:t>
+            </a:r>
+            <a:r>
+              <a:rPr lang="fr-FR" b="1" dirty="0"/>
+              <a:t> </a:t>
+            </a:r>
+            <a:r>
+              <a:rPr lang="fr-FR" dirty="0"/>
+              <a:t>qui défini comment est chargé l’image à l’aide d’un </a:t>
+            </a:r>
+            <a:r>
+              <a:rPr lang="fr-FR" dirty="0" err="1"/>
+              <a:t>builder</a:t>
+            </a:r>
+            <a:endParaRPr lang="fr-FR" dirty="0"/>
+          </a:p>
+          <a:p>
+            <a:pPr lvl="1"/>
+            <a:r>
+              <a:rPr lang="fr-FR" b="1" dirty="0"/>
+              <a:t>data</a:t>
+            </a:r>
+            <a:r>
+              <a:rPr lang="fr-FR" dirty="0"/>
+              <a:t> permet de définir comment charger l’image (URL, </a:t>
+            </a:r>
+            <a:r>
+              <a:rPr lang="fr-FR" dirty="0" err="1"/>
+              <a:t>drawable</a:t>
+            </a:r>
+            <a:r>
+              <a:rPr lang="fr-FR" dirty="0"/>
+              <a:t>, bitmap, fichier…)</a:t>
+            </a:r>
+          </a:p>
+          <a:p>
+            <a:pPr lvl="1"/>
+            <a:r>
+              <a:rPr lang="fr-FR" b="1" dirty="0" err="1"/>
+              <a:t>placeholder</a:t>
+            </a:r>
+            <a:r>
+              <a:rPr lang="fr-FR" dirty="0"/>
+              <a:t> permet de définir une image en attendant que l’image cible soit chargé</a:t>
+            </a:r>
+          </a:p>
+          <a:p>
+            <a:pPr lvl="1"/>
+            <a:r>
+              <a:rPr lang="fr-FR" b="1" dirty="0" err="1"/>
+              <a:t>crossfade</a:t>
+            </a:r>
+            <a:r>
+              <a:rPr lang="fr-FR" dirty="0"/>
+              <a:t> permet d’ajout une transition fondu au chargement de l’image</a:t>
+            </a:r>
+          </a:p>
+          <a:p>
+            <a:pPr lvl="1"/>
+            <a:r>
+              <a:rPr lang="fr-FR" b="1" dirty="0" err="1"/>
+              <a:t>error</a:t>
+            </a:r>
+            <a:r>
+              <a:rPr lang="fr-FR" dirty="0"/>
+              <a:t> permet de spécifier une image à afficher quand l’image cible ne peut pas être chargé</a:t>
+            </a:r>
+          </a:p>
+          <a:p>
+            <a:endParaRPr lang="fr-FR" dirty="0">
+              <a:latin typeface="Consolas" panose="020B0609020204030204" pitchFamily="49" charset="0"/>
+              <a:cs typeface="Consolas" panose="020B0609020204030204" pitchFamily="49" charset="0"/>
+            </a:endParaRPr>
+          </a:p>
+        </p:txBody>
+      </p:sp>
+      <p:sp>
+        <p:nvSpPr>
+          <p:cNvPr id="4" name="Espace réservé du pied de page 3">
+            <a:extLst>
+              <a:ext uri="{FF2B5EF4-FFF2-40B4-BE49-F238E27FC236}">
+                <a16:creationId xmlns:a16="http://schemas.microsoft.com/office/drawing/2014/main" id="{61AE6119-28C6-C26A-B867-329865720930}"/>
+              </a:ext>
+            </a:extLst>
+          </p:cNvPr>
+          <p:cNvSpPr>
+            <a:spLocks noGrp="1"/>
+          </p:cNvSpPr>
+          <p:nvPr>
+            <p:ph type="ftr" sz="quarter" idx="11"/>
+          </p:nvPr>
+        </p:nvSpPr>
+        <p:spPr/>
+        <p:txBody>
+          <a:bodyPr/>
+          <a:lstStyle/>
+          <a:p>
+            <a:r>
+              <a:rPr lang="en-US"/>
+              <a:t>Qualité de dev Android par Jocelyn CARAMAN</a:t>
+            </a:r>
+            <a:endParaRPr lang="en-US" dirty="0"/>
+          </a:p>
+        </p:txBody>
+      </p:sp>
+    </p:spTree>
+    <p:extLst>
+      <p:ext uri="{BB962C8B-B14F-4D97-AF65-F5344CB8AC3E}">
+        <p14:creationId xmlns:p14="http://schemas.microsoft.com/office/powerpoint/2010/main" val="1285542094"/>
+      </p:ext>
+    </p:extLst>
+  </p:cSld>
+  <p:clrMapOvr>
+    <a:masterClrMapping/>
+  </p:clrMapOvr>
+</p:sld>
+</file>
+
 <file path=ppt/slides/slide55.xml><?xml version="1.0" encoding="utf-8"?>
 <p:sld xmlns:a="http://schemas.openxmlformats.org/drawingml/2006/main" xmlns:r="http://schemas.openxmlformats.org/officeDocument/2006/relationships" xmlns:p="http://schemas.openxmlformats.org/presentationml/2006/main">
   <p:cSld>
@@ -21900,212 +21713,6 @@
           <p:cNvPr id="5" name="Titre 4">
             <a:extLst>
               <a:ext uri="{FF2B5EF4-FFF2-40B4-BE49-F238E27FC236}">
-                <a16:creationId xmlns:a16="http://schemas.microsoft.com/office/drawing/2014/main" id="{D5964A37-385B-53E5-53DC-6057C94F37E8}"/>
-              </a:ext>
-            </a:extLst>
-          </p:cNvPr>
-          <p:cNvSpPr>
-            <a:spLocks noGrp="1"/>
-          </p:cNvSpPr>
-          <p:nvPr>
-            <p:ph type="title"/>
-          </p:nvPr>
-        </p:nvSpPr>
-        <p:spPr/>
-        <p:txBody>
-          <a:bodyPr/>
-          <a:lstStyle/>
-          <a:p>
-            <a:r>
-              <a:rPr lang="fr-FR" dirty="0"/>
-              <a:t>Utilisation de </a:t>
-            </a:r>
-            <a:r>
-              <a:rPr lang="fr-FR" dirty="0" err="1"/>
-              <a:t>Coil</a:t>
-            </a:r>
-            <a:endParaRPr lang="fr-FR" dirty="0"/>
-          </a:p>
-        </p:txBody>
-      </p:sp>
-      <p:sp>
-        <p:nvSpPr>
-          <p:cNvPr id="6" name="Espace réservé du contenu 5">
-            <a:extLst>
-              <a:ext uri="{FF2B5EF4-FFF2-40B4-BE49-F238E27FC236}">
-                <a16:creationId xmlns:a16="http://schemas.microsoft.com/office/drawing/2014/main" id="{CBA92C59-9A05-146E-EC99-64437CA0A360}"/>
-              </a:ext>
-            </a:extLst>
-          </p:cNvPr>
-          <p:cNvSpPr>
-            <a:spLocks noGrp="1"/>
-          </p:cNvSpPr>
-          <p:nvPr>
-            <p:ph idx="1"/>
-          </p:nvPr>
-        </p:nvSpPr>
-        <p:spPr>
-          <a:xfrm>
-            <a:off x="818712" y="2222287"/>
-            <a:ext cx="10554574" cy="3736385"/>
-          </a:xfrm>
-        </p:spPr>
-        <p:txBody>
-          <a:bodyPr>
-            <a:normAutofit/>
-          </a:bodyPr>
-          <a:lstStyle/>
-          <a:p>
-            <a:r>
-              <a:rPr lang="fr-FR" b="1" dirty="0"/>
-              <a:t>model</a:t>
-            </a:r>
-            <a:r>
-              <a:rPr lang="fr-FR" dirty="0"/>
-              <a:t> est l’argument qui prend en paramètre un </a:t>
-            </a:r>
-            <a:r>
-              <a:rPr lang="fr-FR" b="1" dirty="0" err="1"/>
-              <a:t>ImageRequest</a:t>
-            </a:r>
-            <a:r>
-              <a:rPr lang="fr-FR" b="1" dirty="0"/>
-              <a:t> </a:t>
-            </a:r>
-            <a:r>
-              <a:rPr lang="fr-FR" dirty="0"/>
-              <a:t>qui défini comment est chargé l’image à l’aide d’un </a:t>
-            </a:r>
-            <a:r>
-              <a:rPr lang="fr-FR" dirty="0" err="1"/>
-              <a:t>builder</a:t>
-            </a:r>
-            <a:endParaRPr lang="fr-FR" dirty="0"/>
-          </a:p>
-          <a:p>
-            <a:pPr lvl="1"/>
-            <a:r>
-              <a:rPr lang="fr-FR" b="1" dirty="0"/>
-              <a:t>data</a:t>
-            </a:r>
-            <a:r>
-              <a:rPr lang="fr-FR" dirty="0"/>
-              <a:t> permet de définir comment charger l’image (URL, </a:t>
-            </a:r>
-            <a:r>
-              <a:rPr lang="fr-FR" dirty="0" err="1"/>
-              <a:t>drawable</a:t>
-            </a:r>
-            <a:r>
-              <a:rPr lang="fr-FR" dirty="0"/>
-              <a:t>, bitmap, fichier…)</a:t>
-            </a:r>
-          </a:p>
-          <a:p>
-            <a:pPr lvl="1"/>
-            <a:r>
-              <a:rPr lang="fr-FR" b="1" dirty="0" err="1"/>
-              <a:t>placeholder</a:t>
-            </a:r>
-            <a:r>
-              <a:rPr lang="fr-FR" dirty="0"/>
-              <a:t> permet de définir une image en attendant que l’image cible soit chargé</a:t>
-            </a:r>
-          </a:p>
-          <a:p>
-            <a:pPr lvl="1"/>
-            <a:r>
-              <a:rPr lang="fr-FR" b="1" dirty="0" err="1"/>
-              <a:t>crossfade</a:t>
-            </a:r>
-            <a:r>
-              <a:rPr lang="fr-FR" dirty="0"/>
-              <a:t> permet d’ajout une transition fondu au chargement de l’image</a:t>
-            </a:r>
-          </a:p>
-          <a:p>
-            <a:pPr lvl="1"/>
-            <a:r>
-              <a:rPr lang="fr-FR" b="1" dirty="0" err="1"/>
-              <a:t>error</a:t>
-            </a:r>
-            <a:r>
-              <a:rPr lang="fr-FR" dirty="0"/>
-              <a:t> permet de spécifier une image à afficher quand l’image cible ne peut pas être chargé</a:t>
-            </a:r>
-          </a:p>
-          <a:p>
-            <a:endParaRPr lang="fr-FR" dirty="0">
-              <a:latin typeface="Consolas" panose="020B0609020204030204" pitchFamily="49" charset="0"/>
-              <a:cs typeface="Consolas" panose="020B0609020204030204" pitchFamily="49" charset="0"/>
-            </a:endParaRPr>
-          </a:p>
-        </p:txBody>
-      </p:sp>
-      <p:sp>
-        <p:nvSpPr>
-          <p:cNvPr id="4" name="Espace réservé du pied de page 3">
-            <a:extLst>
-              <a:ext uri="{FF2B5EF4-FFF2-40B4-BE49-F238E27FC236}">
-                <a16:creationId xmlns:a16="http://schemas.microsoft.com/office/drawing/2014/main" id="{61AE6119-28C6-C26A-B867-329865720930}"/>
-              </a:ext>
-            </a:extLst>
-          </p:cNvPr>
-          <p:cNvSpPr>
-            <a:spLocks noGrp="1"/>
-          </p:cNvSpPr>
-          <p:nvPr>
-            <p:ph type="ftr" sz="quarter" idx="11"/>
-          </p:nvPr>
-        </p:nvSpPr>
-        <p:spPr/>
-        <p:txBody>
-          <a:bodyPr/>
-          <a:lstStyle/>
-          <a:p>
-            <a:r>
-              <a:rPr lang="en-US"/>
-              <a:t>Qualité de dev Android par Jocelyn CARAMAN</a:t>
-            </a:r>
-            <a:endParaRPr lang="en-US" dirty="0"/>
-          </a:p>
-        </p:txBody>
-      </p:sp>
-    </p:spTree>
-    <p:extLst>
-      <p:ext uri="{BB962C8B-B14F-4D97-AF65-F5344CB8AC3E}">
-        <p14:creationId xmlns:p14="http://schemas.microsoft.com/office/powerpoint/2010/main" val="1285542094"/>
-      </p:ext>
-    </p:extLst>
-  </p:cSld>
-  <p:clrMapOvr>
-    <a:masterClrMapping/>
-  </p:clrMapOvr>
-</p:sld>
-</file>
-
-<file path=ppt/slides/slide56.xml><?xml version="1.0" encoding="utf-8"?>
-<p:sld xmlns:a="http://schemas.openxmlformats.org/drawingml/2006/main" xmlns:r="http://schemas.openxmlformats.org/officeDocument/2006/relationships" xmlns:p="http://schemas.openxmlformats.org/presentationml/2006/main">
-  <p:cSld>
-    <p:spTree>
-      <p:nvGrpSpPr>
-        <p:cNvPr id="1" name=""/>
-        <p:cNvGrpSpPr/>
-        <p:nvPr/>
-      </p:nvGrpSpPr>
-      <p:grpSpPr>
-        <a:xfrm>
-          <a:off x="0" y="0"/>
-          <a:ext cx="0" cy="0"/>
-          <a:chOff x="0" y="0"/>
-          <a:chExt cx="0" cy="0"/>
-        </a:xfrm>
-      </p:grpSpPr>
-      <p:sp>
-        <p:nvSpPr>
-          <p:cNvPr id="5" name="Titre 4">
-            <a:extLst>
-              <a:ext uri="{FF2B5EF4-FFF2-40B4-BE49-F238E27FC236}">
                 <a16:creationId xmlns:a16="http://schemas.microsoft.com/office/drawing/2014/main" id="{FA4228F1-8D13-D6FD-F119-BBE8DEC01973}"/>
               </a:ext>
             </a:extLst>
@@ -22209,118 +21816,6 @@
     <p:extLst>
       <p:ext uri="{BB962C8B-B14F-4D97-AF65-F5344CB8AC3E}">
         <p14:creationId xmlns:p14="http://schemas.microsoft.com/office/powerpoint/2010/main" val="447907079"/>
-      </p:ext>
-    </p:extLst>
-  </p:cSld>
-  <p:clrMapOvr>
-    <a:masterClrMapping/>
-  </p:clrMapOvr>
-</p:sld>
-</file>
-
-<file path=ppt/slides/slide57.xml><?xml version="1.0" encoding="utf-8"?>
-<p:sld xmlns:a="http://schemas.openxmlformats.org/drawingml/2006/main" xmlns:r="http://schemas.openxmlformats.org/officeDocument/2006/relationships" xmlns:p="http://schemas.openxmlformats.org/presentationml/2006/main">
-  <p:cSld>
-    <p:spTree>
-      <p:nvGrpSpPr>
-        <p:cNvPr id="1" name=""/>
-        <p:cNvGrpSpPr/>
-        <p:nvPr/>
-      </p:nvGrpSpPr>
-      <p:grpSpPr>
-        <a:xfrm>
-          <a:off x="0" y="0"/>
-          <a:ext cx="0" cy="0"/>
-          <a:chOff x="0" y="0"/>
-          <a:chExt cx="0" cy="0"/>
-        </a:xfrm>
-      </p:grpSpPr>
-      <p:sp>
-        <p:nvSpPr>
-          <p:cNvPr id="5" name="Titre 4">
-            <a:extLst>
-              <a:ext uri="{FF2B5EF4-FFF2-40B4-BE49-F238E27FC236}">
-                <a16:creationId xmlns:a16="http://schemas.microsoft.com/office/drawing/2014/main" id="{9F31E033-5B00-4BDE-19F3-54C4EE6A2E88}"/>
-              </a:ext>
-            </a:extLst>
-          </p:cNvPr>
-          <p:cNvSpPr>
-            <a:spLocks noGrp="1"/>
-          </p:cNvSpPr>
-          <p:nvPr>
-            <p:ph type="title"/>
-          </p:nvPr>
-        </p:nvSpPr>
-        <p:spPr/>
-        <p:txBody>
-          <a:bodyPr/>
-          <a:lstStyle/>
-          <a:p>
-            <a:r>
-              <a:rPr lang="fr-FR" dirty="0"/>
-              <a:t>Quiz</a:t>
-            </a:r>
-          </a:p>
-        </p:txBody>
-      </p:sp>
-      <p:sp>
-        <p:nvSpPr>
-          <p:cNvPr id="8" name="Espace réservé du texte 7">
-            <a:extLst>
-              <a:ext uri="{FF2B5EF4-FFF2-40B4-BE49-F238E27FC236}">
-                <a16:creationId xmlns:a16="http://schemas.microsoft.com/office/drawing/2014/main" id="{D00D5157-4F99-B686-7A2C-A446A7402248}"/>
-              </a:ext>
-            </a:extLst>
-          </p:cNvPr>
-          <p:cNvSpPr>
-            <a:spLocks noGrp="1"/>
-          </p:cNvSpPr>
-          <p:nvPr>
-            <p:ph type="body" idx="1"/>
-          </p:nvPr>
-        </p:nvSpPr>
-        <p:spPr/>
-        <p:txBody>
-          <a:bodyPr/>
-          <a:lstStyle/>
-          <a:p>
-            <a:endParaRPr lang="fr-FR"/>
-          </a:p>
-        </p:txBody>
-      </p:sp>
-      <p:sp>
-        <p:nvSpPr>
-          <p:cNvPr id="4" name="Espace réservé du pied de page 3">
-            <a:extLst>
-              <a:ext uri="{FF2B5EF4-FFF2-40B4-BE49-F238E27FC236}">
-                <a16:creationId xmlns:a16="http://schemas.microsoft.com/office/drawing/2014/main" id="{F2C5F5AA-0283-6584-0B4D-D13B0827B0B7}"/>
-              </a:ext>
-            </a:extLst>
-          </p:cNvPr>
-          <p:cNvSpPr>
-            <a:spLocks noGrp="1"/>
-          </p:cNvSpPr>
-          <p:nvPr>
-            <p:ph type="ftr" sz="quarter" idx="11"/>
-          </p:nvPr>
-        </p:nvSpPr>
-        <p:spPr/>
-        <p:txBody>
-          <a:bodyPr/>
-          <a:lstStyle/>
-          <a:p>
-            <a:r>
-              <a:rPr lang="en-US"/>
-              <a:t>Qualité de dev Android par Jocelyn CARAMAN</a:t>
-            </a:r>
-            <a:endParaRPr lang="en-US" dirty="0"/>
-          </a:p>
-        </p:txBody>
-      </p:sp>
-    </p:spTree>
-    <p:extLst>
-      <p:ext uri="{BB962C8B-B14F-4D97-AF65-F5344CB8AC3E}">
-        <p14:creationId xmlns:p14="http://schemas.microsoft.com/office/powerpoint/2010/main" val="701305543"/>
       </p:ext>
     </p:extLst>
   </p:cSld>
